--- a/01 Presentacion/INFO1_MOD8-Arreglos.pptx
+++ b/01 Presentacion/INFO1_MOD8-Arreglos.pptx
@@ -265,7 +265,7 @@
           <a:p>
             <a:fld id="{CA078794-278F-45FF-96BC-AAFA7573FC36}" type="datetimeFigureOut">
               <a:rPr lang="en-US" smtClean="0"/>
-              <a:t>11/12/2019</a:t>
+              <a:t>11/13/2019</a:t>
             </a:fld>
             <a:endParaRPr lang="en-US"/>
           </a:p>
@@ -532,7 +532,7 @@
               <a:pPr>
                 <a:defRPr/>
               </a:pPr>
-              <a:t>11/12/2019</a:t>
+              <a:t>11/13/2019</a:t>
             </a:fld>
             <a:endParaRPr lang="en-US"/>
           </a:p>
@@ -6833,7 +6833,7 @@
         <p:spPr>
           <a:xfrm>
             <a:off x="805156" y="3325868"/>
-            <a:ext cx="5538999" cy="2031325"/>
+            <a:ext cx="5538999" cy="2308324"/>
           </a:xfrm>
           <a:prstGeom prst="rect">
             <a:avLst/>
@@ -6882,7 +6882,7 @@
                 </a:solidFill>
                 <a:latin typeface="Cascadia Code,  Courier New"/>
               </a:rPr>
-              <a:t> = = </a:t>
+              <a:t> = </a:t>
             </a:r>
             <a:r>
               <a:rPr lang="en-US" dirty="0">
@@ -6937,6 +6937,53 @@
                 <a:latin typeface="Cascadia Code,  Courier New"/>
               </a:rPr>
               <a:t>];</a:t>
+            </a:r>
+          </a:p>
+          <a:p>
+            <a:r>
+              <a:rPr lang="en-US" dirty="0">
+                <a:solidFill>
+                  <a:srgbClr val="D4D4D4"/>
+                </a:solidFill>
+                <a:latin typeface="Cascadia Code,  Courier New"/>
+              </a:rPr>
+              <a:t>temperature[</a:t>
+            </a:r>
+            <a:r>
+              <a:rPr lang="en-US" dirty="0">
+                <a:solidFill>
+                  <a:srgbClr val="B5CEA8"/>
+                </a:solidFill>
+                <a:latin typeface="Cascadia Code,  Courier New"/>
+              </a:rPr>
+              <a:t>0</a:t>
+            </a:r>
+            <a:r>
+              <a:rPr lang="en-US" dirty="0">
+                <a:solidFill>
+                  <a:srgbClr val="D4D4D4"/>
+                </a:solidFill>
+                <a:latin typeface="Cascadia Code,  Courier New"/>
+              </a:rPr>
+              <a:t>] = </a:t>
+            </a:r>
+            <a:r>
+              <a:rPr lang="en-US" dirty="0">
+                <a:solidFill>
+                  <a:srgbClr val="B5CEA8"/>
+                </a:solidFill>
+                <a:latin typeface="Cascadia Code,  Courier New"/>
+              </a:rPr>
+              <a:t>6.9</a:t>
+            </a:r>
+            <a:r>
+              <a:rPr lang="en-US" dirty="0">
+                <a:solidFill>
+                  <a:srgbClr val="D4D4D4"/>
+                </a:solidFill>
+                <a:latin typeface="Cascadia Code,  Courier New"/>
+              </a:rPr>
+              <a:t>;</a:t>
             </a:r>
           </a:p>
           <a:p>

--- a/01 Presentacion/INFO1_MOD8-Arreglos.pptx
+++ b/01 Presentacion/INFO1_MOD8-Arreglos.pptx
@@ -5,10 +5,10 @@
     <p:sldMasterId id="2147483685" r:id="rId1"/>
   </p:sldMasterIdLst>
   <p:notesMasterIdLst>
-    <p:notesMasterId r:id="rId12"/>
+    <p:notesMasterId r:id="rId20"/>
   </p:notesMasterIdLst>
   <p:handoutMasterIdLst>
-    <p:handoutMasterId r:id="rId13"/>
+    <p:handoutMasterId r:id="rId21"/>
   </p:handoutMasterIdLst>
   <p:sldIdLst>
     <p:sldId id="256" r:id="rId2"/>
@@ -21,6 +21,14 @@
     <p:sldId id="346" r:id="rId9"/>
     <p:sldId id="347" r:id="rId10"/>
     <p:sldId id="348" r:id="rId11"/>
+    <p:sldId id="349" r:id="rId12"/>
+    <p:sldId id="350" r:id="rId13"/>
+    <p:sldId id="351" r:id="rId14"/>
+    <p:sldId id="352" r:id="rId15"/>
+    <p:sldId id="353" r:id="rId16"/>
+    <p:sldId id="354" r:id="rId17"/>
+    <p:sldId id="355" r:id="rId18"/>
+    <p:sldId id="356" r:id="rId19"/>
   </p:sldIdLst>
   <p:sldSz cx="9144000" cy="6858000" type="screen4x3"/>
   <p:notesSz cx="6858000" cy="9144000"/>
@@ -265,7 +273,7 @@
           <a:p>
             <a:fld id="{CA078794-278F-45FF-96BC-AAFA7573FC36}" type="datetimeFigureOut">
               <a:rPr lang="en-US" smtClean="0"/>
-              <a:t>11/13/2019</a:t>
+              <a:t>11/14/2019</a:t>
             </a:fld>
             <a:endParaRPr lang="en-US"/>
           </a:p>
@@ -532,7 +540,7 @@
               <a:pPr>
                 <a:defRPr/>
               </a:pPr>
-              <a:t>11/13/2019</a:t>
+              <a:t>11/14/2019</a:t>
             </a:fld>
             <a:endParaRPr lang="en-US"/>
           </a:p>
@@ -1443,7 +1451,7 @@
             <a:pPr>
               <a:defRPr/>
             </a:pPr>
-            <a:endParaRPr lang="en-US"/>
+            <a:endParaRPr lang="en-US" dirty="0"/>
           </a:p>
         </p:txBody>
       </p:sp>
@@ -2706,7 +2714,7 @@
               <a:rPr lang="es-MX" sz="900" i="0" dirty="0">
                 <a:cs typeface="Arial" charset="0"/>
               </a:rPr>
-              <a:t>Módulo 7 - Métodos</a:t>
+              <a:t>Módulo 8 - Arreglos</a:t>
             </a:r>
             <a:endParaRPr lang="en-US" sz="900" i="0" dirty="0">
               <a:cs typeface="Arial" charset="0"/>
@@ -4760,6 +4768,8400 @@
     <p:extLst>
       <p:ext uri="{BB962C8B-B14F-4D97-AF65-F5344CB8AC3E}">
         <p14:creationId xmlns:p14="http://schemas.microsoft.com/office/powerpoint/2010/main" val="2680157140"/>
+      </p:ext>
+    </p:extLst>
+  </p:cSld>
+  <p:clrMapOvr>
+    <a:masterClrMapping/>
+  </p:clrMapOvr>
+</p:sld>
+</file>
+
+<file path=ppt/slides/slide11.xml><?xml version="1.0" encoding="utf-8"?>
+<p:sld xmlns:a="http://schemas.openxmlformats.org/drawingml/2006/main" xmlns:r="http://schemas.openxmlformats.org/officeDocument/2006/relationships" xmlns:p="http://schemas.openxmlformats.org/presentationml/2006/main">
+  <p:cSld>
+    <p:spTree>
+      <p:nvGrpSpPr>
+        <p:cNvPr id="1" name=""/>
+        <p:cNvGrpSpPr/>
+        <p:nvPr/>
+      </p:nvGrpSpPr>
+      <p:grpSpPr>
+        <a:xfrm>
+          <a:off x="0" y="0"/>
+          <a:ext cx="0" cy="0"/>
+          <a:chOff x="0" y="0"/>
+          <a:chExt cx="0" cy="0"/>
+        </a:xfrm>
+      </p:grpSpPr>
+      <p:sp>
+        <p:nvSpPr>
+          <p:cNvPr id="2" name="Title 1">
+            <a:extLst>
+              <a:ext uri="{FF2B5EF4-FFF2-40B4-BE49-F238E27FC236}">
+                <a16:creationId xmlns:a16="http://schemas.microsoft.com/office/drawing/2014/main" id="{D5257CAF-DA26-42A2-BE92-2912B6D680A9}"/>
+              </a:ext>
+            </a:extLst>
+          </p:cNvPr>
+          <p:cNvSpPr>
+            <a:spLocks noGrp="1"/>
+          </p:cNvSpPr>
+          <p:nvPr>
+            <p:ph type="title"/>
+          </p:nvPr>
+        </p:nvSpPr>
+        <p:spPr/>
+        <p:txBody>
+          <a:bodyPr/>
+          <a:lstStyle/>
+          <a:p>
+            <a:r>
+              <a:rPr lang="es-MX" dirty="0"/>
+              <a:t>Arreglos son objetos</a:t>
+            </a:r>
+            <a:endParaRPr lang="en-US" dirty="0"/>
+          </a:p>
+        </p:txBody>
+      </p:sp>
+      <p:sp>
+        <p:nvSpPr>
+          <p:cNvPr id="3" name="Content Placeholder 2">
+            <a:extLst>
+              <a:ext uri="{FF2B5EF4-FFF2-40B4-BE49-F238E27FC236}">
+                <a16:creationId xmlns:a16="http://schemas.microsoft.com/office/drawing/2014/main" id="{92F65AD0-3D86-4E7A-BA8C-085A7C1B0CB5}"/>
+              </a:ext>
+            </a:extLst>
+          </p:cNvPr>
+          <p:cNvSpPr>
+            <a:spLocks noGrp="1"/>
+          </p:cNvSpPr>
+          <p:nvPr>
+            <p:ph idx="1"/>
+          </p:nvPr>
+        </p:nvSpPr>
+        <p:spPr/>
+        <p:txBody>
+          <a:bodyPr/>
+          <a:lstStyle/>
+          <a:p>
+            <a:r>
+              <a:rPr lang="es-MX" dirty="0"/>
+              <a:t>Un arreglo es un </a:t>
+            </a:r>
+            <a:r>
+              <a:rPr lang="es-MX" dirty="0">
+                <a:solidFill>
+                  <a:srgbClr val="F96161"/>
+                </a:solidFill>
+              </a:rPr>
+              <a:t>objeto</a:t>
+            </a:r>
+            <a:r>
+              <a:rPr lang="es-MX" dirty="0"/>
+              <a:t>, por lo que cuando hacemos referencia a él en realidad estamos accediendo a una dirección de memoria que apunta a la lista de elementos. </a:t>
+            </a:r>
+          </a:p>
+          <a:p>
+            <a:endParaRPr lang="es-MX" dirty="0"/>
+          </a:p>
+          <a:p>
+            <a:r>
+              <a:rPr lang="es-MX" dirty="0"/>
+              <a:t>Veamos el siguiente ejemplo:</a:t>
+            </a:r>
+            <a:endParaRPr lang="en-US" dirty="0"/>
+          </a:p>
+        </p:txBody>
+      </p:sp>
+    </p:spTree>
+    <p:extLst>
+      <p:ext uri="{BB962C8B-B14F-4D97-AF65-F5344CB8AC3E}">
+        <p14:creationId xmlns:p14="http://schemas.microsoft.com/office/powerpoint/2010/main" val="3694149479"/>
+      </p:ext>
+    </p:extLst>
+  </p:cSld>
+  <p:clrMapOvr>
+    <a:masterClrMapping/>
+  </p:clrMapOvr>
+</p:sld>
+</file>
+
+<file path=ppt/slides/slide12.xml><?xml version="1.0" encoding="utf-8"?>
+<p:sld xmlns:a="http://schemas.openxmlformats.org/drawingml/2006/main" xmlns:r="http://schemas.openxmlformats.org/officeDocument/2006/relationships" xmlns:p="http://schemas.openxmlformats.org/presentationml/2006/main">
+  <p:cSld>
+    <p:spTree>
+      <p:nvGrpSpPr>
+        <p:cNvPr id="1" name=""/>
+        <p:cNvGrpSpPr/>
+        <p:nvPr/>
+      </p:nvGrpSpPr>
+      <p:grpSpPr>
+        <a:xfrm>
+          <a:off x="0" y="0"/>
+          <a:ext cx="0" cy="0"/>
+          <a:chOff x="0" y="0"/>
+          <a:chExt cx="0" cy="0"/>
+        </a:xfrm>
+      </p:grpSpPr>
+      <p:sp>
+        <p:nvSpPr>
+          <p:cNvPr id="3" name="Rectangle 2">
+            <a:extLst>
+              <a:ext uri="{FF2B5EF4-FFF2-40B4-BE49-F238E27FC236}">
+                <a16:creationId xmlns:a16="http://schemas.microsoft.com/office/drawing/2014/main" id="{7D292997-110F-4C52-ABDA-7942652AEBC7}"/>
+              </a:ext>
+            </a:extLst>
+          </p:cNvPr>
+          <p:cNvSpPr/>
+          <p:nvPr/>
+        </p:nvSpPr>
+        <p:spPr>
+          <a:xfrm>
+            <a:off x="0" y="182880"/>
+            <a:ext cx="3646025" cy="400110"/>
+          </a:xfrm>
+          <a:prstGeom prst="rect">
+            <a:avLst/>
+          </a:prstGeom>
+          <a:solidFill>
+            <a:schemeClr val="tx1"/>
+          </a:solidFill>
+        </p:spPr>
+        <p:txBody>
+          <a:bodyPr wrap="square">
+            <a:spAutoFit/>
+          </a:bodyPr>
+          <a:lstStyle/>
+          <a:p>
+            <a:r>
+              <a:rPr lang="en-US" sz="2000" dirty="0">
+                <a:solidFill>
+                  <a:srgbClr val="4EC9B0"/>
+                </a:solidFill>
+                <a:latin typeface=" Cascadia Code"/>
+              </a:rPr>
+              <a:t>double</a:t>
+            </a:r>
+            <a:r>
+              <a:rPr lang="en-US" sz="2000" dirty="0">
+                <a:solidFill>
+                  <a:srgbClr val="D4D4D4"/>
+                </a:solidFill>
+                <a:latin typeface=" Cascadia Code"/>
+              </a:rPr>
+              <a:t>[] </a:t>
+            </a:r>
+            <a:r>
+              <a:rPr lang="en-US" sz="2000" dirty="0">
+                <a:solidFill>
+                  <a:srgbClr val="9CDCFE"/>
+                </a:solidFill>
+                <a:latin typeface=" Cascadia Code"/>
+              </a:rPr>
+              <a:t>a</a:t>
+            </a:r>
+            <a:r>
+              <a:rPr lang="en-US" sz="2000" dirty="0">
+                <a:solidFill>
+                  <a:srgbClr val="D4D4D4"/>
+                </a:solidFill>
+                <a:latin typeface=" Cascadia Code"/>
+              </a:rPr>
+              <a:t>;</a:t>
+            </a:r>
+          </a:p>
+        </p:txBody>
+      </p:sp>
+      <p:sp>
+        <p:nvSpPr>
+          <p:cNvPr id="2" name="Rectangle 1">
+            <a:extLst>
+              <a:ext uri="{FF2B5EF4-FFF2-40B4-BE49-F238E27FC236}">
+                <a16:creationId xmlns:a16="http://schemas.microsoft.com/office/drawing/2014/main" id="{9B6B6D7E-E10E-4C1E-8E38-A7171A3DFABE}"/>
+              </a:ext>
+            </a:extLst>
+          </p:cNvPr>
+          <p:cNvSpPr/>
+          <p:nvPr/>
+        </p:nvSpPr>
+        <p:spPr bwMode="auto">
+          <a:xfrm>
+            <a:off x="856527" y="2903798"/>
+            <a:ext cx="1794076" cy="383411"/>
+          </a:xfrm>
+          <a:prstGeom prst="rect">
+            <a:avLst/>
+          </a:prstGeom>
+          <a:noFill/>
+          <a:ln w="28575" cap="flat" cmpd="sng" algn="ctr">
+            <a:solidFill>
+              <a:schemeClr val="tx1"/>
+            </a:solidFill>
+            <a:prstDash val="solid"/>
+            <a:round/>
+            <a:headEnd type="none" w="med" len="med"/>
+            <a:tailEnd type="none" w="med" len="med"/>
+          </a:ln>
+          <a:effectLst/>
+        </p:spPr>
+        <p:txBody>
+          <a:bodyPr vert="horz" wrap="none" lIns="91440" tIns="45720" rIns="91440" bIns="45720" numCol="1" rtlCol="0" anchor="ctr" anchorCtr="0" compatLnSpc="1">
+            <a:prstTxWarp prst="textNoShape">
+              <a:avLst/>
+            </a:prstTxWarp>
+          </a:bodyPr>
+          <a:lstStyle/>
+          <a:p>
+            <a:pPr marL="0" marR="0" indent="0" algn="ctr" defTabSz="914400" rtl="0" eaLnBrk="1" fontAlgn="base" latinLnBrk="0" hangingPunct="1">
+              <a:lnSpc>
+                <a:spcPct val="100000"/>
+              </a:lnSpc>
+              <a:spcBef>
+                <a:spcPct val="0"/>
+              </a:spcBef>
+              <a:spcAft>
+                <a:spcPct val="0"/>
+              </a:spcAft>
+              <a:buClrTx/>
+              <a:buSzTx/>
+              <a:buFontTx/>
+              <a:buNone/>
+              <a:tabLst/>
+            </a:pPr>
+            <a:endParaRPr kumimoji="0" lang="en-US" sz="1800" b="0" i="0" u="none" strike="noStrike" cap="none" normalizeH="0" baseline="0">
+              <a:ln>
+                <a:noFill/>
+              </a:ln>
+              <a:solidFill>
+                <a:schemeClr val="tx1"/>
+              </a:solidFill>
+              <a:effectLst/>
+              <a:latin typeface="Arial" charset="0"/>
+            </a:endParaRPr>
+          </a:p>
+        </p:txBody>
+      </p:sp>
+      <p:sp>
+        <p:nvSpPr>
+          <p:cNvPr id="5" name="Rectangle 4">
+            <a:extLst>
+              <a:ext uri="{FF2B5EF4-FFF2-40B4-BE49-F238E27FC236}">
+                <a16:creationId xmlns:a16="http://schemas.microsoft.com/office/drawing/2014/main" id="{D7A09152-BA3E-4A00-A001-9D2A6CC4BC0A}"/>
+              </a:ext>
+            </a:extLst>
+          </p:cNvPr>
+          <p:cNvSpPr/>
+          <p:nvPr/>
+        </p:nvSpPr>
+        <p:spPr bwMode="auto">
+          <a:xfrm>
+            <a:off x="856527" y="3287209"/>
+            <a:ext cx="1794076" cy="383411"/>
+          </a:xfrm>
+          <a:prstGeom prst="rect">
+            <a:avLst/>
+          </a:prstGeom>
+          <a:noFill/>
+          <a:ln w="28575" cap="flat" cmpd="sng" algn="ctr">
+            <a:solidFill>
+              <a:schemeClr val="tx1"/>
+            </a:solidFill>
+            <a:prstDash val="solid"/>
+            <a:round/>
+            <a:headEnd type="none" w="med" len="med"/>
+            <a:tailEnd type="none" w="med" len="med"/>
+          </a:ln>
+          <a:effectLst/>
+        </p:spPr>
+        <p:txBody>
+          <a:bodyPr vert="horz" wrap="none" lIns="91440" tIns="45720" rIns="91440" bIns="45720" numCol="1" rtlCol="0" anchor="ctr" anchorCtr="0" compatLnSpc="1">
+            <a:prstTxWarp prst="textNoShape">
+              <a:avLst/>
+            </a:prstTxWarp>
+          </a:bodyPr>
+          <a:lstStyle/>
+          <a:p>
+            <a:pPr marL="0" marR="0" indent="0" algn="ctr" defTabSz="914400" rtl="0" eaLnBrk="1" fontAlgn="base" latinLnBrk="0" hangingPunct="1">
+              <a:lnSpc>
+                <a:spcPct val="100000"/>
+              </a:lnSpc>
+              <a:spcBef>
+                <a:spcPct val="0"/>
+              </a:spcBef>
+              <a:spcAft>
+                <a:spcPct val="0"/>
+              </a:spcAft>
+              <a:buClrTx/>
+              <a:buSzTx/>
+              <a:buFontTx/>
+              <a:buNone/>
+              <a:tabLst/>
+            </a:pPr>
+            <a:r>
+              <a:rPr kumimoji="0" lang="es-MX" sz="1800" b="0" i="0" u="none" strike="noStrike" cap="none" normalizeH="0" baseline="0" dirty="0" err="1">
+                <a:ln>
+                  <a:noFill/>
+                </a:ln>
+                <a:solidFill>
+                  <a:schemeClr val="tx1"/>
+                </a:solidFill>
+                <a:effectLst/>
+                <a:latin typeface="Arial" charset="0"/>
+              </a:rPr>
+              <a:t>null</a:t>
+            </a:r>
+            <a:endParaRPr kumimoji="0" lang="en-US" sz="1800" b="0" i="0" u="none" strike="noStrike" cap="none" normalizeH="0" baseline="0" dirty="0">
+              <a:ln>
+                <a:noFill/>
+              </a:ln>
+              <a:solidFill>
+                <a:schemeClr val="tx1"/>
+              </a:solidFill>
+              <a:effectLst/>
+              <a:latin typeface="Arial" charset="0"/>
+            </a:endParaRPr>
+          </a:p>
+        </p:txBody>
+      </p:sp>
+      <p:sp>
+        <p:nvSpPr>
+          <p:cNvPr id="6" name="Rectangle 5">
+            <a:extLst>
+              <a:ext uri="{FF2B5EF4-FFF2-40B4-BE49-F238E27FC236}">
+                <a16:creationId xmlns:a16="http://schemas.microsoft.com/office/drawing/2014/main" id="{A87F2B4E-F50F-4BF5-8910-01FCFB2830B4}"/>
+              </a:ext>
+            </a:extLst>
+          </p:cNvPr>
+          <p:cNvSpPr/>
+          <p:nvPr/>
+        </p:nvSpPr>
+        <p:spPr bwMode="auto">
+          <a:xfrm>
+            <a:off x="856527" y="3670620"/>
+            <a:ext cx="1794076" cy="383411"/>
+          </a:xfrm>
+          <a:prstGeom prst="rect">
+            <a:avLst/>
+          </a:prstGeom>
+          <a:noFill/>
+          <a:ln w="28575" cap="flat" cmpd="sng" algn="ctr">
+            <a:solidFill>
+              <a:schemeClr val="tx1"/>
+            </a:solidFill>
+            <a:prstDash val="solid"/>
+            <a:round/>
+            <a:headEnd type="none" w="med" len="med"/>
+            <a:tailEnd type="none" w="med" len="med"/>
+          </a:ln>
+          <a:effectLst/>
+        </p:spPr>
+        <p:txBody>
+          <a:bodyPr vert="horz" wrap="none" lIns="91440" tIns="45720" rIns="91440" bIns="45720" numCol="1" rtlCol="0" anchor="ctr" anchorCtr="0" compatLnSpc="1">
+            <a:prstTxWarp prst="textNoShape">
+              <a:avLst/>
+            </a:prstTxWarp>
+          </a:bodyPr>
+          <a:lstStyle/>
+          <a:p>
+            <a:pPr marL="0" marR="0" indent="0" algn="ctr" defTabSz="914400" rtl="0" eaLnBrk="1" fontAlgn="base" latinLnBrk="0" hangingPunct="1">
+              <a:lnSpc>
+                <a:spcPct val="100000"/>
+              </a:lnSpc>
+              <a:spcBef>
+                <a:spcPct val="0"/>
+              </a:spcBef>
+              <a:spcAft>
+                <a:spcPct val="0"/>
+              </a:spcAft>
+              <a:buClrTx/>
+              <a:buSzTx/>
+              <a:buFontTx/>
+              <a:buNone/>
+              <a:tabLst/>
+            </a:pPr>
+            <a:endParaRPr kumimoji="0" lang="en-US" sz="1800" b="0" i="0" u="none" strike="noStrike" cap="none" normalizeH="0" baseline="0">
+              <a:ln>
+                <a:noFill/>
+              </a:ln>
+              <a:solidFill>
+                <a:schemeClr val="tx1"/>
+              </a:solidFill>
+              <a:effectLst/>
+              <a:latin typeface="Arial" charset="0"/>
+            </a:endParaRPr>
+          </a:p>
+        </p:txBody>
+      </p:sp>
+      <p:sp>
+        <p:nvSpPr>
+          <p:cNvPr id="7" name="Rectangle 6">
+            <a:extLst>
+              <a:ext uri="{FF2B5EF4-FFF2-40B4-BE49-F238E27FC236}">
+                <a16:creationId xmlns:a16="http://schemas.microsoft.com/office/drawing/2014/main" id="{A99BB84C-EFA0-4079-AEE5-10A01A1D8CA3}"/>
+              </a:ext>
+            </a:extLst>
+          </p:cNvPr>
+          <p:cNvSpPr/>
+          <p:nvPr/>
+        </p:nvSpPr>
+        <p:spPr bwMode="auto">
+          <a:xfrm>
+            <a:off x="856527" y="4054031"/>
+            <a:ext cx="1794076" cy="383411"/>
+          </a:xfrm>
+          <a:prstGeom prst="rect">
+            <a:avLst/>
+          </a:prstGeom>
+          <a:noFill/>
+          <a:ln w="28575" cap="flat" cmpd="sng" algn="ctr">
+            <a:solidFill>
+              <a:schemeClr val="tx1"/>
+            </a:solidFill>
+            <a:prstDash val="solid"/>
+            <a:round/>
+            <a:headEnd type="none" w="med" len="med"/>
+            <a:tailEnd type="none" w="med" len="med"/>
+          </a:ln>
+          <a:effectLst/>
+        </p:spPr>
+        <p:txBody>
+          <a:bodyPr vert="horz" wrap="none" lIns="91440" tIns="45720" rIns="91440" bIns="45720" numCol="1" rtlCol="0" anchor="ctr" anchorCtr="0" compatLnSpc="1">
+            <a:prstTxWarp prst="textNoShape">
+              <a:avLst/>
+            </a:prstTxWarp>
+          </a:bodyPr>
+          <a:lstStyle/>
+          <a:p>
+            <a:pPr marL="0" marR="0" indent="0" algn="ctr" defTabSz="914400" rtl="0" eaLnBrk="1" fontAlgn="base" latinLnBrk="0" hangingPunct="1">
+              <a:lnSpc>
+                <a:spcPct val="100000"/>
+              </a:lnSpc>
+              <a:spcBef>
+                <a:spcPct val="0"/>
+              </a:spcBef>
+              <a:spcAft>
+                <a:spcPct val="0"/>
+              </a:spcAft>
+              <a:buClrTx/>
+              <a:buSzTx/>
+              <a:buFontTx/>
+              <a:buNone/>
+              <a:tabLst/>
+            </a:pPr>
+            <a:endParaRPr kumimoji="0" lang="en-US" sz="1800" b="0" i="0" u="none" strike="noStrike" cap="none" normalizeH="0" baseline="0">
+              <a:ln>
+                <a:noFill/>
+              </a:ln>
+              <a:solidFill>
+                <a:schemeClr val="tx1"/>
+              </a:solidFill>
+              <a:effectLst/>
+              <a:latin typeface="Arial" charset="0"/>
+            </a:endParaRPr>
+          </a:p>
+        </p:txBody>
+      </p:sp>
+      <p:sp>
+        <p:nvSpPr>
+          <p:cNvPr id="13" name="Rectangle 12">
+            <a:extLst>
+              <a:ext uri="{FF2B5EF4-FFF2-40B4-BE49-F238E27FC236}">
+                <a16:creationId xmlns:a16="http://schemas.microsoft.com/office/drawing/2014/main" id="{3779EB67-E166-41CC-B1A7-EE6B5F1713DE}"/>
+              </a:ext>
+            </a:extLst>
+          </p:cNvPr>
+          <p:cNvSpPr/>
+          <p:nvPr/>
+        </p:nvSpPr>
+        <p:spPr bwMode="auto">
+          <a:xfrm>
+            <a:off x="2650603" y="2902682"/>
+            <a:ext cx="934093" cy="383411"/>
+          </a:xfrm>
+          <a:prstGeom prst="rect">
+            <a:avLst/>
+          </a:prstGeom>
+          <a:noFill/>
+          <a:ln w="28575" cap="flat" cmpd="sng" algn="ctr">
+            <a:noFill/>
+            <a:prstDash val="solid"/>
+            <a:round/>
+            <a:headEnd type="none" w="med" len="med"/>
+            <a:tailEnd type="none" w="med" len="med"/>
+          </a:ln>
+          <a:effectLst/>
+        </p:spPr>
+        <p:txBody>
+          <a:bodyPr vert="horz" wrap="none" lIns="91440" tIns="45720" rIns="91440" bIns="45720" numCol="1" rtlCol="0" anchor="ctr" anchorCtr="0" compatLnSpc="1">
+            <a:prstTxWarp prst="textNoShape">
+              <a:avLst/>
+            </a:prstTxWarp>
+          </a:bodyPr>
+          <a:lstStyle/>
+          <a:p>
+            <a:pPr marL="0" marR="0" indent="0" algn="ctr" defTabSz="914400" rtl="0" eaLnBrk="1" fontAlgn="base" latinLnBrk="0" hangingPunct="1">
+              <a:lnSpc>
+                <a:spcPct val="100000"/>
+              </a:lnSpc>
+              <a:spcBef>
+                <a:spcPct val="0"/>
+              </a:spcBef>
+              <a:spcAft>
+                <a:spcPct val="0"/>
+              </a:spcAft>
+              <a:buClrTx/>
+              <a:buSzTx/>
+              <a:buFontTx/>
+              <a:buNone/>
+              <a:tabLst/>
+            </a:pPr>
+            <a:r>
+              <a:rPr kumimoji="0" lang="es-MX" sz="1800" b="0" i="0" u="none" strike="noStrike" cap="none" normalizeH="0" baseline="0" dirty="0">
+                <a:ln>
+                  <a:noFill/>
+                </a:ln>
+                <a:solidFill>
+                  <a:schemeClr val="tx1"/>
+                </a:solidFill>
+                <a:effectLst/>
+                <a:latin typeface="Arial" charset="0"/>
+              </a:rPr>
+              <a:t>10F50</a:t>
+            </a:r>
+            <a:endParaRPr kumimoji="0" lang="en-US" sz="1800" b="0" i="0" u="none" strike="noStrike" cap="none" normalizeH="0" baseline="0" dirty="0">
+              <a:ln>
+                <a:noFill/>
+              </a:ln>
+              <a:solidFill>
+                <a:schemeClr val="tx1"/>
+              </a:solidFill>
+              <a:effectLst/>
+              <a:latin typeface="Arial" charset="0"/>
+            </a:endParaRPr>
+          </a:p>
+        </p:txBody>
+      </p:sp>
+      <p:sp>
+        <p:nvSpPr>
+          <p:cNvPr id="14" name="Rectangle 13">
+            <a:extLst>
+              <a:ext uri="{FF2B5EF4-FFF2-40B4-BE49-F238E27FC236}">
+                <a16:creationId xmlns:a16="http://schemas.microsoft.com/office/drawing/2014/main" id="{45CED537-52C7-44DC-9002-1B14481CEC28}"/>
+              </a:ext>
+            </a:extLst>
+          </p:cNvPr>
+          <p:cNvSpPr/>
+          <p:nvPr/>
+        </p:nvSpPr>
+        <p:spPr bwMode="auto">
+          <a:xfrm>
+            <a:off x="2650603" y="3286093"/>
+            <a:ext cx="934093" cy="383411"/>
+          </a:xfrm>
+          <a:prstGeom prst="rect">
+            <a:avLst/>
+          </a:prstGeom>
+          <a:noFill/>
+          <a:ln w="28575" cap="flat" cmpd="sng" algn="ctr">
+            <a:noFill/>
+            <a:prstDash val="solid"/>
+            <a:round/>
+            <a:headEnd type="none" w="med" len="med"/>
+            <a:tailEnd type="none" w="med" len="med"/>
+          </a:ln>
+          <a:effectLst/>
+        </p:spPr>
+        <p:txBody>
+          <a:bodyPr vert="horz" wrap="none" lIns="91440" tIns="45720" rIns="91440" bIns="45720" numCol="1" rtlCol="0" anchor="ctr" anchorCtr="0" compatLnSpc="1">
+            <a:prstTxWarp prst="textNoShape">
+              <a:avLst/>
+            </a:prstTxWarp>
+          </a:bodyPr>
+          <a:lstStyle/>
+          <a:p>
+            <a:pPr marL="0" marR="0" indent="0" algn="ctr" defTabSz="914400" rtl="0" eaLnBrk="1" fontAlgn="base" latinLnBrk="0" hangingPunct="1">
+              <a:lnSpc>
+                <a:spcPct val="100000"/>
+              </a:lnSpc>
+              <a:spcBef>
+                <a:spcPct val="0"/>
+              </a:spcBef>
+              <a:spcAft>
+                <a:spcPct val="0"/>
+              </a:spcAft>
+              <a:buClrTx/>
+              <a:buSzTx/>
+              <a:buFontTx/>
+              <a:buNone/>
+              <a:tabLst/>
+            </a:pPr>
+            <a:r>
+              <a:rPr kumimoji="0" lang="es-MX" sz="1800" b="0" i="0" u="none" strike="noStrike" cap="none" normalizeH="0" baseline="0" dirty="0">
+                <a:ln>
+                  <a:noFill/>
+                </a:ln>
+                <a:solidFill>
+                  <a:schemeClr val="tx1"/>
+                </a:solidFill>
+                <a:effectLst/>
+                <a:latin typeface="Arial" charset="0"/>
+              </a:rPr>
+              <a:t>10F51</a:t>
+            </a:r>
+            <a:endParaRPr kumimoji="0" lang="en-US" sz="1800" b="0" i="0" u="none" strike="noStrike" cap="none" normalizeH="0" baseline="0" dirty="0">
+              <a:ln>
+                <a:noFill/>
+              </a:ln>
+              <a:solidFill>
+                <a:schemeClr val="tx1"/>
+              </a:solidFill>
+              <a:effectLst/>
+              <a:latin typeface="Arial" charset="0"/>
+            </a:endParaRPr>
+          </a:p>
+        </p:txBody>
+      </p:sp>
+      <p:sp>
+        <p:nvSpPr>
+          <p:cNvPr id="15" name="Rectangle 14">
+            <a:extLst>
+              <a:ext uri="{FF2B5EF4-FFF2-40B4-BE49-F238E27FC236}">
+                <a16:creationId xmlns:a16="http://schemas.microsoft.com/office/drawing/2014/main" id="{5B245866-9566-4641-B6D3-6679D46B2B9E}"/>
+              </a:ext>
+            </a:extLst>
+          </p:cNvPr>
+          <p:cNvSpPr/>
+          <p:nvPr/>
+        </p:nvSpPr>
+        <p:spPr bwMode="auto">
+          <a:xfrm>
+            <a:off x="2650603" y="3669504"/>
+            <a:ext cx="934093" cy="383411"/>
+          </a:xfrm>
+          <a:prstGeom prst="rect">
+            <a:avLst/>
+          </a:prstGeom>
+          <a:noFill/>
+          <a:ln w="28575" cap="flat" cmpd="sng" algn="ctr">
+            <a:noFill/>
+            <a:prstDash val="solid"/>
+            <a:round/>
+            <a:headEnd type="none" w="med" len="med"/>
+            <a:tailEnd type="none" w="med" len="med"/>
+          </a:ln>
+          <a:effectLst/>
+        </p:spPr>
+        <p:txBody>
+          <a:bodyPr vert="horz" wrap="none" lIns="91440" tIns="45720" rIns="91440" bIns="45720" numCol="1" rtlCol="0" anchor="ctr" anchorCtr="0" compatLnSpc="1">
+            <a:prstTxWarp prst="textNoShape">
+              <a:avLst/>
+            </a:prstTxWarp>
+          </a:bodyPr>
+          <a:lstStyle/>
+          <a:p>
+            <a:pPr marL="0" marR="0" indent="0" algn="ctr" defTabSz="914400" rtl="0" eaLnBrk="1" fontAlgn="base" latinLnBrk="0" hangingPunct="1">
+              <a:lnSpc>
+                <a:spcPct val="100000"/>
+              </a:lnSpc>
+              <a:spcBef>
+                <a:spcPct val="0"/>
+              </a:spcBef>
+              <a:spcAft>
+                <a:spcPct val="0"/>
+              </a:spcAft>
+              <a:buClrTx/>
+              <a:buSzTx/>
+              <a:buFontTx/>
+              <a:buNone/>
+              <a:tabLst/>
+            </a:pPr>
+            <a:r>
+              <a:rPr kumimoji="0" lang="es-MX" sz="1800" b="0" i="0" u="none" strike="noStrike" cap="none" normalizeH="0" baseline="0" dirty="0">
+                <a:ln>
+                  <a:noFill/>
+                </a:ln>
+                <a:solidFill>
+                  <a:schemeClr val="tx1"/>
+                </a:solidFill>
+                <a:effectLst/>
+                <a:latin typeface="Arial" charset="0"/>
+              </a:rPr>
+              <a:t>10F52</a:t>
+            </a:r>
+            <a:endParaRPr kumimoji="0" lang="en-US" sz="1800" b="0" i="0" u="none" strike="noStrike" cap="none" normalizeH="0" baseline="0" dirty="0">
+              <a:ln>
+                <a:noFill/>
+              </a:ln>
+              <a:solidFill>
+                <a:schemeClr val="tx1"/>
+              </a:solidFill>
+              <a:effectLst/>
+              <a:latin typeface="Arial" charset="0"/>
+            </a:endParaRPr>
+          </a:p>
+        </p:txBody>
+      </p:sp>
+      <p:sp>
+        <p:nvSpPr>
+          <p:cNvPr id="16" name="Rectangle 15">
+            <a:extLst>
+              <a:ext uri="{FF2B5EF4-FFF2-40B4-BE49-F238E27FC236}">
+                <a16:creationId xmlns:a16="http://schemas.microsoft.com/office/drawing/2014/main" id="{2B020DF5-B043-4D09-AD0F-A8639BA8BC4C}"/>
+              </a:ext>
+            </a:extLst>
+          </p:cNvPr>
+          <p:cNvSpPr/>
+          <p:nvPr/>
+        </p:nvSpPr>
+        <p:spPr bwMode="auto">
+          <a:xfrm>
+            <a:off x="2650603" y="4052915"/>
+            <a:ext cx="934093" cy="383411"/>
+          </a:xfrm>
+          <a:prstGeom prst="rect">
+            <a:avLst/>
+          </a:prstGeom>
+          <a:noFill/>
+          <a:ln w="28575" cap="flat" cmpd="sng" algn="ctr">
+            <a:noFill/>
+            <a:prstDash val="solid"/>
+            <a:round/>
+            <a:headEnd type="none" w="med" len="med"/>
+            <a:tailEnd type="none" w="med" len="med"/>
+          </a:ln>
+          <a:effectLst/>
+        </p:spPr>
+        <p:txBody>
+          <a:bodyPr vert="horz" wrap="none" lIns="91440" tIns="45720" rIns="91440" bIns="45720" numCol="1" rtlCol="0" anchor="ctr" anchorCtr="0" compatLnSpc="1">
+            <a:prstTxWarp prst="textNoShape">
+              <a:avLst/>
+            </a:prstTxWarp>
+          </a:bodyPr>
+          <a:lstStyle/>
+          <a:p>
+            <a:pPr marL="0" marR="0" indent="0" algn="ctr" defTabSz="914400" rtl="0" eaLnBrk="1" fontAlgn="base" latinLnBrk="0" hangingPunct="1">
+              <a:lnSpc>
+                <a:spcPct val="100000"/>
+              </a:lnSpc>
+              <a:spcBef>
+                <a:spcPct val="0"/>
+              </a:spcBef>
+              <a:spcAft>
+                <a:spcPct val="0"/>
+              </a:spcAft>
+              <a:buClrTx/>
+              <a:buSzTx/>
+              <a:buFontTx/>
+              <a:buNone/>
+              <a:tabLst/>
+            </a:pPr>
+            <a:r>
+              <a:rPr kumimoji="0" lang="es-MX" sz="1800" b="0" i="0" u="none" strike="noStrike" cap="none" normalizeH="0" baseline="0" dirty="0">
+                <a:ln>
+                  <a:noFill/>
+                </a:ln>
+                <a:solidFill>
+                  <a:schemeClr val="tx1"/>
+                </a:solidFill>
+                <a:effectLst/>
+                <a:latin typeface="Arial" charset="0"/>
+              </a:rPr>
+              <a:t>10F53</a:t>
+            </a:r>
+            <a:endParaRPr kumimoji="0" lang="en-US" sz="1800" b="0" i="0" u="none" strike="noStrike" cap="none" normalizeH="0" baseline="0" dirty="0">
+              <a:ln>
+                <a:noFill/>
+              </a:ln>
+              <a:solidFill>
+                <a:schemeClr val="tx1"/>
+              </a:solidFill>
+              <a:effectLst/>
+              <a:latin typeface="Arial" charset="0"/>
+            </a:endParaRPr>
+          </a:p>
+        </p:txBody>
+      </p:sp>
+      <p:sp>
+        <p:nvSpPr>
+          <p:cNvPr id="18" name="Rectangle 17">
+            <a:extLst>
+              <a:ext uri="{FF2B5EF4-FFF2-40B4-BE49-F238E27FC236}">
+                <a16:creationId xmlns:a16="http://schemas.microsoft.com/office/drawing/2014/main" id="{B185E527-AF5E-479C-83E1-8ECB05DA5C91}"/>
+              </a:ext>
+            </a:extLst>
+          </p:cNvPr>
+          <p:cNvSpPr/>
+          <p:nvPr/>
+        </p:nvSpPr>
+        <p:spPr bwMode="auto">
+          <a:xfrm>
+            <a:off x="120650" y="3289236"/>
+            <a:ext cx="751873" cy="383411"/>
+          </a:xfrm>
+          <a:prstGeom prst="rect">
+            <a:avLst/>
+          </a:prstGeom>
+          <a:noFill/>
+          <a:ln w="28575" cap="flat" cmpd="sng" algn="ctr">
+            <a:noFill/>
+            <a:prstDash val="solid"/>
+            <a:round/>
+            <a:headEnd type="none" w="med" len="med"/>
+            <a:tailEnd type="none" w="med" len="med"/>
+          </a:ln>
+          <a:effectLst/>
+        </p:spPr>
+        <p:txBody>
+          <a:bodyPr vert="horz" wrap="none" lIns="91440" tIns="45720" rIns="91440" bIns="45720" numCol="1" rtlCol="0" anchor="ctr" anchorCtr="0" compatLnSpc="1">
+            <a:prstTxWarp prst="textNoShape">
+              <a:avLst/>
+            </a:prstTxWarp>
+          </a:bodyPr>
+          <a:lstStyle/>
+          <a:p>
+            <a:pPr marL="0" marR="0" indent="0" algn="ctr" defTabSz="914400" rtl="0" eaLnBrk="1" fontAlgn="base" latinLnBrk="0" hangingPunct="1">
+              <a:lnSpc>
+                <a:spcPct val="100000"/>
+              </a:lnSpc>
+              <a:spcBef>
+                <a:spcPct val="0"/>
+              </a:spcBef>
+              <a:spcAft>
+                <a:spcPct val="0"/>
+              </a:spcAft>
+              <a:buClrTx/>
+              <a:buSzTx/>
+              <a:buFontTx/>
+              <a:buNone/>
+              <a:tabLst/>
+            </a:pPr>
+            <a:r>
+              <a:rPr kumimoji="0" lang="es-MX" sz="1800" b="0" i="0" u="none" strike="noStrike" cap="none" normalizeH="0" baseline="0" dirty="0">
+                <a:ln>
+                  <a:noFill/>
+                </a:ln>
+                <a:solidFill>
+                  <a:schemeClr val="tx1"/>
+                </a:solidFill>
+                <a:effectLst/>
+                <a:latin typeface="Arial" charset="0"/>
+              </a:rPr>
+              <a:t>a</a:t>
+            </a:r>
+            <a:endParaRPr kumimoji="0" lang="en-US" sz="1800" b="0" i="0" u="none" strike="noStrike" cap="none" normalizeH="0" baseline="0" dirty="0">
+              <a:ln>
+                <a:noFill/>
+              </a:ln>
+              <a:solidFill>
+                <a:schemeClr val="tx1"/>
+              </a:solidFill>
+              <a:effectLst/>
+              <a:latin typeface="Arial" charset="0"/>
+            </a:endParaRPr>
+          </a:p>
+        </p:txBody>
+      </p:sp>
+      <p:sp>
+        <p:nvSpPr>
+          <p:cNvPr id="19" name="Rectangle 18">
+            <a:extLst>
+              <a:ext uri="{FF2B5EF4-FFF2-40B4-BE49-F238E27FC236}">
+                <a16:creationId xmlns:a16="http://schemas.microsoft.com/office/drawing/2014/main" id="{3F9340D4-D781-434B-AA3F-FB77D394BFC2}"/>
+              </a:ext>
+            </a:extLst>
+          </p:cNvPr>
+          <p:cNvSpPr/>
+          <p:nvPr/>
+        </p:nvSpPr>
+        <p:spPr bwMode="auto">
+          <a:xfrm>
+            <a:off x="0" y="4711700"/>
+            <a:ext cx="4127500" cy="2146300"/>
+          </a:xfrm>
+          <a:prstGeom prst="rect">
+            <a:avLst/>
+          </a:prstGeom>
+          <a:solidFill>
+            <a:schemeClr val="accent1">
+              <a:lumMod val="20000"/>
+              <a:lumOff val="80000"/>
+            </a:schemeClr>
+          </a:solidFill>
+          <a:ln w="12700" cap="flat" cmpd="sng" algn="ctr">
+            <a:solidFill>
+              <a:schemeClr val="tx1"/>
+            </a:solidFill>
+            <a:prstDash val="solid"/>
+            <a:round/>
+            <a:headEnd type="none" w="med" len="med"/>
+            <a:tailEnd type="none" w="med" len="med"/>
+          </a:ln>
+          <a:effectLst/>
+        </p:spPr>
+        <p:txBody>
+          <a:bodyPr vert="horz" wrap="none" lIns="91440" tIns="45720" rIns="91440" bIns="45720" numCol="1" rtlCol="0" anchor="ctr" anchorCtr="0" compatLnSpc="1">
+            <a:prstTxWarp prst="textNoShape">
+              <a:avLst/>
+            </a:prstTxWarp>
+          </a:bodyPr>
+          <a:lstStyle/>
+          <a:p>
+            <a:pPr marL="0" marR="0" indent="0" algn="just" defTabSz="914400" rtl="0" eaLnBrk="1" fontAlgn="base" latinLnBrk="0" hangingPunct="1">
+              <a:lnSpc>
+                <a:spcPct val="100000"/>
+              </a:lnSpc>
+              <a:spcBef>
+                <a:spcPct val="0"/>
+              </a:spcBef>
+              <a:spcAft>
+                <a:spcPct val="0"/>
+              </a:spcAft>
+              <a:buClrTx/>
+              <a:buSzTx/>
+              <a:buFontTx/>
+              <a:buNone/>
+              <a:tabLst/>
+            </a:pPr>
+            <a:r>
+              <a:rPr lang="es-MX" sz="2800" dirty="0">
+                <a:latin typeface="+mj-lt"/>
+              </a:rPr>
+              <a:t>Al inicializar la variable a,</a:t>
+            </a:r>
+          </a:p>
+          <a:p>
+            <a:pPr marL="0" marR="0" indent="0" algn="just" defTabSz="914400" rtl="0" eaLnBrk="1" fontAlgn="base" latinLnBrk="0" hangingPunct="1">
+              <a:lnSpc>
+                <a:spcPct val="100000"/>
+              </a:lnSpc>
+              <a:spcBef>
+                <a:spcPct val="0"/>
+              </a:spcBef>
+              <a:spcAft>
+                <a:spcPct val="0"/>
+              </a:spcAft>
+              <a:buClrTx/>
+              <a:buSzTx/>
+              <a:buFontTx/>
+              <a:buNone/>
+              <a:tabLst/>
+            </a:pPr>
+            <a:r>
+              <a:rPr kumimoji="0" lang="es-MX" sz="2800" b="0" i="0" u="none" strike="noStrike" cap="none" normalizeH="0" baseline="0" dirty="0">
+                <a:ln>
+                  <a:noFill/>
+                </a:ln>
+                <a:solidFill>
+                  <a:schemeClr val="tx1"/>
+                </a:solidFill>
+                <a:effectLst/>
+                <a:latin typeface="+mj-lt"/>
+              </a:rPr>
+              <a:t>se reserva una espacio para</a:t>
+            </a:r>
+          </a:p>
+          <a:p>
+            <a:pPr marL="0" marR="0" indent="0" algn="just" defTabSz="914400" rtl="0" eaLnBrk="1" fontAlgn="base" latinLnBrk="0" hangingPunct="1">
+              <a:lnSpc>
+                <a:spcPct val="100000"/>
+              </a:lnSpc>
+              <a:spcBef>
+                <a:spcPct val="0"/>
+              </a:spcBef>
+              <a:spcAft>
+                <a:spcPct val="0"/>
+              </a:spcAft>
+              <a:buClrTx/>
+              <a:buSzTx/>
+              <a:buFontTx/>
+              <a:buNone/>
+              <a:tabLst/>
+            </a:pPr>
+            <a:r>
+              <a:rPr lang="es-MX" sz="2800" dirty="0">
+                <a:latin typeface="+mj-lt"/>
+              </a:rPr>
+              <a:t>almacenar una referencia</a:t>
+            </a:r>
+          </a:p>
+          <a:p>
+            <a:pPr marL="0" marR="0" indent="0" algn="just" defTabSz="914400" rtl="0" eaLnBrk="1" fontAlgn="base" latinLnBrk="0" hangingPunct="1">
+              <a:lnSpc>
+                <a:spcPct val="100000"/>
+              </a:lnSpc>
+              <a:spcBef>
+                <a:spcPct val="0"/>
+              </a:spcBef>
+              <a:spcAft>
+                <a:spcPct val="0"/>
+              </a:spcAft>
+              <a:buClrTx/>
+              <a:buSzTx/>
+              <a:buFontTx/>
+              <a:buNone/>
+              <a:tabLst/>
+            </a:pPr>
+            <a:r>
+              <a:rPr kumimoji="0" lang="es-MX" sz="2800" b="0" i="0" u="none" strike="noStrike" cap="none" normalizeH="0" baseline="0" dirty="0">
+                <a:ln>
+                  <a:noFill/>
+                </a:ln>
+                <a:solidFill>
+                  <a:schemeClr val="tx1"/>
+                </a:solidFill>
+                <a:effectLst/>
+                <a:latin typeface="+mj-lt"/>
+              </a:rPr>
+              <a:t>a un arreglo.</a:t>
+            </a:r>
+            <a:endParaRPr kumimoji="0" lang="en-US" sz="2800" b="0" i="0" u="none" strike="noStrike" cap="none" normalizeH="0" baseline="0" dirty="0">
+              <a:ln>
+                <a:noFill/>
+              </a:ln>
+              <a:solidFill>
+                <a:schemeClr val="tx1"/>
+              </a:solidFill>
+              <a:effectLst/>
+              <a:latin typeface="+mj-lt"/>
+            </a:endParaRPr>
+          </a:p>
+        </p:txBody>
+      </p:sp>
+      <p:cxnSp>
+        <p:nvCxnSpPr>
+          <p:cNvPr id="20" name="Straight Arrow Connector 19">
+            <a:extLst>
+              <a:ext uri="{FF2B5EF4-FFF2-40B4-BE49-F238E27FC236}">
+                <a16:creationId xmlns:a16="http://schemas.microsoft.com/office/drawing/2014/main" id="{61E66520-5C20-42CA-A0F9-8FBA28373D90}"/>
+              </a:ext>
+            </a:extLst>
+          </p:cNvPr>
+          <p:cNvCxnSpPr>
+            <a:cxnSpLocks/>
+          </p:cNvCxnSpPr>
+          <p:nvPr/>
+        </p:nvCxnSpPr>
+        <p:spPr bwMode="auto">
+          <a:xfrm>
+            <a:off x="3584696" y="3207839"/>
+            <a:ext cx="1152404" cy="221161"/>
+          </a:xfrm>
+          <a:prstGeom prst="straightConnector1">
+            <a:avLst/>
+          </a:prstGeom>
+          <a:noFill/>
+          <a:ln w="38100" cap="flat" cmpd="sng" algn="ctr">
+            <a:solidFill>
+              <a:srgbClr val="FF0000"/>
+            </a:solidFill>
+            <a:prstDash val="solid"/>
+            <a:round/>
+            <a:headEnd type="none" w="med" len="med"/>
+            <a:tailEnd type="triangle"/>
+          </a:ln>
+          <a:effectLst/>
+        </p:spPr>
+      </p:cxnSp>
+      <p:sp>
+        <p:nvSpPr>
+          <p:cNvPr id="21" name="TextBox 20">
+            <a:extLst>
+              <a:ext uri="{FF2B5EF4-FFF2-40B4-BE49-F238E27FC236}">
+                <a16:creationId xmlns:a16="http://schemas.microsoft.com/office/drawing/2014/main" id="{BE426C5A-9DC8-41C1-BD55-67CB75979D32}"/>
+              </a:ext>
+            </a:extLst>
+          </p:cNvPr>
+          <p:cNvSpPr txBox="1"/>
+          <p:nvPr/>
+        </p:nvSpPr>
+        <p:spPr>
+          <a:xfrm>
+            <a:off x="4737100" y="3339494"/>
+            <a:ext cx="2540000" cy="646331"/>
+          </a:xfrm>
+          <a:prstGeom prst="rect">
+            <a:avLst/>
+          </a:prstGeom>
+          <a:noFill/>
+          <a:ln w="38100">
+            <a:solidFill>
+              <a:srgbClr val="FF0000"/>
+            </a:solidFill>
+          </a:ln>
+        </p:spPr>
+        <p:txBody>
+          <a:bodyPr wrap="square" rtlCol="0">
+            <a:spAutoFit/>
+          </a:bodyPr>
+          <a:lstStyle/>
+          <a:p>
+            <a:pPr algn="ctr"/>
+            <a:r>
+              <a:rPr lang="es-MX" dirty="0"/>
+              <a:t>Dirección de memoria en hexadecimal</a:t>
+            </a:r>
+            <a:endParaRPr lang="en-US" dirty="0"/>
+          </a:p>
+        </p:txBody>
+      </p:sp>
+      <p:cxnSp>
+        <p:nvCxnSpPr>
+          <p:cNvPr id="24" name="Straight Arrow Connector 23">
+            <a:extLst>
+              <a:ext uri="{FF2B5EF4-FFF2-40B4-BE49-F238E27FC236}">
+                <a16:creationId xmlns:a16="http://schemas.microsoft.com/office/drawing/2014/main" id="{86E95925-A9B4-4E6F-9C4D-3FA050944FCC}"/>
+              </a:ext>
+            </a:extLst>
+          </p:cNvPr>
+          <p:cNvCxnSpPr>
+            <a:cxnSpLocks/>
+          </p:cNvCxnSpPr>
+          <p:nvPr/>
+        </p:nvCxnSpPr>
+        <p:spPr bwMode="auto">
+          <a:xfrm flipV="1">
+            <a:off x="3646025" y="3861209"/>
+            <a:ext cx="1091075" cy="290267"/>
+          </a:xfrm>
+          <a:prstGeom prst="straightConnector1">
+            <a:avLst/>
+          </a:prstGeom>
+          <a:noFill/>
+          <a:ln w="38100" cap="flat" cmpd="sng" algn="ctr">
+            <a:solidFill>
+              <a:srgbClr val="FF0000"/>
+            </a:solidFill>
+            <a:prstDash val="solid"/>
+            <a:round/>
+            <a:headEnd type="none" w="med" len="med"/>
+            <a:tailEnd type="triangle"/>
+          </a:ln>
+          <a:effectLst/>
+        </p:spPr>
+      </p:cxnSp>
+    </p:spTree>
+    <p:extLst>
+      <p:ext uri="{BB962C8B-B14F-4D97-AF65-F5344CB8AC3E}">
+        <p14:creationId xmlns:p14="http://schemas.microsoft.com/office/powerpoint/2010/main" val="1476713226"/>
+      </p:ext>
+    </p:extLst>
+  </p:cSld>
+  <p:clrMapOvr>
+    <a:masterClrMapping/>
+  </p:clrMapOvr>
+  <p:timing>
+    <p:tnLst>
+      <p:par>
+        <p:cTn id="1" dur="indefinite" restart="never" nodeType="tmRoot">
+          <p:childTnLst>
+            <p:seq concurrent="1" nextAc="seek">
+              <p:cTn id="2" dur="indefinite" nodeType="mainSeq">
+                <p:childTnLst>
+                  <p:par>
+                    <p:cTn id="3" fill="hold">
+                      <p:stCondLst>
+                        <p:cond delay="indefinite"/>
+                      </p:stCondLst>
+                      <p:childTnLst>
+                        <p:par>
+                          <p:cTn id="4" fill="hold">
+                            <p:stCondLst>
+                              <p:cond delay="0"/>
+                            </p:stCondLst>
+                            <p:childTnLst>
+                              <p:par>
+                                <p:cTn id="5" presetID="1" presetClass="entr" presetSubtype="0" fill="hold" nodeType="clickEffect">
+                                  <p:stCondLst>
+                                    <p:cond delay="0"/>
+                                  </p:stCondLst>
+                                  <p:childTnLst>
+                                    <p:set>
+                                      <p:cBhvr>
+                                        <p:cTn id="6" dur="1" fill="hold">
+                                          <p:stCondLst>
+                                            <p:cond delay="0"/>
+                                          </p:stCondLst>
+                                        </p:cTn>
+                                        <p:tgtEl>
+                                          <p:spTgt spid="3">
+                                            <p:txEl>
+                                              <p:pRg st="0" end="0"/>
+                                            </p:txEl>
+                                          </p:spTgt>
+                                        </p:tgtEl>
+                                        <p:attrNameLst>
+                                          <p:attrName>style.visibility</p:attrName>
+                                        </p:attrNameLst>
+                                      </p:cBhvr>
+                                      <p:to>
+                                        <p:strVal val="visible"/>
+                                      </p:to>
+                                    </p:set>
+                                  </p:childTnLst>
+                                </p:cTn>
+                              </p:par>
+                              <p:par>
+                                <p:cTn id="7" presetID="1" presetClass="entr" presetSubtype="0" fill="hold" grpId="0" nodeType="withEffect">
+                                  <p:stCondLst>
+                                    <p:cond delay="0"/>
+                                  </p:stCondLst>
+                                  <p:childTnLst>
+                                    <p:set>
+                                      <p:cBhvr>
+                                        <p:cTn id="8" dur="1" fill="hold">
+                                          <p:stCondLst>
+                                            <p:cond delay="0"/>
+                                          </p:stCondLst>
+                                        </p:cTn>
+                                        <p:tgtEl>
+                                          <p:spTgt spid="18"/>
+                                        </p:tgtEl>
+                                        <p:attrNameLst>
+                                          <p:attrName>style.visibility</p:attrName>
+                                        </p:attrNameLst>
+                                      </p:cBhvr>
+                                      <p:to>
+                                        <p:strVal val="visible"/>
+                                      </p:to>
+                                    </p:set>
+                                  </p:childTnLst>
+                                </p:cTn>
+                              </p:par>
+                              <p:par>
+                                <p:cTn id="9" presetID="1" presetClass="entr" presetSubtype="0" fill="hold" nodeType="withEffect">
+                                  <p:stCondLst>
+                                    <p:cond delay="0"/>
+                                  </p:stCondLst>
+                                  <p:childTnLst>
+                                    <p:set>
+                                      <p:cBhvr>
+                                        <p:cTn id="10" dur="1" fill="hold">
+                                          <p:stCondLst>
+                                            <p:cond delay="0"/>
+                                          </p:stCondLst>
+                                        </p:cTn>
+                                        <p:tgtEl>
+                                          <p:spTgt spid="5">
+                                            <p:txEl>
+                                              <p:pRg st="0" end="0"/>
+                                            </p:txEl>
+                                          </p:spTgt>
+                                        </p:tgtEl>
+                                        <p:attrNameLst>
+                                          <p:attrName>style.visibility</p:attrName>
+                                        </p:attrNameLst>
+                                      </p:cBhvr>
+                                      <p:to>
+                                        <p:strVal val="visible"/>
+                                      </p:to>
+                                    </p:set>
+                                  </p:childTnLst>
+                                </p:cTn>
+                              </p:par>
+                            </p:childTnLst>
+                          </p:cTn>
+                        </p:par>
+                      </p:childTnLst>
+                    </p:cTn>
+                  </p:par>
+                </p:childTnLst>
+              </p:cTn>
+              <p:prevCondLst>
+                <p:cond evt="onPrev" delay="0">
+                  <p:tgtEl>
+                    <p:sldTgt/>
+                  </p:tgtEl>
+                </p:cond>
+              </p:prevCondLst>
+              <p:nextCondLst>
+                <p:cond evt="onNext" delay="0">
+                  <p:tgtEl>
+                    <p:sldTgt/>
+                  </p:tgtEl>
+                </p:cond>
+              </p:nextCondLst>
+            </p:seq>
+          </p:childTnLst>
+        </p:cTn>
+      </p:par>
+    </p:tnLst>
+    <p:bldLst>
+      <p:bldP spid="18" grpId="0"/>
+    </p:bldLst>
+  </p:timing>
+</p:sld>
+</file>
+
+<file path=ppt/slides/slide13.xml><?xml version="1.0" encoding="utf-8"?>
+<p:sld xmlns:a="http://schemas.openxmlformats.org/drawingml/2006/main" xmlns:r="http://schemas.openxmlformats.org/officeDocument/2006/relationships" xmlns:p="http://schemas.openxmlformats.org/presentationml/2006/main">
+  <p:cSld>
+    <p:spTree>
+      <p:nvGrpSpPr>
+        <p:cNvPr id="1" name=""/>
+        <p:cNvGrpSpPr/>
+        <p:nvPr/>
+      </p:nvGrpSpPr>
+      <p:grpSpPr>
+        <a:xfrm>
+          <a:off x="0" y="0"/>
+          <a:ext cx="0" cy="0"/>
+          <a:chOff x="0" y="0"/>
+          <a:chExt cx="0" cy="0"/>
+        </a:xfrm>
+      </p:grpSpPr>
+      <p:sp>
+        <p:nvSpPr>
+          <p:cNvPr id="34" name="Rectangle: Single Corner Rounded 33">
+            <a:extLst>
+              <a:ext uri="{FF2B5EF4-FFF2-40B4-BE49-F238E27FC236}">
+                <a16:creationId xmlns:a16="http://schemas.microsoft.com/office/drawing/2014/main" id="{EB7991BF-0143-4C5E-BC59-4770FCE0E250}"/>
+              </a:ext>
+            </a:extLst>
+          </p:cNvPr>
+          <p:cNvSpPr/>
+          <p:nvPr/>
+        </p:nvSpPr>
+        <p:spPr bwMode="auto">
+          <a:xfrm>
+            <a:off x="5111015" y="419364"/>
+            <a:ext cx="3912335" cy="4966636"/>
+          </a:xfrm>
+          <a:prstGeom prst="round1Rect">
+            <a:avLst/>
+          </a:prstGeom>
+          <a:noFill/>
+          <a:ln w="38100" cap="flat" cmpd="sng" algn="ctr">
+            <a:solidFill>
+              <a:schemeClr val="tx1"/>
+            </a:solidFill>
+            <a:prstDash val="solid"/>
+            <a:round/>
+            <a:headEnd type="none" w="med" len="med"/>
+            <a:tailEnd type="none" w="med" len="med"/>
+          </a:ln>
+          <a:effectLst/>
+        </p:spPr>
+        <p:txBody>
+          <a:bodyPr vert="horz" wrap="none" lIns="91440" tIns="45720" rIns="91440" bIns="45720" numCol="1" rtlCol="0" anchor="ctr" anchorCtr="0" compatLnSpc="1">
+            <a:prstTxWarp prst="textNoShape">
+              <a:avLst/>
+            </a:prstTxWarp>
+          </a:bodyPr>
+          <a:lstStyle/>
+          <a:p>
+            <a:pPr marL="0" marR="0" indent="0" algn="ctr" defTabSz="914400" rtl="0" eaLnBrk="1" fontAlgn="base" latinLnBrk="0" hangingPunct="1">
+              <a:lnSpc>
+                <a:spcPct val="100000"/>
+              </a:lnSpc>
+              <a:spcBef>
+                <a:spcPct val="0"/>
+              </a:spcBef>
+              <a:spcAft>
+                <a:spcPct val="0"/>
+              </a:spcAft>
+              <a:buClrTx/>
+              <a:buSzTx/>
+              <a:buFontTx/>
+              <a:buNone/>
+              <a:tabLst/>
+            </a:pPr>
+            <a:endParaRPr kumimoji="0" lang="en-US" sz="1800" b="0" i="0" u="none" strike="noStrike" cap="none" normalizeH="0" baseline="0">
+              <a:ln>
+                <a:noFill/>
+              </a:ln>
+              <a:solidFill>
+                <a:schemeClr val="tx1"/>
+              </a:solidFill>
+              <a:effectLst/>
+              <a:latin typeface="Arial" charset="0"/>
+            </a:endParaRPr>
+          </a:p>
+        </p:txBody>
+      </p:sp>
+      <p:sp>
+        <p:nvSpPr>
+          <p:cNvPr id="3" name="Rectangle 2">
+            <a:extLst>
+              <a:ext uri="{FF2B5EF4-FFF2-40B4-BE49-F238E27FC236}">
+                <a16:creationId xmlns:a16="http://schemas.microsoft.com/office/drawing/2014/main" id="{7D292997-110F-4C52-ABDA-7942652AEBC7}"/>
+              </a:ext>
+            </a:extLst>
+          </p:cNvPr>
+          <p:cNvSpPr/>
+          <p:nvPr/>
+        </p:nvSpPr>
+        <p:spPr>
+          <a:xfrm>
+            <a:off x="0" y="174905"/>
+            <a:ext cx="3646025" cy="707886"/>
+          </a:xfrm>
+          <a:prstGeom prst="rect">
+            <a:avLst/>
+          </a:prstGeom>
+          <a:solidFill>
+            <a:schemeClr val="tx1"/>
+          </a:solidFill>
+        </p:spPr>
+        <p:txBody>
+          <a:bodyPr wrap="square">
+            <a:spAutoFit/>
+          </a:bodyPr>
+          <a:lstStyle/>
+          <a:p>
+            <a:r>
+              <a:rPr lang="en-US" sz="2000" dirty="0">
+                <a:solidFill>
+                  <a:srgbClr val="4EC9B0"/>
+                </a:solidFill>
+                <a:latin typeface=" Cascadia Code"/>
+              </a:rPr>
+              <a:t>double</a:t>
+            </a:r>
+            <a:r>
+              <a:rPr lang="en-US" sz="2000" dirty="0">
+                <a:solidFill>
+                  <a:srgbClr val="D4D4D4"/>
+                </a:solidFill>
+                <a:latin typeface=" Cascadia Code"/>
+              </a:rPr>
+              <a:t>[] </a:t>
+            </a:r>
+            <a:r>
+              <a:rPr lang="en-US" sz="2000" dirty="0">
+                <a:solidFill>
+                  <a:srgbClr val="9CDCFE"/>
+                </a:solidFill>
+                <a:latin typeface=" Cascadia Code"/>
+              </a:rPr>
+              <a:t>a</a:t>
+            </a:r>
+            <a:r>
+              <a:rPr lang="en-US" sz="2000" dirty="0">
+                <a:solidFill>
+                  <a:srgbClr val="D4D4D4"/>
+                </a:solidFill>
+                <a:latin typeface=" Cascadia Code"/>
+              </a:rPr>
+              <a:t>;</a:t>
+            </a:r>
+          </a:p>
+          <a:p>
+            <a:r>
+              <a:rPr lang="en-US" sz="2000" dirty="0">
+                <a:solidFill>
+                  <a:srgbClr val="D4D4D4"/>
+                </a:solidFill>
+                <a:latin typeface=" Cascadia Code"/>
+              </a:rPr>
+              <a:t>a = </a:t>
+            </a:r>
+            <a:r>
+              <a:rPr lang="en-US" sz="2000" dirty="0">
+                <a:solidFill>
+                  <a:srgbClr val="C586C0"/>
+                </a:solidFill>
+                <a:latin typeface=" Cascadia Code"/>
+              </a:rPr>
+              <a:t>new</a:t>
+            </a:r>
+            <a:r>
+              <a:rPr lang="en-US" sz="2000" dirty="0">
+                <a:solidFill>
+                  <a:srgbClr val="D4D4D4"/>
+                </a:solidFill>
+                <a:latin typeface=" Cascadia Code"/>
+              </a:rPr>
+              <a:t> </a:t>
+            </a:r>
+            <a:r>
+              <a:rPr lang="en-US" sz="2000" dirty="0">
+                <a:solidFill>
+                  <a:srgbClr val="4EC9B0"/>
+                </a:solidFill>
+                <a:latin typeface=" Cascadia Code"/>
+              </a:rPr>
+              <a:t>double</a:t>
+            </a:r>
+            <a:r>
+              <a:rPr lang="en-US" sz="2000" dirty="0">
+                <a:solidFill>
+                  <a:srgbClr val="D4D4D4"/>
+                </a:solidFill>
+                <a:latin typeface=" Cascadia Code"/>
+              </a:rPr>
+              <a:t>[</a:t>
+            </a:r>
+            <a:r>
+              <a:rPr lang="en-US" sz="2000" dirty="0">
+                <a:solidFill>
+                  <a:srgbClr val="B5CEA8"/>
+                </a:solidFill>
+                <a:latin typeface=" Cascadia Code"/>
+              </a:rPr>
+              <a:t>5</a:t>
+            </a:r>
+            <a:r>
+              <a:rPr lang="en-US" sz="2000" dirty="0">
+                <a:solidFill>
+                  <a:srgbClr val="D4D4D4"/>
+                </a:solidFill>
+                <a:latin typeface=" Cascadia Code"/>
+              </a:rPr>
+              <a:t>];</a:t>
+            </a:r>
+          </a:p>
+        </p:txBody>
+      </p:sp>
+      <p:sp>
+        <p:nvSpPr>
+          <p:cNvPr id="2" name="Rectangle 1">
+            <a:extLst>
+              <a:ext uri="{FF2B5EF4-FFF2-40B4-BE49-F238E27FC236}">
+                <a16:creationId xmlns:a16="http://schemas.microsoft.com/office/drawing/2014/main" id="{9B6B6D7E-E10E-4C1E-8E38-A7171A3DFABE}"/>
+              </a:ext>
+            </a:extLst>
+          </p:cNvPr>
+          <p:cNvSpPr/>
+          <p:nvPr/>
+        </p:nvSpPr>
+        <p:spPr bwMode="auto">
+          <a:xfrm>
+            <a:off x="856527" y="2903798"/>
+            <a:ext cx="1794076" cy="383411"/>
+          </a:xfrm>
+          <a:prstGeom prst="rect">
+            <a:avLst/>
+          </a:prstGeom>
+          <a:noFill/>
+          <a:ln w="28575" cap="flat" cmpd="sng" algn="ctr">
+            <a:solidFill>
+              <a:schemeClr val="tx1"/>
+            </a:solidFill>
+            <a:prstDash val="solid"/>
+            <a:round/>
+            <a:headEnd type="none" w="med" len="med"/>
+            <a:tailEnd type="none" w="med" len="med"/>
+          </a:ln>
+          <a:effectLst/>
+        </p:spPr>
+        <p:txBody>
+          <a:bodyPr vert="horz" wrap="none" lIns="91440" tIns="45720" rIns="91440" bIns="45720" numCol="1" rtlCol="0" anchor="ctr" anchorCtr="0" compatLnSpc="1">
+            <a:prstTxWarp prst="textNoShape">
+              <a:avLst/>
+            </a:prstTxWarp>
+          </a:bodyPr>
+          <a:lstStyle/>
+          <a:p>
+            <a:pPr marL="0" marR="0" indent="0" algn="ctr" defTabSz="914400" rtl="0" eaLnBrk="1" fontAlgn="base" latinLnBrk="0" hangingPunct="1">
+              <a:lnSpc>
+                <a:spcPct val="100000"/>
+              </a:lnSpc>
+              <a:spcBef>
+                <a:spcPct val="0"/>
+              </a:spcBef>
+              <a:spcAft>
+                <a:spcPct val="0"/>
+              </a:spcAft>
+              <a:buClrTx/>
+              <a:buSzTx/>
+              <a:buFontTx/>
+              <a:buNone/>
+              <a:tabLst/>
+            </a:pPr>
+            <a:endParaRPr kumimoji="0" lang="en-US" sz="1800" b="0" i="0" u="none" strike="noStrike" cap="none" normalizeH="0" baseline="0">
+              <a:ln>
+                <a:noFill/>
+              </a:ln>
+              <a:solidFill>
+                <a:schemeClr val="tx1"/>
+              </a:solidFill>
+              <a:effectLst/>
+              <a:latin typeface="Arial" charset="0"/>
+            </a:endParaRPr>
+          </a:p>
+        </p:txBody>
+      </p:sp>
+      <p:sp>
+        <p:nvSpPr>
+          <p:cNvPr id="5" name="Rectangle 4">
+            <a:extLst>
+              <a:ext uri="{FF2B5EF4-FFF2-40B4-BE49-F238E27FC236}">
+                <a16:creationId xmlns:a16="http://schemas.microsoft.com/office/drawing/2014/main" id="{D7A09152-BA3E-4A00-A001-9D2A6CC4BC0A}"/>
+              </a:ext>
+            </a:extLst>
+          </p:cNvPr>
+          <p:cNvSpPr/>
+          <p:nvPr/>
+        </p:nvSpPr>
+        <p:spPr bwMode="auto">
+          <a:xfrm>
+            <a:off x="856527" y="3287209"/>
+            <a:ext cx="1794076" cy="383411"/>
+          </a:xfrm>
+          <a:prstGeom prst="rect">
+            <a:avLst/>
+          </a:prstGeom>
+          <a:noFill/>
+          <a:ln w="28575" cap="flat" cmpd="sng" algn="ctr">
+            <a:solidFill>
+              <a:schemeClr val="tx1"/>
+            </a:solidFill>
+            <a:prstDash val="solid"/>
+            <a:round/>
+            <a:headEnd type="none" w="med" len="med"/>
+            <a:tailEnd type="none" w="med" len="med"/>
+          </a:ln>
+          <a:effectLst/>
+        </p:spPr>
+        <p:txBody>
+          <a:bodyPr vert="horz" wrap="none" lIns="91440" tIns="45720" rIns="91440" bIns="45720" numCol="1" rtlCol="0" anchor="ctr" anchorCtr="0" compatLnSpc="1">
+            <a:prstTxWarp prst="textNoShape">
+              <a:avLst/>
+            </a:prstTxWarp>
+          </a:bodyPr>
+          <a:lstStyle/>
+          <a:p>
+            <a:pPr marL="0" marR="0" indent="0" algn="ctr" defTabSz="914400" rtl="0" eaLnBrk="1" fontAlgn="base" latinLnBrk="0" hangingPunct="1">
+              <a:lnSpc>
+                <a:spcPct val="100000"/>
+              </a:lnSpc>
+              <a:spcBef>
+                <a:spcPct val="0"/>
+              </a:spcBef>
+              <a:spcAft>
+                <a:spcPct val="0"/>
+              </a:spcAft>
+              <a:buClrTx/>
+              <a:buSzTx/>
+              <a:buFontTx/>
+              <a:buNone/>
+              <a:tabLst/>
+            </a:pPr>
+            <a:r>
+              <a:rPr kumimoji="0" lang="es-MX" sz="1800" b="0" i="0" u="none" strike="noStrike" cap="none" normalizeH="0" baseline="0" dirty="0">
+                <a:ln>
+                  <a:noFill/>
+                </a:ln>
+                <a:solidFill>
+                  <a:schemeClr val="tx1"/>
+                </a:solidFill>
+                <a:effectLst/>
+                <a:highlight>
+                  <a:srgbClr val="FFFF00"/>
+                </a:highlight>
+                <a:latin typeface="Arial" charset="0"/>
+              </a:rPr>
+              <a:t>2C7F0</a:t>
+            </a:r>
+            <a:endParaRPr kumimoji="0" lang="en-US" sz="1800" b="0" i="0" u="none" strike="noStrike" cap="none" normalizeH="0" baseline="0" dirty="0">
+              <a:ln>
+                <a:noFill/>
+              </a:ln>
+              <a:solidFill>
+                <a:schemeClr val="tx1"/>
+              </a:solidFill>
+              <a:effectLst/>
+              <a:highlight>
+                <a:srgbClr val="FFFF00"/>
+              </a:highlight>
+              <a:latin typeface="Arial" charset="0"/>
+            </a:endParaRPr>
+          </a:p>
+        </p:txBody>
+      </p:sp>
+      <p:sp>
+        <p:nvSpPr>
+          <p:cNvPr id="6" name="Rectangle 5">
+            <a:extLst>
+              <a:ext uri="{FF2B5EF4-FFF2-40B4-BE49-F238E27FC236}">
+                <a16:creationId xmlns:a16="http://schemas.microsoft.com/office/drawing/2014/main" id="{A87F2B4E-F50F-4BF5-8910-01FCFB2830B4}"/>
+              </a:ext>
+            </a:extLst>
+          </p:cNvPr>
+          <p:cNvSpPr/>
+          <p:nvPr/>
+        </p:nvSpPr>
+        <p:spPr bwMode="auto">
+          <a:xfrm>
+            <a:off x="856527" y="3670620"/>
+            <a:ext cx="1794076" cy="383411"/>
+          </a:xfrm>
+          <a:prstGeom prst="rect">
+            <a:avLst/>
+          </a:prstGeom>
+          <a:noFill/>
+          <a:ln w="28575" cap="flat" cmpd="sng" algn="ctr">
+            <a:solidFill>
+              <a:schemeClr val="tx1"/>
+            </a:solidFill>
+            <a:prstDash val="solid"/>
+            <a:round/>
+            <a:headEnd type="none" w="med" len="med"/>
+            <a:tailEnd type="none" w="med" len="med"/>
+          </a:ln>
+          <a:effectLst/>
+        </p:spPr>
+        <p:txBody>
+          <a:bodyPr vert="horz" wrap="none" lIns="91440" tIns="45720" rIns="91440" bIns="45720" numCol="1" rtlCol="0" anchor="ctr" anchorCtr="0" compatLnSpc="1">
+            <a:prstTxWarp prst="textNoShape">
+              <a:avLst/>
+            </a:prstTxWarp>
+          </a:bodyPr>
+          <a:lstStyle/>
+          <a:p>
+            <a:pPr marL="0" marR="0" indent="0" algn="ctr" defTabSz="914400" rtl="0" eaLnBrk="1" fontAlgn="base" latinLnBrk="0" hangingPunct="1">
+              <a:lnSpc>
+                <a:spcPct val="100000"/>
+              </a:lnSpc>
+              <a:spcBef>
+                <a:spcPct val="0"/>
+              </a:spcBef>
+              <a:spcAft>
+                <a:spcPct val="0"/>
+              </a:spcAft>
+              <a:buClrTx/>
+              <a:buSzTx/>
+              <a:buFontTx/>
+              <a:buNone/>
+              <a:tabLst/>
+            </a:pPr>
+            <a:endParaRPr kumimoji="0" lang="en-US" sz="1800" b="0" i="0" u="none" strike="noStrike" cap="none" normalizeH="0" baseline="0">
+              <a:ln>
+                <a:noFill/>
+              </a:ln>
+              <a:solidFill>
+                <a:schemeClr val="tx1"/>
+              </a:solidFill>
+              <a:effectLst/>
+              <a:latin typeface="Arial" charset="0"/>
+            </a:endParaRPr>
+          </a:p>
+        </p:txBody>
+      </p:sp>
+      <p:sp>
+        <p:nvSpPr>
+          <p:cNvPr id="7" name="Rectangle 6">
+            <a:extLst>
+              <a:ext uri="{FF2B5EF4-FFF2-40B4-BE49-F238E27FC236}">
+                <a16:creationId xmlns:a16="http://schemas.microsoft.com/office/drawing/2014/main" id="{A99BB84C-EFA0-4079-AEE5-10A01A1D8CA3}"/>
+              </a:ext>
+            </a:extLst>
+          </p:cNvPr>
+          <p:cNvSpPr/>
+          <p:nvPr/>
+        </p:nvSpPr>
+        <p:spPr bwMode="auto">
+          <a:xfrm>
+            <a:off x="856527" y="4054031"/>
+            <a:ext cx="1794076" cy="383411"/>
+          </a:xfrm>
+          <a:prstGeom prst="rect">
+            <a:avLst/>
+          </a:prstGeom>
+          <a:noFill/>
+          <a:ln w="28575" cap="flat" cmpd="sng" algn="ctr">
+            <a:solidFill>
+              <a:schemeClr val="tx1"/>
+            </a:solidFill>
+            <a:prstDash val="solid"/>
+            <a:round/>
+            <a:headEnd type="none" w="med" len="med"/>
+            <a:tailEnd type="none" w="med" len="med"/>
+          </a:ln>
+          <a:effectLst/>
+        </p:spPr>
+        <p:txBody>
+          <a:bodyPr vert="horz" wrap="none" lIns="91440" tIns="45720" rIns="91440" bIns="45720" numCol="1" rtlCol="0" anchor="ctr" anchorCtr="0" compatLnSpc="1">
+            <a:prstTxWarp prst="textNoShape">
+              <a:avLst/>
+            </a:prstTxWarp>
+          </a:bodyPr>
+          <a:lstStyle/>
+          <a:p>
+            <a:pPr marL="0" marR="0" indent="0" algn="ctr" defTabSz="914400" rtl="0" eaLnBrk="1" fontAlgn="base" latinLnBrk="0" hangingPunct="1">
+              <a:lnSpc>
+                <a:spcPct val="100000"/>
+              </a:lnSpc>
+              <a:spcBef>
+                <a:spcPct val="0"/>
+              </a:spcBef>
+              <a:spcAft>
+                <a:spcPct val="0"/>
+              </a:spcAft>
+              <a:buClrTx/>
+              <a:buSzTx/>
+              <a:buFontTx/>
+              <a:buNone/>
+              <a:tabLst/>
+            </a:pPr>
+            <a:endParaRPr kumimoji="0" lang="en-US" sz="1800" b="0" i="0" u="none" strike="noStrike" cap="none" normalizeH="0" baseline="0">
+              <a:ln>
+                <a:noFill/>
+              </a:ln>
+              <a:solidFill>
+                <a:schemeClr val="tx1"/>
+              </a:solidFill>
+              <a:effectLst/>
+              <a:latin typeface="Arial" charset="0"/>
+            </a:endParaRPr>
+          </a:p>
+        </p:txBody>
+      </p:sp>
+      <p:sp>
+        <p:nvSpPr>
+          <p:cNvPr id="13" name="Rectangle 12">
+            <a:extLst>
+              <a:ext uri="{FF2B5EF4-FFF2-40B4-BE49-F238E27FC236}">
+                <a16:creationId xmlns:a16="http://schemas.microsoft.com/office/drawing/2014/main" id="{3779EB67-E166-41CC-B1A7-EE6B5F1713DE}"/>
+              </a:ext>
+            </a:extLst>
+          </p:cNvPr>
+          <p:cNvSpPr/>
+          <p:nvPr/>
+        </p:nvSpPr>
+        <p:spPr bwMode="auto">
+          <a:xfrm>
+            <a:off x="2650603" y="2902682"/>
+            <a:ext cx="934093" cy="383411"/>
+          </a:xfrm>
+          <a:prstGeom prst="rect">
+            <a:avLst/>
+          </a:prstGeom>
+          <a:noFill/>
+          <a:ln w="28575" cap="flat" cmpd="sng" algn="ctr">
+            <a:noFill/>
+            <a:prstDash val="solid"/>
+            <a:round/>
+            <a:headEnd type="none" w="med" len="med"/>
+            <a:tailEnd type="none" w="med" len="med"/>
+          </a:ln>
+          <a:effectLst/>
+        </p:spPr>
+        <p:txBody>
+          <a:bodyPr vert="horz" wrap="none" lIns="91440" tIns="45720" rIns="91440" bIns="45720" numCol="1" rtlCol="0" anchor="ctr" anchorCtr="0" compatLnSpc="1">
+            <a:prstTxWarp prst="textNoShape">
+              <a:avLst/>
+            </a:prstTxWarp>
+          </a:bodyPr>
+          <a:lstStyle/>
+          <a:p>
+            <a:pPr marL="0" marR="0" indent="0" algn="ctr" defTabSz="914400" rtl="0" eaLnBrk="1" fontAlgn="base" latinLnBrk="0" hangingPunct="1">
+              <a:lnSpc>
+                <a:spcPct val="100000"/>
+              </a:lnSpc>
+              <a:spcBef>
+                <a:spcPct val="0"/>
+              </a:spcBef>
+              <a:spcAft>
+                <a:spcPct val="0"/>
+              </a:spcAft>
+              <a:buClrTx/>
+              <a:buSzTx/>
+              <a:buFontTx/>
+              <a:buNone/>
+              <a:tabLst/>
+            </a:pPr>
+            <a:r>
+              <a:rPr kumimoji="0" lang="es-MX" sz="1800" b="0" i="0" u="none" strike="noStrike" cap="none" normalizeH="0" baseline="0" dirty="0">
+                <a:ln>
+                  <a:noFill/>
+                </a:ln>
+                <a:solidFill>
+                  <a:schemeClr val="tx1"/>
+                </a:solidFill>
+                <a:effectLst/>
+                <a:latin typeface="Arial" charset="0"/>
+              </a:rPr>
+              <a:t>10F50</a:t>
+            </a:r>
+            <a:endParaRPr kumimoji="0" lang="en-US" sz="1800" b="0" i="0" u="none" strike="noStrike" cap="none" normalizeH="0" baseline="0" dirty="0">
+              <a:ln>
+                <a:noFill/>
+              </a:ln>
+              <a:solidFill>
+                <a:schemeClr val="tx1"/>
+              </a:solidFill>
+              <a:effectLst/>
+              <a:latin typeface="Arial" charset="0"/>
+            </a:endParaRPr>
+          </a:p>
+        </p:txBody>
+      </p:sp>
+      <p:sp>
+        <p:nvSpPr>
+          <p:cNvPr id="14" name="Rectangle 13">
+            <a:extLst>
+              <a:ext uri="{FF2B5EF4-FFF2-40B4-BE49-F238E27FC236}">
+                <a16:creationId xmlns:a16="http://schemas.microsoft.com/office/drawing/2014/main" id="{45CED537-52C7-44DC-9002-1B14481CEC28}"/>
+              </a:ext>
+            </a:extLst>
+          </p:cNvPr>
+          <p:cNvSpPr/>
+          <p:nvPr/>
+        </p:nvSpPr>
+        <p:spPr bwMode="auto">
+          <a:xfrm>
+            <a:off x="2650603" y="3286093"/>
+            <a:ext cx="934093" cy="383411"/>
+          </a:xfrm>
+          <a:prstGeom prst="rect">
+            <a:avLst/>
+          </a:prstGeom>
+          <a:noFill/>
+          <a:ln w="28575" cap="flat" cmpd="sng" algn="ctr">
+            <a:noFill/>
+            <a:prstDash val="solid"/>
+            <a:round/>
+            <a:headEnd type="none" w="med" len="med"/>
+            <a:tailEnd type="none" w="med" len="med"/>
+          </a:ln>
+          <a:effectLst/>
+        </p:spPr>
+        <p:txBody>
+          <a:bodyPr vert="horz" wrap="none" lIns="91440" tIns="45720" rIns="91440" bIns="45720" numCol="1" rtlCol="0" anchor="ctr" anchorCtr="0" compatLnSpc="1">
+            <a:prstTxWarp prst="textNoShape">
+              <a:avLst/>
+            </a:prstTxWarp>
+          </a:bodyPr>
+          <a:lstStyle/>
+          <a:p>
+            <a:pPr marL="0" marR="0" indent="0" algn="ctr" defTabSz="914400" rtl="0" eaLnBrk="1" fontAlgn="base" latinLnBrk="0" hangingPunct="1">
+              <a:lnSpc>
+                <a:spcPct val="100000"/>
+              </a:lnSpc>
+              <a:spcBef>
+                <a:spcPct val="0"/>
+              </a:spcBef>
+              <a:spcAft>
+                <a:spcPct val="0"/>
+              </a:spcAft>
+              <a:buClrTx/>
+              <a:buSzTx/>
+              <a:buFontTx/>
+              <a:buNone/>
+              <a:tabLst/>
+            </a:pPr>
+            <a:r>
+              <a:rPr kumimoji="0" lang="es-MX" sz="1800" b="0" i="0" u="none" strike="noStrike" cap="none" normalizeH="0" baseline="0" dirty="0">
+                <a:ln>
+                  <a:noFill/>
+                </a:ln>
+                <a:solidFill>
+                  <a:schemeClr val="tx1"/>
+                </a:solidFill>
+                <a:effectLst/>
+                <a:latin typeface="Arial" charset="0"/>
+              </a:rPr>
+              <a:t>10F51</a:t>
+            </a:r>
+            <a:endParaRPr kumimoji="0" lang="en-US" sz="1800" b="0" i="0" u="none" strike="noStrike" cap="none" normalizeH="0" baseline="0" dirty="0">
+              <a:ln>
+                <a:noFill/>
+              </a:ln>
+              <a:solidFill>
+                <a:schemeClr val="tx1"/>
+              </a:solidFill>
+              <a:effectLst/>
+              <a:latin typeface="Arial" charset="0"/>
+            </a:endParaRPr>
+          </a:p>
+        </p:txBody>
+      </p:sp>
+      <p:sp>
+        <p:nvSpPr>
+          <p:cNvPr id="15" name="Rectangle 14">
+            <a:extLst>
+              <a:ext uri="{FF2B5EF4-FFF2-40B4-BE49-F238E27FC236}">
+                <a16:creationId xmlns:a16="http://schemas.microsoft.com/office/drawing/2014/main" id="{5B245866-9566-4641-B6D3-6679D46B2B9E}"/>
+              </a:ext>
+            </a:extLst>
+          </p:cNvPr>
+          <p:cNvSpPr/>
+          <p:nvPr/>
+        </p:nvSpPr>
+        <p:spPr bwMode="auto">
+          <a:xfrm>
+            <a:off x="2650603" y="3669504"/>
+            <a:ext cx="934093" cy="383411"/>
+          </a:xfrm>
+          <a:prstGeom prst="rect">
+            <a:avLst/>
+          </a:prstGeom>
+          <a:noFill/>
+          <a:ln w="28575" cap="flat" cmpd="sng" algn="ctr">
+            <a:noFill/>
+            <a:prstDash val="solid"/>
+            <a:round/>
+            <a:headEnd type="none" w="med" len="med"/>
+            <a:tailEnd type="none" w="med" len="med"/>
+          </a:ln>
+          <a:effectLst/>
+        </p:spPr>
+        <p:txBody>
+          <a:bodyPr vert="horz" wrap="none" lIns="91440" tIns="45720" rIns="91440" bIns="45720" numCol="1" rtlCol="0" anchor="ctr" anchorCtr="0" compatLnSpc="1">
+            <a:prstTxWarp prst="textNoShape">
+              <a:avLst/>
+            </a:prstTxWarp>
+          </a:bodyPr>
+          <a:lstStyle/>
+          <a:p>
+            <a:pPr marL="0" marR="0" indent="0" algn="ctr" defTabSz="914400" rtl="0" eaLnBrk="1" fontAlgn="base" latinLnBrk="0" hangingPunct="1">
+              <a:lnSpc>
+                <a:spcPct val="100000"/>
+              </a:lnSpc>
+              <a:spcBef>
+                <a:spcPct val="0"/>
+              </a:spcBef>
+              <a:spcAft>
+                <a:spcPct val="0"/>
+              </a:spcAft>
+              <a:buClrTx/>
+              <a:buSzTx/>
+              <a:buFontTx/>
+              <a:buNone/>
+              <a:tabLst/>
+            </a:pPr>
+            <a:r>
+              <a:rPr kumimoji="0" lang="es-MX" sz="1800" b="0" i="0" u="none" strike="noStrike" cap="none" normalizeH="0" baseline="0" dirty="0">
+                <a:ln>
+                  <a:noFill/>
+                </a:ln>
+                <a:solidFill>
+                  <a:schemeClr val="tx1"/>
+                </a:solidFill>
+                <a:effectLst/>
+                <a:latin typeface="Arial" charset="0"/>
+              </a:rPr>
+              <a:t>10F52</a:t>
+            </a:r>
+            <a:endParaRPr kumimoji="0" lang="en-US" sz="1800" b="0" i="0" u="none" strike="noStrike" cap="none" normalizeH="0" baseline="0" dirty="0">
+              <a:ln>
+                <a:noFill/>
+              </a:ln>
+              <a:solidFill>
+                <a:schemeClr val="tx1"/>
+              </a:solidFill>
+              <a:effectLst/>
+              <a:latin typeface="Arial" charset="0"/>
+            </a:endParaRPr>
+          </a:p>
+        </p:txBody>
+      </p:sp>
+      <p:sp>
+        <p:nvSpPr>
+          <p:cNvPr id="16" name="Rectangle 15">
+            <a:extLst>
+              <a:ext uri="{FF2B5EF4-FFF2-40B4-BE49-F238E27FC236}">
+                <a16:creationId xmlns:a16="http://schemas.microsoft.com/office/drawing/2014/main" id="{2B020DF5-B043-4D09-AD0F-A8639BA8BC4C}"/>
+              </a:ext>
+            </a:extLst>
+          </p:cNvPr>
+          <p:cNvSpPr/>
+          <p:nvPr/>
+        </p:nvSpPr>
+        <p:spPr bwMode="auto">
+          <a:xfrm>
+            <a:off x="2650603" y="4052915"/>
+            <a:ext cx="934093" cy="383411"/>
+          </a:xfrm>
+          <a:prstGeom prst="rect">
+            <a:avLst/>
+          </a:prstGeom>
+          <a:noFill/>
+          <a:ln w="28575" cap="flat" cmpd="sng" algn="ctr">
+            <a:noFill/>
+            <a:prstDash val="solid"/>
+            <a:round/>
+            <a:headEnd type="none" w="med" len="med"/>
+            <a:tailEnd type="none" w="med" len="med"/>
+          </a:ln>
+          <a:effectLst/>
+        </p:spPr>
+        <p:txBody>
+          <a:bodyPr vert="horz" wrap="none" lIns="91440" tIns="45720" rIns="91440" bIns="45720" numCol="1" rtlCol="0" anchor="ctr" anchorCtr="0" compatLnSpc="1">
+            <a:prstTxWarp prst="textNoShape">
+              <a:avLst/>
+            </a:prstTxWarp>
+          </a:bodyPr>
+          <a:lstStyle/>
+          <a:p>
+            <a:pPr marL="0" marR="0" indent="0" algn="ctr" defTabSz="914400" rtl="0" eaLnBrk="1" fontAlgn="base" latinLnBrk="0" hangingPunct="1">
+              <a:lnSpc>
+                <a:spcPct val="100000"/>
+              </a:lnSpc>
+              <a:spcBef>
+                <a:spcPct val="0"/>
+              </a:spcBef>
+              <a:spcAft>
+                <a:spcPct val="0"/>
+              </a:spcAft>
+              <a:buClrTx/>
+              <a:buSzTx/>
+              <a:buFontTx/>
+              <a:buNone/>
+              <a:tabLst/>
+            </a:pPr>
+            <a:r>
+              <a:rPr kumimoji="0" lang="es-MX" sz="1800" b="0" i="0" u="none" strike="noStrike" cap="none" normalizeH="0" baseline="0" dirty="0">
+                <a:ln>
+                  <a:noFill/>
+                </a:ln>
+                <a:solidFill>
+                  <a:schemeClr val="tx1"/>
+                </a:solidFill>
+                <a:effectLst/>
+                <a:latin typeface="Arial" charset="0"/>
+              </a:rPr>
+              <a:t>10F53</a:t>
+            </a:r>
+            <a:endParaRPr kumimoji="0" lang="en-US" sz="1800" b="0" i="0" u="none" strike="noStrike" cap="none" normalizeH="0" baseline="0" dirty="0">
+              <a:ln>
+                <a:noFill/>
+              </a:ln>
+              <a:solidFill>
+                <a:schemeClr val="tx1"/>
+              </a:solidFill>
+              <a:effectLst/>
+              <a:latin typeface="Arial" charset="0"/>
+            </a:endParaRPr>
+          </a:p>
+        </p:txBody>
+      </p:sp>
+      <p:sp>
+        <p:nvSpPr>
+          <p:cNvPr id="18" name="Rectangle 17">
+            <a:extLst>
+              <a:ext uri="{FF2B5EF4-FFF2-40B4-BE49-F238E27FC236}">
+                <a16:creationId xmlns:a16="http://schemas.microsoft.com/office/drawing/2014/main" id="{B185E527-AF5E-479C-83E1-8ECB05DA5C91}"/>
+              </a:ext>
+            </a:extLst>
+          </p:cNvPr>
+          <p:cNvSpPr/>
+          <p:nvPr/>
+        </p:nvSpPr>
+        <p:spPr bwMode="auto">
+          <a:xfrm>
+            <a:off x="120650" y="3289236"/>
+            <a:ext cx="751873" cy="383411"/>
+          </a:xfrm>
+          <a:prstGeom prst="rect">
+            <a:avLst/>
+          </a:prstGeom>
+          <a:noFill/>
+          <a:ln w="28575" cap="flat" cmpd="sng" algn="ctr">
+            <a:noFill/>
+            <a:prstDash val="solid"/>
+            <a:round/>
+            <a:headEnd type="none" w="med" len="med"/>
+            <a:tailEnd type="none" w="med" len="med"/>
+          </a:ln>
+          <a:effectLst/>
+        </p:spPr>
+        <p:txBody>
+          <a:bodyPr vert="horz" wrap="none" lIns="91440" tIns="45720" rIns="91440" bIns="45720" numCol="1" rtlCol="0" anchor="ctr" anchorCtr="0" compatLnSpc="1">
+            <a:prstTxWarp prst="textNoShape">
+              <a:avLst/>
+            </a:prstTxWarp>
+          </a:bodyPr>
+          <a:lstStyle/>
+          <a:p>
+            <a:pPr marL="0" marR="0" indent="0" algn="ctr" defTabSz="914400" rtl="0" eaLnBrk="1" fontAlgn="base" latinLnBrk="0" hangingPunct="1">
+              <a:lnSpc>
+                <a:spcPct val="100000"/>
+              </a:lnSpc>
+              <a:spcBef>
+                <a:spcPct val="0"/>
+              </a:spcBef>
+              <a:spcAft>
+                <a:spcPct val="0"/>
+              </a:spcAft>
+              <a:buClrTx/>
+              <a:buSzTx/>
+              <a:buFontTx/>
+              <a:buNone/>
+              <a:tabLst/>
+            </a:pPr>
+            <a:r>
+              <a:rPr kumimoji="0" lang="es-MX" sz="1800" b="0" i="0" u="none" strike="noStrike" cap="none" normalizeH="0" baseline="0" dirty="0">
+                <a:ln>
+                  <a:noFill/>
+                </a:ln>
+                <a:solidFill>
+                  <a:schemeClr val="tx1"/>
+                </a:solidFill>
+                <a:effectLst/>
+                <a:latin typeface="Arial" charset="0"/>
+              </a:rPr>
+              <a:t>a</a:t>
+            </a:r>
+            <a:endParaRPr kumimoji="0" lang="en-US" sz="1800" b="0" i="0" u="none" strike="noStrike" cap="none" normalizeH="0" baseline="0" dirty="0">
+              <a:ln>
+                <a:noFill/>
+              </a:ln>
+              <a:solidFill>
+                <a:schemeClr val="tx1"/>
+              </a:solidFill>
+              <a:effectLst/>
+              <a:latin typeface="Arial" charset="0"/>
+            </a:endParaRPr>
+          </a:p>
+        </p:txBody>
+      </p:sp>
+      <p:cxnSp>
+        <p:nvCxnSpPr>
+          <p:cNvPr id="12" name="Connector: Curved 11">
+            <a:extLst>
+              <a:ext uri="{FF2B5EF4-FFF2-40B4-BE49-F238E27FC236}">
+                <a16:creationId xmlns:a16="http://schemas.microsoft.com/office/drawing/2014/main" id="{79DB8D4F-078C-419E-B190-CF27241703E8}"/>
+              </a:ext>
+            </a:extLst>
+          </p:cNvPr>
+          <p:cNvCxnSpPr>
+            <a:cxnSpLocks/>
+            <a:stCxn id="14" idx="3"/>
+          </p:cNvCxnSpPr>
+          <p:nvPr/>
+        </p:nvCxnSpPr>
+        <p:spPr bwMode="auto">
+          <a:xfrm flipV="1">
+            <a:off x="3584696" y="2329314"/>
+            <a:ext cx="1401190" cy="1148485"/>
+          </a:xfrm>
+          <a:prstGeom prst="curvedConnector3">
+            <a:avLst>
+              <a:gd name="adj1" fmla="val 50000"/>
+            </a:avLst>
+          </a:prstGeom>
+          <a:noFill/>
+          <a:ln w="28575" cap="flat" cmpd="sng" algn="ctr">
+            <a:solidFill>
+              <a:schemeClr val="tx1"/>
+            </a:solidFill>
+            <a:prstDash val="solid"/>
+            <a:round/>
+            <a:headEnd type="triangle"/>
+            <a:tailEnd type="triangle"/>
+          </a:ln>
+          <a:effectLst/>
+        </p:spPr>
+      </p:cxnSp>
+      <p:sp>
+        <p:nvSpPr>
+          <p:cNvPr id="24" name="Rectangle 23">
+            <a:extLst>
+              <a:ext uri="{FF2B5EF4-FFF2-40B4-BE49-F238E27FC236}">
+                <a16:creationId xmlns:a16="http://schemas.microsoft.com/office/drawing/2014/main" id="{605F3347-9C53-4FDF-9722-0AF1EAF0E1DC}"/>
+              </a:ext>
+            </a:extLst>
+          </p:cNvPr>
+          <p:cNvSpPr/>
+          <p:nvPr/>
+        </p:nvSpPr>
+        <p:spPr bwMode="auto">
+          <a:xfrm>
+            <a:off x="5987043" y="1810880"/>
+            <a:ext cx="1794076" cy="383411"/>
+          </a:xfrm>
+          <a:prstGeom prst="rect">
+            <a:avLst/>
+          </a:prstGeom>
+          <a:noFill/>
+          <a:ln w="28575" cap="flat" cmpd="sng" algn="ctr">
+            <a:solidFill>
+              <a:schemeClr val="tx1"/>
+            </a:solidFill>
+            <a:prstDash val="solid"/>
+            <a:round/>
+            <a:headEnd type="none" w="med" len="med"/>
+            <a:tailEnd type="none" w="med" len="med"/>
+          </a:ln>
+          <a:effectLst/>
+        </p:spPr>
+        <p:txBody>
+          <a:bodyPr vert="horz" wrap="none" lIns="91440" tIns="45720" rIns="91440" bIns="45720" numCol="1" rtlCol="0" anchor="ctr" anchorCtr="0" compatLnSpc="1">
+            <a:prstTxWarp prst="textNoShape">
+              <a:avLst/>
+            </a:prstTxWarp>
+          </a:bodyPr>
+          <a:lstStyle/>
+          <a:p>
+            <a:pPr marL="0" marR="0" indent="0" algn="ctr" defTabSz="914400" rtl="0" eaLnBrk="1" fontAlgn="base" latinLnBrk="0" hangingPunct="1">
+              <a:lnSpc>
+                <a:spcPct val="100000"/>
+              </a:lnSpc>
+              <a:spcBef>
+                <a:spcPct val="0"/>
+              </a:spcBef>
+              <a:spcAft>
+                <a:spcPct val="0"/>
+              </a:spcAft>
+              <a:buClrTx/>
+              <a:buSzTx/>
+              <a:buFontTx/>
+              <a:buNone/>
+              <a:tabLst/>
+            </a:pPr>
+            <a:r>
+              <a:rPr kumimoji="0" lang="es-MX" sz="1800" b="0" i="0" u="none" strike="noStrike" cap="none" normalizeH="0" baseline="0" dirty="0">
+                <a:ln>
+                  <a:noFill/>
+                </a:ln>
+                <a:solidFill>
+                  <a:schemeClr val="tx1"/>
+                </a:solidFill>
+                <a:effectLst/>
+                <a:latin typeface="Arial" charset="0"/>
+              </a:rPr>
+              <a:t>0.0</a:t>
+            </a:r>
+            <a:endParaRPr kumimoji="0" lang="en-US" sz="1800" b="0" i="0" u="none" strike="noStrike" cap="none" normalizeH="0" baseline="0" dirty="0">
+              <a:ln>
+                <a:noFill/>
+              </a:ln>
+              <a:solidFill>
+                <a:schemeClr val="tx1"/>
+              </a:solidFill>
+              <a:effectLst/>
+              <a:latin typeface="Arial" charset="0"/>
+            </a:endParaRPr>
+          </a:p>
+        </p:txBody>
+      </p:sp>
+      <p:sp>
+        <p:nvSpPr>
+          <p:cNvPr id="25" name="Rectangle 24">
+            <a:extLst>
+              <a:ext uri="{FF2B5EF4-FFF2-40B4-BE49-F238E27FC236}">
+                <a16:creationId xmlns:a16="http://schemas.microsoft.com/office/drawing/2014/main" id="{BA6A2A27-6351-438B-A95A-E895AE9FBF05}"/>
+              </a:ext>
+            </a:extLst>
+          </p:cNvPr>
+          <p:cNvSpPr/>
+          <p:nvPr/>
+        </p:nvSpPr>
+        <p:spPr bwMode="auto">
+          <a:xfrm>
+            <a:off x="5987043" y="2194291"/>
+            <a:ext cx="1794076" cy="383411"/>
+          </a:xfrm>
+          <a:prstGeom prst="rect">
+            <a:avLst/>
+          </a:prstGeom>
+          <a:noFill/>
+          <a:ln w="28575" cap="flat" cmpd="sng" algn="ctr">
+            <a:solidFill>
+              <a:schemeClr val="tx1"/>
+            </a:solidFill>
+            <a:prstDash val="solid"/>
+            <a:round/>
+            <a:headEnd type="none" w="med" len="med"/>
+            <a:tailEnd type="none" w="med" len="med"/>
+          </a:ln>
+          <a:effectLst/>
+        </p:spPr>
+        <p:txBody>
+          <a:bodyPr vert="horz" wrap="none" lIns="91440" tIns="45720" rIns="91440" bIns="45720" numCol="1" rtlCol="0" anchor="ctr" anchorCtr="0" compatLnSpc="1">
+            <a:prstTxWarp prst="textNoShape">
+              <a:avLst/>
+            </a:prstTxWarp>
+          </a:bodyPr>
+          <a:lstStyle/>
+          <a:p>
+            <a:pPr marL="0" marR="0" indent="0" algn="ctr" defTabSz="914400" rtl="0" eaLnBrk="1" fontAlgn="base" latinLnBrk="0" hangingPunct="1">
+              <a:lnSpc>
+                <a:spcPct val="100000"/>
+              </a:lnSpc>
+              <a:spcBef>
+                <a:spcPct val="0"/>
+              </a:spcBef>
+              <a:spcAft>
+                <a:spcPct val="0"/>
+              </a:spcAft>
+              <a:buClrTx/>
+              <a:buSzTx/>
+              <a:buFontTx/>
+              <a:buNone/>
+              <a:tabLst/>
+            </a:pPr>
+            <a:r>
+              <a:rPr kumimoji="0" lang="es-MX" sz="1800" b="0" i="0" u="none" strike="noStrike" cap="none" normalizeH="0" baseline="0" dirty="0">
+                <a:ln>
+                  <a:noFill/>
+                </a:ln>
+                <a:solidFill>
+                  <a:schemeClr val="tx1"/>
+                </a:solidFill>
+                <a:effectLst/>
+                <a:latin typeface="Arial" charset="0"/>
+              </a:rPr>
+              <a:t>0.0</a:t>
+            </a:r>
+            <a:endParaRPr kumimoji="0" lang="en-US" sz="1800" b="0" i="0" u="none" strike="noStrike" cap="none" normalizeH="0" baseline="0" dirty="0">
+              <a:ln>
+                <a:noFill/>
+              </a:ln>
+              <a:solidFill>
+                <a:schemeClr val="tx1"/>
+              </a:solidFill>
+              <a:effectLst/>
+              <a:latin typeface="Arial" charset="0"/>
+            </a:endParaRPr>
+          </a:p>
+        </p:txBody>
+      </p:sp>
+      <p:sp>
+        <p:nvSpPr>
+          <p:cNvPr id="26" name="Rectangle 25">
+            <a:extLst>
+              <a:ext uri="{FF2B5EF4-FFF2-40B4-BE49-F238E27FC236}">
+                <a16:creationId xmlns:a16="http://schemas.microsoft.com/office/drawing/2014/main" id="{CE0C7770-538A-4662-BC67-6C48653BE315}"/>
+              </a:ext>
+            </a:extLst>
+          </p:cNvPr>
+          <p:cNvSpPr/>
+          <p:nvPr/>
+        </p:nvSpPr>
+        <p:spPr bwMode="auto">
+          <a:xfrm>
+            <a:off x="5987043" y="2577702"/>
+            <a:ext cx="1794076" cy="383411"/>
+          </a:xfrm>
+          <a:prstGeom prst="rect">
+            <a:avLst/>
+          </a:prstGeom>
+          <a:noFill/>
+          <a:ln w="28575" cap="flat" cmpd="sng" algn="ctr">
+            <a:solidFill>
+              <a:schemeClr val="tx1"/>
+            </a:solidFill>
+            <a:prstDash val="solid"/>
+            <a:round/>
+            <a:headEnd type="none" w="med" len="med"/>
+            <a:tailEnd type="none" w="med" len="med"/>
+          </a:ln>
+          <a:effectLst/>
+        </p:spPr>
+        <p:txBody>
+          <a:bodyPr vert="horz" wrap="none" lIns="91440" tIns="45720" rIns="91440" bIns="45720" numCol="1" rtlCol="0" anchor="ctr" anchorCtr="0" compatLnSpc="1">
+            <a:prstTxWarp prst="textNoShape">
+              <a:avLst/>
+            </a:prstTxWarp>
+          </a:bodyPr>
+          <a:lstStyle/>
+          <a:p>
+            <a:pPr marL="0" marR="0" indent="0" algn="ctr" defTabSz="914400" rtl="0" eaLnBrk="1" fontAlgn="base" latinLnBrk="0" hangingPunct="1">
+              <a:lnSpc>
+                <a:spcPct val="100000"/>
+              </a:lnSpc>
+              <a:spcBef>
+                <a:spcPct val="0"/>
+              </a:spcBef>
+              <a:spcAft>
+                <a:spcPct val="0"/>
+              </a:spcAft>
+              <a:buClrTx/>
+              <a:buSzTx/>
+              <a:buFontTx/>
+              <a:buNone/>
+              <a:tabLst/>
+            </a:pPr>
+            <a:r>
+              <a:rPr kumimoji="0" lang="es-MX" sz="1800" b="0" i="0" u="none" strike="noStrike" cap="none" normalizeH="0" baseline="0" dirty="0">
+                <a:ln>
+                  <a:noFill/>
+                </a:ln>
+                <a:solidFill>
+                  <a:schemeClr val="tx1"/>
+                </a:solidFill>
+                <a:effectLst/>
+                <a:latin typeface="Arial" charset="0"/>
+              </a:rPr>
+              <a:t>0.0</a:t>
+            </a:r>
+            <a:endParaRPr kumimoji="0" lang="en-US" sz="1800" b="0" i="0" u="none" strike="noStrike" cap="none" normalizeH="0" baseline="0" dirty="0">
+              <a:ln>
+                <a:noFill/>
+              </a:ln>
+              <a:solidFill>
+                <a:schemeClr val="tx1"/>
+              </a:solidFill>
+              <a:effectLst/>
+              <a:latin typeface="Arial" charset="0"/>
+            </a:endParaRPr>
+          </a:p>
+        </p:txBody>
+      </p:sp>
+      <p:sp>
+        <p:nvSpPr>
+          <p:cNvPr id="27" name="Rectangle 26">
+            <a:extLst>
+              <a:ext uri="{FF2B5EF4-FFF2-40B4-BE49-F238E27FC236}">
+                <a16:creationId xmlns:a16="http://schemas.microsoft.com/office/drawing/2014/main" id="{D76676D3-775B-491E-B2C0-6DDBC9624ED3}"/>
+              </a:ext>
+            </a:extLst>
+          </p:cNvPr>
+          <p:cNvSpPr/>
+          <p:nvPr/>
+        </p:nvSpPr>
+        <p:spPr bwMode="auto">
+          <a:xfrm>
+            <a:off x="5987043" y="2961113"/>
+            <a:ext cx="1794076" cy="383411"/>
+          </a:xfrm>
+          <a:prstGeom prst="rect">
+            <a:avLst/>
+          </a:prstGeom>
+          <a:noFill/>
+          <a:ln w="28575" cap="flat" cmpd="sng" algn="ctr">
+            <a:solidFill>
+              <a:schemeClr val="tx1"/>
+            </a:solidFill>
+            <a:prstDash val="solid"/>
+            <a:round/>
+            <a:headEnd type="none" w="med" len="med"/>
+            <a:tailEnd type="none" w="med" len="med"/>
+          </a:ln>
+          <a:effectLst/>
+        </p:spPr>
+        <p:txBody>
+          <a:bodyPr vert="horz" wrap="none" lIns="91440" tIns="45720" rIns="91440" bIns="45720" numCol="1" rtlCol="0" anchor="ctr" anchorCtr="0" compatLnSpc="1">
+            <a:prstTxWarp prst="textNoShape">
+              <a:avLst/>
+            </a:prstTxWarp>
+          </a:bodyPr>
+          <a:lstStyle/>
+          <a:p>
+            <a:pPr marL="0" marR="0" indent="0" algn="ctr" defTabSz="914400" rtl="0" eaLnBrk="1" fontAlgn="base" latinLnBrk="0" hangingPunct="1">
+              <a:lnSpc>
+                <a:spcPct val="100000"/>
+              </a:lnSpc>
+              <a:spcBef>
+                <a:spcPct val="0"/>
+              </a:spcBef>
+              <a:spcAft>
+                <a:spcPct val="0"/>
+              </a:spcAft>
+              <a:buClrTx/>
+              <a:buSzTx/>
+              <a:buFontTx/>
+              <a:buNone/>
+              <a:tabLst/>
+            </a:pPr>
+            <a:r>
+              <a:rPr kumimoji="0" lang="es-MX" sz="1800" b="0" i="0" u="none" strike="noStrike" cap="none" normalizeH="0" baseline="0" dirty="0">
+                <a:ln>
+                  <a:noFill/>
+                </a:ln>
+                <a:solidFill>
+                  <a:schemeClr val="tx1"/>
+                </a:solidFill>
+                <a:effectLst/>
+                <a:latin typeface="Arial" charset="0"/>
+              </a:rPr>
+              <a:t>0.0</a:t>
+            </a:r>
+            <a:endParaRPr kumimoji="0" lang="en-US" sz="1800" b="0" i="0" u="none" strike="noStrike" cap="none" normalizeH="0" baseline="0" dirty="0">
+              <a:ln>
+                <a:noFill/>
+              </a:ln>
+              <a:solidFill>
+                <a:schemeClr val="tx1"/>
+              </a:solidFill>
+              <a:effectLst/>
+              <a:latin typeface="Arial" charset="0"/>
+            </a:endParaRPr>
+          </a:p>
+        </p:txBody>
+      </p:sp>
+      <p:sp>
+        <p:nvSpPr>
+          <p:cNvPr id="28" name="Rectangle 27">
+            <a:extLst>
+              <a:ext uri="{FF2B5EF4-FFF2-40B4-BE49-F238E27FC236}">
+                <a16:creationId xmlns:a16="http://schemas.microsoft.com/office/drawing/2014/main" id="{FF858EEE-F242-4327-8B28-1431CDBF136F}"/>
+              </a:ext>
+            </a:extLst>
+          </p:cNvPr>
+          <p:cNvSpPr/>
+          <p:nvPr/>
+        </p:nvSpPr>
+        <p:spPr bwMode="auto">
+          <a:xfrm>
+            <a:off x="5987043" y="3344524"/>
+            <a:ext cx="1794076" cy="383411"/>
+          </a:xfrm>
+          <a:prstGeom prst="rect">
+            <a:avLst/>
+          </a:prstGeom>
+          <a:noFill/>
+          <a:ln w="28575" cap="flat" cmpd="sng" algn="ctr">
+            <a:solidFill>
+              <a:schemeClr val="tx1"/>
+            </a:solidFill>
+            <a:prstDash val="solid"/>
+            <a:round/>
+            <a:headEnd type="none" w="med" len="med"/>
+            <a:tailEnd type="none" w="med" len="med"/>
+          </a:ln>
+          <a:effectLst/>
+        </p:spPr>
+        <p:txBody>
+          <a:bodyPr vert="horz" wrap="none" lIns="91440" tIns="45720" rIns="91440" bIns="45720" numCol="1" rtlCol="0" anchor="ctr" anchorCtr="0" compatLnSpc="1">
+            <a:prstTxWarp prst="textNoShape">
+              <a:avLst/>
+            </a:prstTxWarp>
+          </a:bodyPr>
+          <a:lstStyle/>
+          <a:p>
+            <a:pPr marL="0" marR="0" indent="0" algn="ctr" defTabSz="914400" rtl="0" eaLnBrk="1" fontAlgn="base" latinLnBrk="0" hangingPunct="1">
+              <a:lnSpc>
+                <a:spcPct val="100000"/>
+              </a:lnSpc>
+              <a:spcBef>
+                <a:spcPct val="0"/>
+              </a:spcBef>
+              <a:spcAft>
+                <a:spcPct val="0"/>
+              </a:spcAft>
+              <a:buClrTx/>
+              <a:buSzTx/>
+              <a:buFontTx/>
+              <a:buNone/>
+              <a:tabLst/>
+            </a:pPr>
+            <a:r>
+              <a:rPr kumimoji="0" lang="es-MX" sz="1800" b="0" i="0" u="none" strike="noStrike" cap="none" normalizeH="0" baseline="0" dirty="0">
+                <a:ln>
+                  <a:noFill/>
+                </a:ln>
+                <a:solidFill>
+                  <a:schemeClr val="tx1"/>
+                </a:solidFill>
+                <a:effectLst/>
+                <a:latin typeface="Arial" charset="0"/>
+              </a:rPr>
+              <a:t>0.0</a:t>
+            </a:r>
+            <a:endParaRPr kumimoji="0" lang="en-US" sz="1800" b="0" i="0" u="none" strike="noStrike" cap="none" normalizeH="0" baseline="0" dirty="0">
+              <a:ln>
+                <a:noFill/>
+              </a:ln>
+              <a:solidFill>
+                <a:schemeClr val="tx1"/>
+              </a:solidFill>
+              <a:effectLst/>
+              <a:latin typeface="Arial" charset="0"/>
+            </a:endParaRPr>
+          </a:p>
+        </p:txBody>
+      </p:sp>
+      <p:sp>
+        <p:nvSpPr>
+          <p:cNvPr id="29" name="Rectangle 28">
+            <a:extLst>
+              <a:ext uri="{FF2B5EF4-FFF2-40B4-BE49-F238E27FC236}">
+                <a16:creationId xmlns:a16="http://schemas.microsoft.com/office/drawing/2014/main" id="{39BEB32D-1ECC-4BD6-B34D-2FE0B2C8A564}"/>
+              </a:ext>
+            </a:extLst>
+          </p:cNvPr>
+          <p:cNvSpPr/>
+          <p:nvPr/>
+        </p:nvSpPr>
+        <p:spPr bwMode="auto">
+          <a:xfrm>
+            <a:off x="6500959" y="1332138"/>
+            <a:ext cx="934093" cy="383411"/>
+          </a:xfrm>
+          <a:prstGeom prst="rect">
+            <a:avLst/>
+          </a:prstGeom>
+          <a:noFill/>
+          <a:ln w="28575" cap="flat" cmpd="sng" algn="ctr">
+            <a:noFill/>
+            <a:prstDash val="solid"/>
+            <a:round/>
+            <a:headEnd type="none" w="med" len="med"/>
+            <a:tailEnd type="none" w="med" len="med"/>
+          </a:ln>
+          <a:effectLst/>
+        </p:spPr>
+        <p:txBody>
+          <a:bodyPr vert="horz" wrap="none" lIns="91440" tIns="45720" rIns="91440" bIns="45720" numCol="1" rtlCol="0" anchor="ctr" anchorCtr="0" compatLnSpc="1">
+            <a:prstTxWarp prst="textNoShape">
+              <a:avLst/>
+            </a:prstTxWarp>
+          </a:bodyPr>
+          <a:lstStyle/>
+          <a:p>
+            <a:pPr marL="0" marR="0" indent="0" defTabSz="914400" rtl="0" eaLnBrk="1" fontAlgn="base" latinLnBrk="0" hangingPunct="1">
+              <a:lnSpc>
+                <a:spcPct val="100000"/>
+              </a:lnSpc>
+              <a:spcBef>
+                <a:spcPct val="0"/>
+              </a:spcBef>
+              <a:spcAft>
+                <a:spcPct val="0"/>
+              </a:spcAft>
+              <a:buClrTx/>
+              <a:buSzTx/>
+              <a:buFontTx/>
+              <a:buNone/>
+              <a:tabLst/>
+            </a:pPr>
+            <a:r>
+              <a:rPr kumimoji="0" lang="es-MX" sz="1800" b="0" i="0" u="none" strike="noStrike" cap="none" normalizeH="0" baseline="0" dirty="0">
+                <a:ln>
+                  <a:noFill/>
+                </a:ln>
+                <a:solidFill>
+                  <a:schemeClr val="tx1"/>
+                </a:solidFill>
+                <a:effectLst/>
+                <a:highlight>
+                  <a:srgbClr val="FFFF00"/>
+                </a:highlight>
+                <a:latin typeface="Arial" charset="0"/>
+              </a:rPr>
+              <a:t>2C7F0</a:t>
+            </a:r>
+            <a:endParaRPr kumimoji="0" lang="en-US" sz="1800" b="0" i="0" u="none" strike="noStrike" cap="none" normalizeH="0" baseline="0" dirty="0">
+              <a:ln>
+                <a:noFill/>
+              </a:ln>
+              <a:solidFill>
+                <a:schemeClr val="tx1"/>
+              </a:solidFill>
+              <a:effectLst/>
+              <a:highlight>
+                <a:srgbClr val="FFFF00"/>
+              </a:highlight>
+              <a:latin typeface="Arial" charset="0"/>
+            </a:endParaRPr>
+          </a:p>
+        </p:txBody>
+      </p:sp>
+      <p:sp>
+        <p:nvSpPr>
+          <p:cNvPr id="35" name="Rectangle 34">
+            <a:extLst>
+              <a:ext uri="{FF2B5EF4-FFF2-40B4-BE49-F238E27FC236}">
+                <a16:creationId xmlns:a16="http://schemas.microsoft.com/office/drawing/2014/main" id="{26803902-3FCA-4798-A680-44D035D40D09}"/>
+              </a:ext>
+            </a:extLst>
+          </p:cNvPr>
+          <p:cNvSpPr/>
+          <p:nvPr/>
+        </p:nvSpPr>
+        <p:spPr bwMode="auto">
+          <a:xfrm>
+            <a:off x="5149774" y="1809764"/>
+            <a:ext cx="934093" cy="383411"/>
+          </a:xfrm>
+          <a:prstGeom prst="rect">
+            <a:avLst/>
+          </a:prstGeom>
+          <a:noFill/>
+          <a:ln w="28575" cap="flat" cmpd="sng" algn="ctr">
+            <a:noFill/>
+            <a:prstDash val="solid"/>
+            <a:round/>
+            <a:headEnd type="none" w="med" len="med"/>
+            <a:tailEnd type="none" w="med" len="med"/>
+          </a:ln>
+          <a:effectLst/>
+        </p:spPr>
+        <p:txBody>
+          <a:bodyPr vert="horz" wrap="none" lIns="91440" tIns="45720" rIns="91440" bIns="45720" numCol="1" rtlCol="0" anchor="ctr" anchorCtr="0" compatLnSpc="1">
+            <a:prstTxWarp prst="textNoShape">
+              <a:avLst/>
+            </a:prstTxWarp>
+          </a:bodyPr>
+          <a:lstStyle/>
+          <a:p>
+            <a:pPr marL="0" marR="0" indent="0" algn="ctr" defTabSz="914400" rtl="0" eaLnBrk="1" fontAlgn="base" latinLnBrk="0" hangingPunct="1">
+              <a:lnSpc>
+                <a:spcPct val="100000"/>
+              </a:lnSpc>
+              <a:spcBef>
+                <a:spcPct val="0"/>
+              </a:spcBef>
+              <a:spcAft>
+                <a:spcPct val="0"/>
+              </a:spcAft>
+              <a:buClrTx/>
+              <a:buSzTx/>
+              <a:buFontTx/>
+              <a:buNone/>
+              <a:tabLst/>
+            </a:pPr>
+            <a:r>
+              <a:rPr lang="es-MX" dirty="0">
+                <a:latin typeface="Arial" charset="0"/>
+              </a:rPr>
+              <a:t>a[0]</a:t>
+            </a:r>
+            <a:endParaRPr kumimoji="0" lang="en-US" sz="1800" b="0" i="0" u="none" strike="noStrike" cap="none" normalizeH="0" baseline="0" dirty="0">
+              <a:ln>
+                <a:noFill/>
+              </a:ln>
+              <a:solidFill>
+                <a:schemeClr val="tx1"/>
+              </a:solidFill>
+              <a:effectLst/>
+              <a:latin typeface="Arial" charset="0"/>
+            </a:endParaRPr>
+          </a:p>
+        </p:txBody>
+      </p:sp>
+      <p:sp>
+        <p:nvSpPr>
+          <p:cNvPr id="36" name="Rectangle 35">
+            <a:extLst>
+              <a:ext uri="{FF2B5EF4-FFF2-40B4-BE49-F238E27FC236}">
+                <a16:creationId xmlns:a16="http://schemas.microsoft.com/office/drawing/2014/main" id="{4F042563-89B8-4EA1-B584-6EE796D2A024}"/>
+              </a:ext>
+            </a:extLst>
+          </p:cNvPr>
+          <p:cNvSpPr/>
+          <p:nvPr/>
+        </p:nvSpPr>
+        <p:spPr bwMode="auto">
+          <a:xfrm>
+            <a:off x="5149774" y="2193175"/>
+            <a:ext cx="934093" cy="383411"/>
+          </a:xfrm>
+          <a:prstGeom prst="rect">
+            <a:avLst/>
+          </a:prstGeom>
+          <a:noFill/>
+          <a:ln w="28575" cap="flat" cmpd="sng" algn="ctr">
+            <a:noFill/>
+            <a:prstDash val="solid"/>
+            <a:round/>
+            <a:headEnd type="none" w="med" len="med"/>
+            <a:tailEnd type="none" w="med" len="med"/>
+          </a:ln>
+          <a:effectLst/>
+        </p:spPr>
+        <p:txBody>
+          <a:bodyPr vert="horz" wrap="none" lIns="91440" tIns="45720" rIns="91440" bIns="45720" numCol="1" rtlCol="0" anchor="ctr" anchorCtr="0" compatLnSpc="1">
+            <a:prstTxWarp prst="textNoShape">
+              <a:avLst/>
+            </a:prstTxWarp>
+          </a:bodyPr>
+          <a:lstStyle/>
+          <a:p>
+            <a:pPr marL="0" marR="0" indent="0" algn="ctr" defTabSz="914400" rtl="0" eaLnBrk="1" fontAlgn="base" latinLnBrk="0" hangingPunct="1">
+              <a:lnSpc>
+                <a:spcPct val="100000"/>
+              </a:lnSpc>
+              <a:spcBef>
+                <a:spcPct val="0"/>
+              </a:spcBef>
+              <a:spcAft>
+                <a:spcPct val="0"/>
+              </a:spcAft>
+              <a:buClrTx/>
+              <a:buSzTx/>
+              <a:buFontTx/>
+              <a:buNone/>
+              <a:tabLst/>
+            </a:pPr>
+            <a:r>
+              <a:rPr kumimoji="0" lang="es-MX" sz="1800" b="0" i="0" u="none" strike="noStrike" cap="none" normalizeH="0" baseline="0" dirty="0">
+                <a:ln>
+                  <a:noFill/>
+                </a:ln>
+                <a:solidFill>
+                  <a:schemeClr val="tx1"/>
+                </a:solidFill>
+                <a:effectLst/>
+                <a:latin typeface="Arial" charset="0"/>
+              </a:rPr>
+              <a:t>a[1]</a:t>
+            </a:r>
+            <a:endParaRPr kumimoji="0" lang="en-US" sz="1800" b="0" i="0" u="none" strike="noStrike" cap="none" normalizeH="0" baseline="0" dirty="0">
+              <a:ln>
+                <a:noFill/>
+              </a:ln>
+              <a:solidFill>
+                <a:schemeClr val="tx1"/>
+              </a:solidFill>
+              <a:effectLst/>
+              <a:latin typeface="Arial" charset="0"/>
+            </a:endParaRPr>
+          </a:p>
+        </p:txBody>
+      </p:sp>
+      <p:sp>
+        <p:nvSpPr>
+          <p:cNvPr id="37" name="Rectangle 36">
+            <a:extLst>
+              <a:ext uri="{FF2B5EF4-FFF2-40B4-BE49-F238E27FC236}">
+                <a16:creationId xmlns:a16="http://schemas.microsoft.com/office/drawing/2014/main" id="{9BDA048B-B9E9-49AA-86CF-1355E3ED0C6B}"/>
+              </a:ext>
+            </a:extLst>
+          </p:cNvPr>
+          <p:cNvSpPr/>
+          <p:nvPr/>
+        </p:nvSpPr>
+        <p:spPr bwMode="auto">
+          <a:xfrm>
+            <a:off x="5149774" y="2576586"/>
+            <a:ext cx="934093" cy="383411"/>
+          </a:xfrm>
+          <a:prstGeom prst="rect">
+            <a:avLst/>
+          </a:prstGeom>
+          <a:noFill/>
+          <a:ln w="28575" cap="flat" cmpd="sng" algn="ctr">
+            <a:noFill/>
+            <a:prstDash val="solid"/>
+            <a:round/>
+            <a:headEnd type="none" w="med" len="med"/>
+            <a:tailEnd type="none" w="med" len="med"/>
+          </a:ln>
+          <a:effectLst/>
+        </p:spPr>
+        <p:txBody>
+          <a:bodyPr vert="horz" wrap="none" lIns="91440" tIns="45720" rIns="91440" bIns="45720" numCol="1" rtlCol="0" anchor="ctr" anchorCtr="0" compatLnSpc="1">
+            <a:prstTxWarp prst="textNoShape">
+              <a:avLst/>
+            </a:prstTxWarp>
+          </a:bodyPr>
+          <a:lstStyle/>
+          <a:p>
+            <a:pPr algn="ctr"/>
+            <a:r>
+              <a:rPr lang="es-MX" dirty="0">
+                <a:latin typeface="Arial" charset="0"/>
+              </a:rPr>
+              <a:t>a[2]</a:t>
+            </a:r>
+            <a:endParaRPr kumimoji="0" lang="en-US" sz="1800" b="0" i="0" u="none" strike="noStrike" cap="none" normalizeH="0" baseline="0" dirty="0">
+              <a:ln>
+                <a:noFill/>
+              </a:ln>
+              <a:solidFill>
+                <a:schemeClr val="tx1"/>
+              </a:solidFill>
+              <a:effectLst/>
+              <a:latin typeface="Arial" charset="0"/>
+            </a:endParaRPr>
+          </a:p>
+        </p:txBody>
+      </p:sp>
+      <p:sp>
+        <p:nvSpPr>
+          <p:cNvPr id="38" name="Rectangle 37">
+            <a:extLst>
+              <a:ext uri="{FF2B5EF4-FFF2-40B4-BE49-F238E27FC236}">
+                <a16:creationId xmlns:a16="http://schemas.microsoft.com/office/drawing/2014/main" id="{03087253-EA89-4AB9-BB70-24FDAA33D7C8}"/>
+              </a:ext>
+            </a:extLst>
+          </p:cNvPr>
+          <p:cNvSpPr/>
+          <p:nvPr/>
+        </p:nvSpPr>
+        <p:spPr bwMode="auto">
+          <a:xfrm>
+            <a:off x="5149774" y="2959997"/>
+            <a:ext cx="934093" cy="383411"/>
+          </a:xfrm>
+          <a:prstGeom prst="rect">
+            <a:avLst/>
+          </a:prstGeom>
+          <a:noFill/>
+          <a:ln w="28575" cap="flat" cmpd="sng" algn="ctr">
+            <a:noFill/>
+            <a:prstDash val="solid"/>
+            <a:round/>
+            <a:headEnd type="none" w="med" len="med"/>
+            <a:tailEnd type="none" w="med" len="med"/>
+          </a:ln>
+          <a:effectLst/>
+        </p:spPr>
+        <p:txBody>
+          <a:bodyPr vert="horz" wrap="none" lIns="91440" tIns="45720" rIns="91440" bIns="45720" numCol="1" rtlCol="0" anchor="ctr" anchorCtr="0" compatLnSpc="1">
+            <a:prstTxWarp prst="textNoShape">
+              <a:avLst/>
+            </a:prstTxWarp>
+          </a:bodyPr>
+          <a:lstStyle/>
+          <a:p>
+            <a:pPr algn="ctr"/>
+            <a:r>
+              <a:rPr lang="es-MX" dirty="0">
+                <a:latin typeface="Arial" charset="0"/>
+              </a:rPr>
+              <a:t>a[3]</a:t>
+            </a:r>
+            <a:endParaRPr kumimoji="0" lang="en-US" sz="1800" b="0" i="0" u="none" strike="noStrike" cap="none" normalizeH="0" baseline="0" dirty="0">
+              <a:ln>
+                <a:noFill/>
+              </a:ln>
+              <a:solidFill>
+                <a:schemeClr val="tx1"/>
+              </a:solidFill>
+              <a:effectLst/>
+              <a:latin typeface="Arial" charset="0"/>
+            </a:endParaRPr>
+          </a:p>
+        </p:txBody>
+      </p:sp>
+      <p:sp>
+        <p:nvSpPr>
+          <p:cNvPr id="39" name="Rectangle 38">
+            <a:extLst>
+              <a:ext uri="{FF2B5EF4-FFF2-40B4-BE49-F238E27FC236}">
+                <a16:creationId xmlns:a16="http://schemas.microsoft.com/office/drawing/2014/main" id="{614E407C-3356-4A92-A9AA-3D5B294EA48C}"/>
+              </a:ext>
+            </a:extLst>
+          </p:cNvPr>
+          <p:cNvSpPr/>
+          <p:nvPr/>
+        </p:nvSpPr>
+        <p:spPr bwMode="auto">
+          <a:xfrm>
+            <a:off x="5149774" y="3343408"/>
+            <a:ext cx="934093" cy="383411"/>
+          </a:xfrm>
+          <a:prstGeom prst="rect">
+            <a:avLst/>
+          </a:prstGeom>
+          <a:noFill/>
+          <a:ln w="28575" cap="flat" cmpd="sng" algn="ctr">
+            <a:noFill/>
+            <a:prstDash val="solid"/>
+            <a:round/>
+            <a:headEnd type="none" w="med" len="med"/>
+            <a:tailEnd type="none" w="med" len="med"/>
+          </a:ln>
+          <a:effectLst/>
+        </p:spPr>
+        <p:txBody>
+          <a:bodyPr vert="horz" wrap="none" lIns="91440" tIns="45720" rIns="91440" bIns="45720" numCol="1" rtlCol="0" anchor="ctr" anchorCtr="0" compatLnSpc="1">
+            <a:prstTxWarp prst="textNoShape">
+              <a:avLst/>
+            </a:prstTxWarp>
+          </a:bodyPr>
+          <a:lstStyle/>
+          <a:p>
+            <a:pPr algn="ctr"/>
+            <a:r>
+              <a:rPr lang="es-MX" dirty="0">
+                <a:latin typeface="Arial" charset="0"/>
+              </a:rPr>
+              <a:t>a[4]</a:t>
+            </a:r>
+            <a:endParaRPr kumimoji="0" lang="en-US" sz="1800" b="0" i="0" u="none" strike="noStrike" cap="none" normalizeH="0" baseline="0" dirty="0">
+              <a:ln>
+                <a:noFill/>
+              </a:ln>
+              <a:solidFill>
+                <a:schemeClr val="tx1"/>
+              </a:solidFill>
+              <a:effectLst/>
+              <a:latin typeface="Arial" charset="0"/>
+            </a:endParaRPr>
+          </a:p>
+        </p:txBody>
+      </p:sp>
+      <p:sp>
+        <p:nvSpPr>
+          <p:cNvPr id="41" name="Rectangle 40">
+            <a:extLst>
+              <a:ext uri="{FF2B5EF4-FFF2-40B4-BE49-F238E27FC236}">
+                <a16:creationId xmlns:a16="http://schemas.microsoft.com/office/drawing/2014/main" id="{EB685941-FAC4-4EE9-8834-73A4BE3DF81C}"/>
+              </a:ext>
+            </a:extLst>
+          </p:cNvPr>
+          <p:cNvSpPr/>
+          <p:nvPr/>
+        </p:nvSpPr>
+        <p:spPr bwMode="auto">
+          <a:xfrm>
+            <a:off x="0" y="4711700"/>
+            <a:ext cx="4127500" cy="2146300"/>
+          </a:xfrm>
+          <a:prstGeom prst="rect">
+            <a:avLst/>
+          </a:prstGeom>
+          <a:solidFill>
+            <a:schemeClr val="accent1">
+              <a:lumMod val="20000"/>
+              <a:lumOff val="80000"/>
+            </a:schemeClr>
+          </a:solidFill>
+          <a:ln w="12700" cap="flat" cmpd="sng" algn="ctr">
+            <a:solidFill>
+              <a:schemeClr val="tx1"/>
+            </a:solidFill>
+            <a:prstDash val="solid"/>
+            <a:round/>
+            <a:headEnd type="none" w="med" len="med"/>
+            <a:tailEnd type="none" w="med" len="med"/>
+          </a:ln>
+          <a:effectLst/>
+        </p:spPr>
+        <p:txBody>
+          <a:bodyPr vert="horz" wrap="none" lIns="91440" tIns="45720" rIns="91440" bIns="45720" numCol="1" rtlCol="0" anchor="ctr" anchorCtr="0" compatLnSpc="1">
+            <a:prstTxWarp prst="textNoShape">
+              <a:avLst/>
+            </a:prstTxWarp>
+          </a:bodyPr>
+          <a:lstStyle/>
+          <a:p>
+            <a:pPr algn="just"/>
+            <a:r>
+              <a:rPr lang="en-US" sz="2800" dirty="0">
+                <a:latin typeface="+mj-lt"/>
+              </a:rPr>
+              <a:t>Con la </a:t>
+            </a:r>
+            <a:r>
+              <a:rPr lang="en-US" sz="2800" dirty="0" err="1">
+                <a:latin typeface="+mj-lt"/>
+              </a:rPr>
+              <a:t>instrucción</a:t>
+            </a:r>
+            <a:r>
+              <a:rPr lang="en-US" sz="2800" dirty="0">
+                <a:latin typeface="+mj-lt"/>
+              </a:rPr>
+              <a:t> new </a:t>
+            </a:r>
+          </a:p>
+          <a:p>
+            <a:pPr algn="just"/>
+            <a:r>
+              <a:rPr lang="en-US" sz="2800" dirty="0" err="1">
+                <a:latin typeface="+mj-lt"/>
+              </a:rPr>
+              <a:t>instanciamos</a:t>
+            </a:r>
+            <a:r>
+              <a:rPr lang="en-US" sz="2800" dirty="0">
+                <a:latin typeface="+mj-lt"/>
+              </a:rPr>
+              <a:t> un </a:t>
+            </a:r>
+            <a:r>
+              <a:rPr lang="en-US" sz="2800" dirty="0" err="1">
+                <a:latin typeface="+mj-lt"/>
+              </a:rPr>
+              <a:t>arreglo</a:t>
+            </a:r>
+            <a:r>
+              <a:rPr lang="en-US" sz="2800" dirty="0">
+                <a:latin typeface="+mj-lt"/>
+              </a:rPr>
+              <a:t> de </a:t>
+            </a:r>
+          </a:p>
+          <a:p>
+            <a:pPr algn="just"/>
+            <a:r>
+              <a:rPr lang="en-US" sz="2800" dirty="0">
+                <a:latin typeface="+mj-lt"/>
+              </a:rPr>
+              <a:t>5 </a:t>
+            </a:r>
+            <a:r>
+              <a:rPr lang="en-US" sz="2800" dirty="0" err="1">
+                <a:latin typeface="+mj-lt"/>
+              </a:rPr>
+              <a:t>posiciones</a:t>
+            </a:r>
+            <a:r>
+              <a:rPr lang="en-US" sz="2800" dirty="0">
+                <a:latin typeface="+mj-lt"/>
+              </a:rPr>
+              <a:t>, </a:t>
+            </a:r>
+            <a:r>
+              <a:rPr lang="en-US" sz="2800" dirty="0" err="1">
+                <a:latin typeface="+mj-lt"/>
+              </a:rPr>
+              <a:t>en</a:t>
+            </a:r>
+            <a:r>
+              <a:rPr lang="en-US" sz="2800" dirty="0">
+                <a:latin typeface="+mj-lt"/>
+              </a:rPr>
+              <a:t> la </a:t>
+            </a:r>
+            <a:r>
+              <a:rPr lang="en-US" sz="2800" dirty="0" err="1">
+                <a:latin typeface="+mj-lt"/>
+              </a:rPr>
+              <a:t>dirección</a:t>
+            </a:r>
+            <a:endParaRPr lang="en-US" dirty="0">
+              <a:latin typeface="+mj-lt"/>
+            </a:endParaRPr>
+          </a:p>
+          <a:p>
+            <a:pPr algn="just"/>
+            <a:r>
+              <a:rPr lang="en-US" sz="2800" dirty="0">
+                <a:latin typeface="+mj-lt"/>
+              </a:rPr>
+              <a:t>2C7F0.</a:t>
+            </a:r>
+          </a:p>
+        </p:txBody>
+      </p:sp>
+    </p:spTree>
+    <p:extLst>
+      <p:ext uri="{BB962C8B-B14F-4D97-AF65-F5344CB8AC3E}">
+        <p14:creationId xmlns:p14="http://schemas.microsoft.com/office/powerpoint/2010/main" val="2340578378"/>
+      </p:ext>
+    </p:extLst>
+  </p:cSld>
+  <p:clrMapOvr>
+    <a:masterClrMapping/>
+  </p:clrMapOvr>
+</p:sld>
+</file>
+
+<file path=ppt/slides/slide14.xml><?xml version="1.0" encoding="utf-8"?>
+<p:sld xmlns:a="http://schemas.openxmlformats.org/drawingml/2006/main" xmlns:r="http://schemas.openxmlformats.org/officeDocument/2006/relationships" xmlns:p="http://schemas.openxmlformats.org/presentationml/2006/main">
+  <p:cSld>
+    <p:spTree>
+      <p:nvGrpSpPr>
+        <p:cNvPr id="1" name=""/>
+        <p:cNvGrpSpPr/>
+        <p:nvPr/>
+      </p:nvGrpSpPr>
+      <p:grpSpPr>
+        <a:xfrm>
+          <a:off x="0" y="0"/>
+          <a:ext cx="0" cy="0"/>
+          <a:chOff x="0" y="0"/>
+          <a:chExt cx="0" cy="0"/>
+        </a:xfrm>
+      </p:grpSpPr>
+      <p:sp>
+        <p:nvSpPr>
+          <p:cNvPr id="34" name="Rectangle: Single Corner Rounded 33">
+            <a:extLst>
+              <a:ext uri="{FF2B5EF4-FFF2-40B4-BE49-F238E27FC236}">
+                <a16:creationId xmlns:a16="http://schemas.microsoft.com/office/drawing/2014/main" id="{EB7991BF-0143-4C5E-BC59-4770FCE0E250}"/>
+              </a:ext>
+            </a:extLst>
+          </p:cNvPr>
+          <p:cNvSpPr/>
+          <p:nvPr/>
+        </p:nvSpPr>
+        <p:spPr bwMode="auto">
+          <a:xfrm>
+            <a:off x="5111015" y="419364"/>
+            <a:ext cx="3912335" cy="4966636"/>
+          </a:xfrm>
+          <a:prstGeom prst="round1Rect">
+            <a:avLst/>
+          </a:prstGeom>
+          <a:noFill/>
+          <a:ln w="38100" cap="flat" cmpd="sng" algn="ctr">
+            <a:solidFill>
+              <a:schemeClr val="tx1"/>
+            </a:solidFill>
+            <a:prstDash val="solid"/>
+            <a:round/>
+            <a:headEnd type="none" w="med" len="med"/>
+            <a:tailEnd type="none" w="med" len="med"/>
+          </a:ln>
+          <a:effectLst/>
+        </p:spPr>
+        <p:txBody>
+          <a:bodyPr vert="horz" wrap="none" lIns="91440" tIns="45720" rIns="91440" bIns="45720" numCol="1" rtlCol="0" anchor="ctr" anchorCtr="0" compatLnSpc="1">
+            <a:prstTxWarp prst="textNoShape">
+              <a:avLst/>
+            </a:prstTxWarp>
+          </a:bodyPr>
+          <a:lstStyle/>
+          <a:p>
+            <a:pPr marL="0" marR="0" indent="0" algn="ctr" defTabSz="914400" rtl="0" eaLnBrk="1" fontAlgn="base" latinLnBrk="0" hangingPunct="1">
+              <a:lnSpc>
+                <a:spcPct val="100000"/>
+              </a:lnSpc>
+              <a:spcBef>
+                <a:spcPct val="0"/>
+              </a:spcBef>
+              <a:spcAft>
+                <a:spcPct val="0"/>
+              </a:spcAft>
+              <a:buClrTx/>
+              <a:buSzTx/>
+              <a:buFontTx/>
+              <a:buNone/>
+              <a:tabLst/>
+            </a:pPr>
+            <a:endParaRPr kumimoji="0" lang="en-US" sz="1800" b="0" i="0" u="none" strike="noStrike" cap="none" normalizeH="0" baseline="0">
+              <a:ln>
+                <a:noFill/>
+              </a:ln>
+              <a:solidFill>
+                <a:schemeClr val="tx1"/>
+              </a:solidFill>
+              <a:effectLst/>
+              <a:latin typeface="Arial" charset="0"/>
+            </a:endParaRPr>
+          </a:p>
+        </p:txBody>
+      </p:sp>
+      <p:sp>
+        <p:nvSpPr>
+          <p:cNvPr id="3" name="Rectangle 2">
+            <a:extLst>
+              <a:ext uri="{FF2B5EF4-FFF2-40B4-BE49-F238E27FC236}">
+                <a16:creationId xmlns:a16="http://schemas.microsoft.com/office/drawing/2014/main" id="{7D292997-110F-4C52-ABDA-7942652AEBC7}"/>
+              </a:ext>
+            </a:extLst>
+          </p:cNvPr>
+          <p:cNvSpPr/>
+          <p:nvPr/>
+        </p:nvSpPr>
+        <p:spPr>
+          <a:xfrm>
+            <a:off x="0" y="174905"/>
+            <a:ext cx="3646025" cy="2246769"/>
+          </a:xfrm>
+          <a:prstGeom prst="rect">
+            <a:avLst/>
+          </a:prstGeom>
+          <a:solidFill>
+            <a:schemeClr val="tx1"/>
+          </a:solidFill>
+        </p:spPr>
+        <p:txBody>
+          <a:bodyPr wrap="square">
+            <a:spAutoFit/>
+          </a:bodyPr>
+          <a:lstStyle/>
+          <a:p>
+            <a:r>
+              <a:rPr lang="en-US" sz="2000" dirty="0">
+                <a:solidFill>
+                  <a:srgbClr val="4EC9B0"/>
+                </a:solidFill>
+                <a:latin typeface=" Cascadia Code"/>
+              </a:rPr>
+              <a:t>double</a:t>
+            </a:r>
+            <a:r>
+              <a:rPr lang="en-US" sz="2000" dirty="0">
+                <a:solidFill>
+                  <a:srgbClr val="D4D4D4"/>
+                </a:solidFill>
+                <a:latin typeface=" Cascadia Code"/>
+              </a:rPr>
+              <a:t>[] </a:t>
+            </a:r>
+            <a:r>
+              <a:rPr lang="en-US" sz="2000" dirty="0">
+                <a:solidFill>
+                  <a:srgbClr val="9CDCFE"/>
+                </a:solidFill>
+                <a:latin typeface=" Cascadia Code"/>
+              </a:rPr>
+              <a:t>a</a:t>
+            </a:r>
+            <a:r>
+              <a:rPr lang="en-US" sz="2000" dirty="0">
+                <a:solidFill>
+                  <a:srgbClr val="D4D4D4"/>
+                </a:solidFill>
+                <a:latin typeface=" Cascadia Code"/>
+              </a:rPr>
+              <a:t>;</a:t>
+            </a:r>
+          </a:p>
+          <a:p>
+            <a:r>
+              <a:rPr lang="en-US" sz="2000" dirty="0">
+                <a:solidFill>
+                  <a:srgbClr val="D4D4D4"/>
+                </a:solidFill>
+                <a:latin typeface=" Cascadia Code"/>
+              </a:rPr>
+              <a:t>a = </a:t>
+            </a:r>
+            <a:r>
+              <a:rPr lang="en-US" sz="2000" dirty="0">
+                <a:solidFill>
+                  <a:srgbClr val="C586C0"/>
+                </a:solidFill>
+                <a:latin typeface=" Cascadia Code"/>
+              </a:rPr>
+              <a:t>new</a:t>
+            </a:r>
+            <a:r>
+              <a:rPr lang="en-US" sz="2000" dirty="0">
+                <a:solidFill>
+                  <a:srgbClr val="D4D4D4"/>
+                </a:solidFill>
+                <a:latin typeface=" Cascadia Code"/>
+              </a:rPr>
+              <a:t> </a:t>
+            </a:r>
+            <a:r>
+              <a:rPr lang="en-US" sz="2000" dirty="0">
+                <a:solidFill>
+                  <a:srgbClr val="4EC9B0"/>
+                </a:solidFill>
+                <a:latin typeface=" Cascadia Code"/>
+              </a:rPr>
+              <a:t>double</a:t>
+            </a:r>
+            <a:r>
+              <a:rPr lang="en-US" sz="2000" dirty="0">
+                <a:solidFill>
+                  <a:srgbClr val="D4D4D4"/>
+                </a:solidFill>
+                <a:latin typeface=" Cascadia Code"/>
+              </a:rPr>
+              <a:t>[</a:t>
+            </a:r>
+            <a:r>
+              <a:rPr lang="en-US" sz="2000" dirty="0">
+                <a:solidFill>
+                  <a:srgbClr val="B5CEA8"/>
+                </a:solidFill>
+                <a:latin typeface=" Cascadia Code"/>
+              </a:rPr>
+              <a:t>5</a:t>
+            </a:r>
+            <a:r>
+              <a:rPr lang="en-US" sz="2000" dirty="0">
+                <a:solidFill>
+                  <a:srgbClr val="D4D4D4"/>
+                </a:solidFill>
+                <a:latin typeface=" Cascadia Code"/>
+              </a:rPr>
+              <a:t>];</a:t>
+            </a:r>
+          </a:p>
+          <a:p>
+            <a:r>
+              <a:rPr lang="en-US" sz="2000" dirty="0">
+                <a:solidFill>
+                  <a:srgbClr val="D4D4D4"/>
+                </a:solidFill>
+                <a:latin typeface=" Cascadia Code"/>
+              </a:rPr>
+              <a:t>a[</a:t>
+            </a:r>
+            <a:r>
+              <a:rPr lang="en-US" sz="2000" dirty="0">
+                <a:solidFill>
+                  <a:srgbClr val="B5CEA8"/>
+                </a:solidFill>
+                <a:latin typeface=" Cascadia Code"/>
+              </a:rPr>
+              <a:t>0</a:t>
+            </a:r>
+            <a:r>
+              <a:rPr lang="en-US" sz="2000" dirty="0">
+                <a:solidFill>
+                  <a:srgbClr val="D4D4D4"/>
+                </a:solidFill>
+                <a:latin typeface=" Cascadia Code"/>
+              </a:rPr>
+              <a:t>] = </a:t>
+            </a:r>
+            <a:r>
+              <a:rPr lang="en-US" sz="2000" dirty="0" err="1">
+                <a:solidFill>
+                  <a:srgbClr val="9CDCFE"/>
+                </a:solidFill>
+                <a:latin typeface=" Cascadia Code"/>
+              </a:rPr>
+              <a:t>Math</a:t>
+            </a:r>
+            <a:r>
+              <a:rPr lang="en-US" sz="2000" dirty="0" err="1">
+                <a:solidFill>
+                  <a:srgbClr val="D4D4D4"/>
+                </a:solidFill>
+                <a:latin typeface=" Cascadia Code"/>
+              </a:rPr>
+              <a:t>.</a:t>
+            </a:r>
+            <a:r>
+              <a:rPr lang="en-US" sz="2000" dirty="0" err="1">
+                <a:solidFill>
+                  <a:srgbClr val="DCDCAA"/>
+                </a:solidFill>
+                <a:latin typeface=" Cascadia Code"/>
+              </a:rPr>
+              <a:t>random</a:t>
+            </a:r>
+            <a:r>
+              <a:rPr lang="en-US" sz="2000" dirty="0">
+                <a:solidFill>
+                  <a:srgbClr val="D4D4D4"/>
+                </a:solidFill>
+                <a:latin typeface=" Cascadia Code"/>
+              </a:rPr>
+              <a:t>();</a:t>
+            </a:r>
+          </a:p>
+          <a:p>
+            <a:r>
+              <a:rPr lang="en-US" sz="2000" dirty="0">
+                <a:solidFill>
+                  <a:srgbClr val="D4D4D4"/>
+                </a:solidFill>
+                <a:latin typeface=" Cascadia Code"/>
+              </a:rPr>
+              <a:t>a[</a:t>
+            </a:r>
+            <a:r>
+              <a:rPr lang="en-US" sz="2000" dirty="0">
+                <a:solidFill>
+                  <a:srgbClr val="B5CEA8"/>
+                </a:solidFill>
+                <a:latin typeface=" Cascadia Code"/>
+              </a:rPr>
+              <a:t>1</a:t>
+            </a:r>
+            <a:r>
+              <a:rPr lang="en-US" sz="2000" dirty="0">
+                <a:solidFill>
+                  <a:srgbClr val="D4D4D4"/>
+                </a:solidFill>
+                <a:latin typeface=" Cascadia Code"/>
+              </a:rPr>
+              <a:t>] = </a:t>
+            </a:r>
+            <a:r>
+              <a:rPr lang="en-US" sz="2000" dirty="0" err="1">
+                <a:solidFill>
+                  <a:srgbClr val="9CDCFE"/>
+                </a:solidFill>
+                <a:latin typeface=" Cascadia Code"/>
+              </a:rPr>
+              <a:t>Math</a:t>
+            </a:r>
+            <a:r>
+              <a:rPr lang="en-US" sz="2000" dirty="0" err="1">
+                <a:solidFill>
+                  <a:srgbClr val="D4D4D4"/>
+                </a:solidFill>
+                <a:latin typeface=" Cascadia Code"/>
+              </a:rPr>
+              <a:t>.</a:t>
+            </a:r>
+            <a:r>
+              <a:rPr lang="en-US" sz="2000" dirty="0" err="1">
+                <a:solidFill>
+                  <a:srgbClr val="DCDCAA"/>
+                </a:solidFill>
+                <a:latin typeface=" Cascadia Code"/>
+              </a:rPr>
+              <a:t>random</a:t>
+            </a:r>
+            <a:r>
+              <a:rPr lang="en-US" sz="2000" dirty="0">
+                <a:solidFill>
+                  <a:srgbClr val="D4D4D4"/>
+                </a:solidFill>
+                <a:latin typeface=" Cascadia Code"/>
+              </a:rPr>
+              <a:t>();        </a:t>
+            </a:r>
+          </a:p>
+          <a:p>
+            <a:r>
+              <a:rPr lang="en-US" sz="2000" dirty="0">
+                <a:solidFill>
+                  <a:srgbClr val="D4D4D4"/>
+                </a:solidFill>
+                <a:latin typeface=" Cascadia Code"/>
+              </a:rPr>
+              <a:t>a[</a:t>
+            </a:r>
+            <a:r>
+              <a:rPr lang="en-US" sz="2000" dirty="0">
+                <a:solidFill>
+                  <a:srgbClr val="B5CEA8"/>
+                </a:solidFill>
+                <a:latin typeface=" Cascadia Code"/>
+              </a:rPr>
+              <a:t>2</a:t>
+            </a:r>
+            <a:r>
+              <a:rPr lang="en-US" sz="2000" dirty="0">
+                <a:solidFill>
+                  <a:srgbClr val="D4D4D4"/>
+                </a:solidFill>
+                <a:latin typeface=" Cascadia Code"/>
+              </a:rPr>
+              <a:t>] = </a:t>
+            </a:r>
+            <a:r>
+              <a:rPr lang="en-US" sz="2000" dirty="0" err="1">
+                <a:solidFill>
+                  <a:srgbClr val="9CDCFE"/>
+                </a:solidFill>
+                <a:latin typeface=" Cascadia Code"/>
+              </a:rPr>
+              <a:t>Math</a:t>
+            </a:r>
+            <a:r>
+              <a:rPr lang="en-US" sz="2000" dirty="0" err="1">
+                <a:solidFill>
+                  <a:srgbClr val="D4D4D4"/>
+                </a:solidFill>
+                <a:latin typeface=" Cascadia Code"/>
+              </a:rPr>
+              <a:t>.</a:t>
+            </a:r>
+            <a:r>
+              <a:rPr lang="en-US" sz="2000" dirty="0" err="1">
+                <a:solidFill>
+                  <a:srgbClr val="DCDCAA"/>
+                </a:solidFill>
+                <a:latin typeface=" Cascadia Code"/>
+              </a:rPr>
+              <a:t>random</a:t>
+            </a:r>
+            <a:r>
+              <a:rPr lang="en-US" sz="2000" dirty="0">
+                <a:solidFill>
+                  <a:srgbClr val="D4D4D4"/>
+                </a:solidFill>
+                <a:latin typeface=" Cascadia Code"/>
+              </a:rPr>
+              <a:t>();        </a:t>
+            </a:r>
+          </a:p>
+          <a:p>
+            <a:r>
+              <a:rPr lang="en-US" sz="2000" dirty="0">
+                <a:solidFill>
+                  <a:srgbClr val="D4D4D4"/>
+                </a:solidFill>
+                <a:latin typeface=" Cascadia Code"/>
+              </a:rPr>
+              <a:t>a[</a:t>
+            </a:r>
+            <a:r>
+              <a:rPr lang="en-US" sz="2000" dirty="0">
+                <a:solidFill>
+                  <a:srgbClr val="B5CEA8"/>
+                </a:solidFill>
+                <a:latin typeface=" Cascadia Code"/>
+              </a:rPr>
+              <a:t>3</a:t>
+            </a:r>
+            <a:r>
+              <a:rPr lang="en-US" sz="2000" dirty="0">
+                <a:solidFill>
+                  <a:srgbClr val="D4D4D4"/>
+                </a:solidFill>
+                <a:latin typeface=" Cascadia Code"/>
+              </a:rPr>
+              <a:t>] = </a:t>
+            </a:r>
+            <a:r>
+              <a:rPr lang="en-US" sz="2000" dirty="0" err="1">
+                <a:solidFill>
+                  <a:srgbClr val="9CDCFE"/>
+                </a:solidFill>
+                <a:latin typeface=" Cascadia Code"/>
+              </a:rPr>
+              <a:t>Math</a:t>
+            </a:r>
+            <a:r>
+              <a:rPr lang="en-US" sz="2000" dirty="0" err="1">
+                <a:solidFill>
+                  <a:srgbClr val="D4D4D4"/>
+                </a:solidFill>
+                <a:latin typeface=" Cascadia Code"/>
+              </a:rPr>
+              <a:t>.</a:t>
+            </a:r>
+            <a:r>
+              <a:rPr lang="en-US" sz="2000" dirty="0" err="1">
+                <a:solidFill>
+                  <a:srgbClr val="DCDCAA"/>
+                </a:solidFill>
+                <a:latin typeface=" Cascadia Code"/>
+              </a:rPr>
+              <a:t>random</a:t>
+            </a:r>
+            <a:r>
+              <a:rPr lang="en-US" sz="2000" dirty="0">
+                <a:solidFill>
+                  <a:srgbClr val="D4D4D4"/>
+                </a:solidFill>
+                <a:latin typeface=" Cascadia Code"/>
+              </a:rPr>
+              <a:t>();        </a:t>
+            </a:r>
+          </a:p>
+          <a:p>
+            <a:r>
+              <a:rPr lang="en-US" sz="2000" dirty="0">
+                <a:solidFill>
+                  <a:srgbClr val="D4D4D4"/>
+                </a:solidFill>
+                <a:latin typeface=" Cascadia Code"/>
+              </a:rPr>
+              <a:t>a[</a:t>
+            </a:r>
+            <a:r>
+              <a:rPr lang="en-US" sz="2000" dirty="0">
+                <a:solidFill>
+                  <a:srgbClr val="B5CEA8"/>
+                </a:solidFill>
+                <a:latin typeface=" Cascadia Code"/>
+              </a:rPr>
+              <a:t>4</a:t>
+            </a:r>
+            <a:r>
+              <a:rPr lang="en-US" sz="2000" dirty="0">
+                <a:solidFill>
+                  <a:srgbClr val="D4D4D4"/>
+                </a:solidFill>
+                <a:latin typeface=" Cascadia Code"/>
+              </a:rPr>
+              <a:t>] = </a:t>
+            </a:r>
+            <a:r>
+              <a:rPr lang="en-US" sz="2000" dirty="0" err="1">
+                <a:solidFill>
+                  <a:srgbClr val="9CDCFE"/>
+                </a:solidFill>
+                <a:latin typeface=" Cascadia Code"/>
+              </a:rPr>
+              <a:t>Math</a:t>
+            </a:r>
+            <a:r>
+              <a:rPr lang="en-US" sz="2000" dirty="0" err="1">
+                <a:solidFill>
+                  <a:srgbClr val="D4D4D4"/>
+                </a:solidFill>
+                <a:latin typeface=" Cascadia Code"/>
+              </a:rPr>
+              <a:t>.</a:t>
+            </a:r>
+            <a:r>
+              <a:rPr lang="en-US" sz="2000" dirty="0" err="1">
+                <a:solidFill>
+                  <a:srgbClr val="DCDCAA"/>
+                </a:solidFill>
+                <a:latin typeface=" Cascadia Code"/>
+              </a:rPr>
+              <a:t>random</a:t>
+            </a:r>
+            <a:r>
+              <a:rPr lang="en-US" sz="2000" dirty="0">
+                <a:solidFill>
+                  <a:srgbClr val="D4D4D4"/>
+                </a:solidFill>
+                <a:latin typeface=" Cascadia Code"/>
+              </a:rPr>
+              <a:t>();    </a:t>
+            </a:r>
+          </a:p>
+        </p:txBody>
+      </p:sp>
+      <p:sp>
+        <p:nvSpPr>
+          <p:cNvPr id="2" name="Rectangle 1">
+            <a:extLst>
+              <a:ext uri="{FF2B5EF4-FFF2-40B4-BE49-F238E27FC236}">
+                <a16:creationId xmlns:a16="http://schemas.microsoft.com/office/drawing/2014/main" id="{9B6B6D7E-E10E-4C1E-8E38-A7171A3DFABE}"/>
+              </a:ext>
+            </a:extLst>
+          </p:cNvPr>
+          <p:cNvSpPr/>
+          <p:nvPr/>
+        </p:nvSpPr>
+        <p:spPr bwMode="auto">
+          <a:xfrm>
+            <a:off x="856527" y="2903798"/>
+            <a:ext cx="1794076" cy="383411"/>
+          </a:xfrm>
+          <a:prstGeom prst="rect">
+            <a:avLst/>
+          </a:prstGeom>
+          <a:noFill/>
+          <a:ln w="28575" cap="flat" cmpd="sng" algn="ctr">
+            <a:solidFill>
+              <a:schemeClr val="tx1"/>
+            </a:solidFill>
+            <a:prstDash val="solid"/>
+            <a:round/>
+            <a:headEnd type="none" w="med" len="med"/>
+            <a:tailEnd type="none" w="med" len="med"/>
+          </a:ln>
+          <a:effectLst/>
+        </p:spPr>
+        <p:txBody>
+          <a:bodyPr vert="horz" wrap="none" lIns="91440" tIns="45720" rIns="91440" bIns="45720" numCol="1" rtlCol="0" anchor="ctr" anchorCtr="0" compatLnSpc="1">
+            <a:prstTxWarp prst="textNoShape">
+              <a:avLst/>
+            </a:prstTxWarp>
+          </a:bodyPr>
+          <a:lstStyle/>
+          <a:p>
+            <a:pPr marL="0" marR="0" indent="0" algn="ctr" defTabSz="914400" rtl="0" eaLnBrk="1" fontAlgn="base" latinLnBrk="0" hangingPunct="1">
+              <a:lnSpc>
+                <a:spcPct val="100000"/>
+              </a:lnSpc>
+              <a:spcBef>
+                <a:spcPct val="0"/>
+              </a:spcBef>
+              <a:spcAft>
+                <a:spcPct val="0"/>
+              </a:spcAft>
+              <a:buClrTx/>
+              <a:buSzTx/>
+              <a:buFontTx/>
+              <a:buNone/>
+              <a:tabLst/>
+            </a:pPr>
+            <a:endParaRPr kumimoji="0" lang="en-US" sz="1800" b="0" i="0" u="none" strike="noStrike" cap="none" normalizeH="0" baseline="0">
+              <a:ln>
+                <a:noFill/>
+              </a:ln>
+              <a:solidFill>
+                <a:schemeClr val="tx1"/>
+              </a:solidFill>
+              <a:effectLst/>
+              <a:latin typeface="Arial" charset="0"/>
+            </a:endParaRPr>
+          </a:p>
+        </p:txBody>
+      </p:sp>
+      <p:sp>
+        <p:nvSpPr>
+          <p:cNvPr id="5" name="Rectangle 4">
+            <a:extLst>
+              <a:ext uri="{FF2B5EF4-FFF2-40B4-BE49-F238E27FC236}">
+                <a16:creationId xmlns:a16="http://schemas.microsoft.com/office/drawing/2014/main" id="{D7A09152-BA3E-4A00-A001-9D2A6CC4BC0A}"/>
+              </a:ext>
+            </a:extLst>
+          </p:cNvPr>
+          <p:cNvSpPr/>
+          <p:nvPr/>
+        </p:nvSpPr>
+        <p:spPr bwMode="auto">
+          <a:xfrm>
+            <a:off x="856527" y="3287209"/>
+            <a:ext cx="1794076" cy="383411"/>
+          </a:xfrm>
+          <a:prstGeom prst="rect">
+            <a:avLst/>
+          </a:prstGeom>
+          <a:noFill/>
+          <a:ln w="28575" cap="flat" cmpd="sng" algn="ctr">
+            <a:solidFill>
+              <a:schemeClr val="tx1"/>
+            </a:solidFill>
+            <a:prstDash val="solid"/>
+            <a:round/>
+            <a:headEnd type="none" w="med" len="med"/>
+            <a:tailEnd type="none" w="med" len="med"/>
+          </a:ln>
+          <a:effectLst/>
+        </p:spPr>
+        <p:txBody>
+          <a:bodyPr vert="horz" wrap="none" lIns="91440" tIns="45720" rIns="91440" bIns="45720" numCol="1" rtlCol="0" anchor="ctr" anchorCtr="0" compatLnSpc="1">
+            <a:prstTxWarp prst="textNoShape">
+              <a:avLst/>
+            </a:prstTxWarp>
+          </a:bodyPr>
+          <a:lstStyle/>
+          <a:p>
+            <a:pPr marL="0" marR="0" indent="0" algn="ctr" defTabSz="914400" rtl="0" eaLnBrk="1" fontAlgn="base" latinLnBrk="0" hangingPunct="1">
+              <a:lnSpc>
+                <a:spcPct val="100000"/>
+              </a:lnSpc>
+              <a:spcBef>
+                <a:spcPct val="0"/>
+              </a:spcBef>
+              <a:spcAft>
+                <a:spcPct val="0"/>
+              </a:spcAft>
+              <a:buClrTx/>
+              <a:buSzTx/>
+              <a:buFontTx/>
+              <a:buNone/>
+              <a:tabLst/>
+            </a:pPr>
+            <a:r>
+              <a:rPr kumimoji="0" lang="es-MX" sz="1800" b="0" i="0" u="none" strike="noStrike" cap="none" normalizeH="0" baseline="0" dirty="0">
+                <a:ln>
+                  <a:noFill/>
+                </a:ln>
+                <a:solidFill>
+                  <a:schemeClr val="tx1"/>
+                </a:solidFill>
+                <a:effectLst/>
+                <a:latin typeface="Arial" charset="0"/>
+              </a:rPr>
+              <a:t>2C7F0</a:t>
+            </a:r>
+            <a:endParaRPr kumimoji="0" lang="en-US" sz="1800" b="0" i="0" u="none" strike="noStrike" cap="none" normalizeH="0" baseline="0" dirty="0">
+              <a:ln>
+                <a:noFill/>
+              </a:ln>
+              <a:solidFill>
+                <a:schemeClr val="tx1"/>
+              </a:solidFill>
+              <a:effectLst/>
+              <a:latin typeface="Arial" charset="0"/>
+            </a:endParaRPr>
+          </a:p>
+        </p:txBody>
+      </p:sp>
+      <p:sp>
+        <p:nvSpPr>
+          <p:cNvPr id="6" name="Rectangle 5">
+            <a:extLst>
+              <a:ext uri="{FF2B5EF4-FFF2-40B4-BE49-F238E27FC236}">
+                <a16:creationId xmlns:a16="http://schemas.microsoft.com/office/drawing/2014/main" id="{A87F2B4E-F50F-4BF5-8910-01FCFB2830B4}"/>
+              </a:ext>
+            </a:extLst>
+          </p:cNvPr>
+          <p:cNvSpPr/>
+          <p:nvPr/>
+        </p:nvSpPr>
+        <p:spPr bwMode="auto">
+          <a:xfrm>
+            <a:off x="856527" y="3670620"/>
+            <a:ext cx="1794076" cy="383411"/>
+          </a:xfrm>
+          <a:prstGeom prst="rect">
+            <a:avLst/>
+          </a:prstGeom>
+          <a:noFill/>
+          <a:ln w="28575" cap="flat" cmpd="sng" algn="ctr">
+            <a:solidFill>
+              <a:schemeClr val="tx1"/>
+            </a:solidFill>
+            <a:prstDash val="solid"/>
+            <a:round/>
+            <a:headEnd type="none" w="med" len="med"/>
+            <a:tailEnd type="none" w="med" len="med"/>
+          </a:ln>
+          <a:effectLst/>
+        </p:spPr>
+        <p:txBody>
+          <a:bodyPr vert="horz" wrap="none" lIns="91440" tIns="45720" rIns="91440" bIns="45720" numCol="1" rtlCol="0" anchor="ctr" anchorCtr="0" compatLnSpc="1">
+            <a:prstTxWarp prst="textNoShape">
+              <a:avLst/>
+            </a:prstTxWarp>
+          </a:bodyPr>
+          <a:lstStyle/>
+          <a:p>
+            <a:pPr marL="0" marR="0" indent="0" algn="ctr" defTabSz="914400" rtl="0" eaLnBrk="1" fontAlgn="base" latinLnBrk="0" hangingPunct="1">
+              <a:lnSpc>
+                <a:spcPct val="100000"/>
+              </a:lnSpc>
+              <a:spcBef>
+                <a:spcPct val="0"/>
+              </a:spcBef>
+              <a:spcAft>
+                <a:spcPct val="0"/>
+              </a:spcAft>
+              <a:buClrTx/>
+              <a:buSzTx/>
+              <a:buFontTx/>
+              <a:buNone/>
+              <a:tabLst/>
+            </a:pPr>
+            <a:endParaRPr kumimoji="0" lang="en-US" sz="1800" b="0" i="0" u="none" strike="noStrike" cap="none" normalizeH="0" baseline="0">
+              <a:ln>
+                <a:noFill/>
+              </a:ln>
+              <a:solidFill>
+                <a:schemeClr val="tx1"/>
+              </a:solidFill>
+              <a:effectLst/>
+              <a:latin typeface="Arial" charset="0"/>
+            </a:endParaRPr>
+          </a:p>
+        </p:txBody>
+      </p:sp>
+      <p:sp>
+        <p:nvSpPr>
+          <p:cNvPr id="7" name="Rectangle 6">
+            <a:extLst>
+              <a:ext uri="{FF2B5EF4-FFF2-40B4-BE49-F238E27FC236}">
+                <a16:creationId xmlns:a16="http://schemas.microsoft.com/office/drawing/2014/main" id="{A99BB84C-EFA0-4079-AEE5-10A01A1D8CA3}"/>
+              </a:ext>
+            </a:extLst>
+          </p:cNvPr>
+          <p:cNvSpPr/>
+          <p:nvPr/>
+        </p:nvSpPr>
+        <p:spPr bwMode="auto">
+          <a:xfrm>
+            <a:off x="856527" y="4054031"/>
+            <a:ext cx="1794076" cy="383411"/>
+          </a:xfrm>
+          <a:prstGeom prst="rect">
+            <a:avLst/>
+          </a:prstGeom>
+          <a:noFill/>
+          <a:ln w="28575" cap="flat" cmpd="sng" algn="ctr">
+            <a:solidFill>
+              <a:schemeClr val="tx1"/>
+            </a:solidFill>
+            <a:prstDash val="solid"/>
+            <a:round/>
+            <a:headEnd type="none" w="med" len="med"/>
+            <a:tailEnd type="none" w="med" len="med"/>
+          </a:ln>
+          <a:effectLst/>
+        </p:spPr>
+        <p:txBody>
+          <a:bodyPr vert="horz" wrap="none" lIns="91440" tIns="45720" rIns="91440" bIns="45720" numCol="1" rtlCol="0" anchor="ctr" anchorCtr="0" compatLnSpc="1">
+            <a:prstTxWarp prst="textNoShape">
+              <a:avLst/>
+            </a:prstTxWarp>
+          </a:bodyPr>
+          <a:lstStyle/>
+          <a:p>
+            <a:pPr marL="0" marR="0" indent="0" algn="ctr" defTabSz="914400" rtl="0" eaLnBrk="1" fontAlgn="base" latinLnBrk="0" hangingPunct="1">
+              <a:lnSpc>
+                <a:spcPct val="100000"/>
+              </a:lnSpc>
+              <a:spcBef>
+                <a:spcPct val="0"/>
+              </a:spcBef>
+              <a:spcAft>
+                <a:spcPct val="0"/>
+              </a:spcAft>
+              <a:buClrTx/>
+              <a:buSzTx/>
+              <a:buFontTx/>
+              <a:buNone/>
+              <a:tabLst/>
+            </a:pPr>
+            <a:endParaRPr kumimoji="0" lang="en-US" sz="1800" b="0" i="0" u="none" strike="noStrike" cap="none" normalizeH="0" baseline="0">
+              <a:ln>
+                <a:noFill/>
+              </a:ln>
+              <a:solidFill>
+                <a:schemeClr val="tx1"/>
+              </a:solidFill>
+              <a:effectLst/>
+              <a:latin typeface="Arial" charset="0"/>
+            </a:endParaRPr>
+          </a:p>
+        </p:txBody>
+      </p:sp>
+      <p:sp>
+        <p:nvSpPr>
+          <p:cNvPr id="13" name="Rectangle 12">
+            <a:extLst>
+              <a:ext uri="{FF2B5EF4-FFF2-40B4-BE49-F238E27FC236}">
+                <a16:creationId xmlns:a16="http://schemas.microsoft.com/office/drawing/2014/main" id="{3779EB67-E166-41CC-B1A7-EE6B5F1713DE}"/>
+              </a:ext>
+            </a:extLst>
+          </p:cNvPr>
+          <p:cNvSpPr/>
+          <p:nvPr/>
+        </p:nvSpPr>
+        <p:spPr bwMode="auto">
+          <a:xfrm>
+            <a:off x="2650603" y="2902682"/>
+            <a:ext cx="934093" cy="383411"/>
+          </a:xfrm>
+          <a:prstGeom prst="rect">
+            <a:avLst/>
+          </a:prstGeom>
+          <a:noFill/>
+          <a:ln w="28575" cap="flat" cmpd="sng" algn="ctr">
+            <a:noFill/>
+            <a:prstDash val="solid"/>
+            <a:round/>
+            <a:headEnd type="none" w="med" len="med"/>
+            <a:tailEnd type="none" w="med" len="med"/>
+          </a:ln>
+          <a:effectLst/>
+        </p:spPr>
+        <p:txBody>
+          <a:bodyPr vert="horz" wrap="none" lIns="91440" tIns="45720" rIns="91440" bIns="45720" numCol="1" rtlCol="0" anchor="ctr" anchorCtr="0" compatLnSpc="1">
+            <a:prstTxWarp prst="textNoShape">
+              <a:avLst/>
+            </a:prstTxWarp>
+          </a:bodyPr>
+          <a:lstStyle/>
+          <a:p>
+            <a:pPr marL="0" marR="0" indent="0" algn="ctr" defTabSz="914400" rtl="0" eaLnBrk="1" fontAlgn="base" latinLnBrk="0" hangingPunct="1">
+              <a:lnSpc>
+                <a:spcPct val="100000"/>
+              </a:lnSpc>
+              <a:spcBef>
+                <a:spcPct val="0"/>
+              </a:spcBef>
+              <a:spcAft>
+                <a:spcPct val="0"/>
+              </a:spcAft>
+              <a:buClrTx/>
+              <a:buSzTx/>
+              <a:buFontTx/>
+              <a:buNone/>
+              <a:tabLst/>
+            </a:pPr>
+            <a:r>
+              <a:rPr kumimoji="0" lang="es-MX" sz="1800" b="0" i="0" u="none" strike="noStrike" cap="none" normalizeH="0" baseline="0" dirty="0">
+                <a:ln>
+                  <a:noFill/>
+                </a:ln>
+                <a:solidFill>
+                  <a:schemeClr val="tx1"/>
+                </a:solidFill>
+                <a:effectLst/>
+                <a:latin typeface="Arial" charset="0"/>
+              </a:rPr>
+              <a:t>10F50</a:t>
+            </a:r>
+            <a:endParaRPr kumimoji="0" lang="en-US" sz="1800" b="0" i="0" u="none" strike="noStrike" cap="none" normalizeH="0" baseline="0" dirty="0">
+              <a:ln>
+                <a:noFill/>
+              </a:ln>
+              <a:solidFill>
+                <a:schemeClr val="tx1"/>
+              </a:solidFill>
+              <a:effectLst/>
+              <a:latin typeface="Arial" charset="0"/>
+            </a:endParaRPr>
+          </a:p>
+        </p:txBody>
+      </p:sp>
+      <p:sp>
+        <p:nvSpPr>
+          <p:cNvPr id="14" name="Rectangle 13">
+            <a:extLst>
+              <a:ext uri="{FF2B5EF4-FFF2-40B4-BE49-F238E27FC236}">
+                <a16:creationId xmlns:a16="http://schemas.microsoft.com/office/drawing/2014/main" id="{45CED537-52C7-44DC-9002-1B14481CEC28}"/>
+              </a:ext>
+            </a:extLst>
+          </p:cNvPr>
+          <p:cNvSpPr/>
+          <p:nvPr/>
+        </p:nvSpPr>
+        <p:spPr bwMode="auto">
+          <a:xfrm>
+            <a:off x="2650603" y="3286093"/>
+            <a:ext cx="934093" cy="383411"/>
+          </a:xfrm>
+          <a:prstGeom prst="rect">
+            <a:avLst/>
+          </a:prstGeom>
+          <a:noFill/>
+          <a:ln w="28575" cap="flat" cmpd="sng" algn="ctr">
+            <a:noFill/>
+            <a:prstDash val="solid"/>
+            <a:round/>
+            <a:headEnd type="none" w="med" len="med"/>
+            <a:tailEnd type="none" w="med" len="med"/>
+          </a:ln>
+          <a:effectLst/>
+        </p:spPr>
+        <p:txBody>
+          <a:bodyPr vert="horz" wrap="none" lIns="91440" tIns="45720" rIns="91440" bIns="45720" numCol="1" rtlCol="0" anchor="ctr" anchorCtr="0" compatLnSpc="1">
+            <a:prstTxWarp prst="textNoShape">
+              <a:avLst/>
+            </a:prstTxWarp>
+          </a:bodyPr>
+          <a:lstStyle/>
+          <a:p>
+            <a:pPr marL="0" marR="0" indent="0" algn="ctr" defTabSz="914400" rtl="0" eaLnBrk="1" fontAlgn="base" latinLnBrk="0" hangingPunct="1">
+              <a:lnSpc>
+                <a:spcPct val="100000"/>
+              </a:lnSpc>
+              <a:spcBef>
+                <a:spcPct val="0"/>
+              </a:spcBef>
+              <a:spcAft>
+                <a:spcPct val="0"/>
+              </a:spcAft>
+              <a:buClrTx/>
+              <a:buSzTx/>
+              <a:buFontTx/>
+              <a:buNone/>
+              <a:tabLst/>
+            </a:pPr>
+            <a:r>
+              <a:rPr kumimoji="0" lang="es-MX" sz="1800" b="0" i="0" u="none" strike="noStrike" cap="none" normalizeH="0" baseline="0" dirty="0">
+                <a:ln>
+                  <a:noFill/>
+                </a:ln>
+                <a:solidFill>
+                  <a:schemeClr val="tx1"/>
+                </a:solidFill>
+                <a:effectLst/>
+                <a:latin typeface="Arial" charset="0"/>
+              </a:rPr>
+              <a:t>10F51</a:t>
+            </a:r>
+            <a:endParaRPr kumimoji="0" lang="en-US" sz="1800" b="0" i="0" u="none" strike="noStrike" cap="none" normalizeH="0" baseline="0" dirty="0">
+              <a:ln>
+                <a:noFill/>
+              </a:ln>
+              <a:solidFill>
+                <a:schemeClr val="tx1"/>
+              </a:solidFill>
+              <a:effectLst/>
+              <a:latin typeface="Arial" charset="0"/>
+            </a:endParaRPr>
+          </a:p>
+        </p:txBody>
+      </p:sp>
+      <p:sp>
+        <p:nvSpPr>
+          <p:cNvPr id="15" name="Rectangle 14">
+            <a:extLst>
+              <a:ext uri="{FF2B5EF4-FFF2-40B4-BE49-F238E27FC236}">
+                <a16:creationId xmlns:a16="http://schemas.microsoft.com/office/drawing/2014/main" id="{5B245866-9566-4641-B6D3-6679D46B2B9E}"/>
+              </a:ext>
+            </a:extLst>
+          </p:cNvPr>
+          <p:cNvSpPr/>
+          <p:nvPr/>
+        </p:nvSpPr>
+        <p:spPr bwMode="auto">
+          <a:xfrm>
+            <a:off x="2650603" y="3669504"/>
+            <a:ext cx="934093" cy="383411"/>
+          </a:xfrm>
+          <a:prstGeom prst="rect">
+            <a:avLst/>
+          </a:prstGeom>
+          <a:noFill/>
+          <a:ln w="28575" cap="flat" cmpd="sng" algn="ctr">
+            <a:noFill/>
+            <a:prstDash val="solid"/>
+            <a:round/>
+            <a:headEnd type="none" w="med" len="med"/>
+            <a:tailEnd type="none" w="med" len="med"/>
+          </a:ln>
+          <a:effectLst/>
+        </p:spPr>
+        <p:txBody>
+          <a:bodyPr vert="horz" wrap="none" lIns="91440" tIns="45720" rIns="91440" bIns="45720" numCol="1" rtlCol="0" anchor="ctr" anchorCtr="0" compatLnSpc="1">
+            <a:prstTxWarp prst="textNoShape">
+              <a:avLst/>
+            </a:prstTxWarp>
+          </a:bodyPr>
+          <a:lstStyle/>
+          <a:p>
+            <a:pPr marL="0" marR="0" indent="0" algn="ctr" defTabSz="914400" rtl="0" eaLnBrk="1" fontAlgn="base" latinLnBrk="0" hangingPunct="1">
+              <a:lnSpc>
+                <a:spcPct val="100000"/>
+              </a:lnSpc>
+              <a:spcBef>
+                <a:spcPct val="0"/>
+              </a:spcBef>
+              <a:spcAft>
+                <a:spcPct val="0"/>
+              </a:spcAft>
+              <a:buClrTx/>
+              <a:buSzTx/>
+              <a:buFontTx/>
+              <a:buNone/>
+              <a:tabLst/>
+            </a:pPr>
+            <a:r>
+              <a:rPr kumimoji="0" lang="es-MX" sz="1800" b="0" i="0" u="none" strike="noStrike" cap="none" normalizeH="0" baseline="0" dirty="0">
+                <a:ln>
+                  <a:noFill/>
+                </a:ln>
+                <a:solidFill>
+                  <a:schemeClr val="tx1"/>
+                </a:solidFill>
+                <a:effectLst/>
+                <a:latin typeface="Arial" charset="0"/>
+              </a:rPr>
+              <a:t>10F52</a:t>
+            </a:r>
+            <a:endParaRPr kumimoji="0" lang="en-US" sz="1800" b="0" i="0" u="none" strike="noStrike" cap="none" normalizeH="0" baseline="0" dirty="0">
+              <a:ln>
+                <a:noFill/>
+              </a:ln>
+              <a:solidFill>
+                <a:schemeClr val="tx1"/>
+              </a:solidFill>
+              <a:effectLst/>
+              <a:latin typeface="Arial" charset="0"/>
+            </a:endParaRPr>
+          </a:p>
+        </p:txBody>
+      </p:sp>
+      <p:sp>
+        <p:nvSpPr>
+          <p:cNvPr id="16" name="Rectangle 15">
+            <a:extLst>
+              <a:ext uri="{FF2B5EF4-FFF2-40B4-BE49-F238E27FC236}">
+                <a16:creationId xmlns:a16="http://schemas.microsoft.com/office/drawing/2014/main" id="{2B020DF5-B043-4D09-AD0F-A8639BA8BC4C}"/>
+              </a:ext>
+            </a:extLst>
+          </p:cNvPr>
+          <p:cNvSpPr/>
+          <p:nvPr/>
+        </p:nvSpPr>
+        <p:spPr bwMode="auto">
+          <a:xfrm>
+            <a:off x="2650603" y="4052915"/>
+            <a:ext cx="934093" cy="383411"/>
+          </a:xfrm>
+          <a:prstGeom prst="rect">
+            <a:avLst/>
+          </a:prstGeom>
+          <a:noFill/>
+          <a:ln w="28575" cap="flat" cmpd="sng" algn="ctr">
+            <a:noFill/>
+            <a:prstDash val="solid"/>
+            <a:round/>
+            <a:headEnd type="none" w="med" len="med"/>
+            <a:tailEnd type="none" w="med" len="med"/>
+          </a:ln>
+          <a:effectLst/>
+        </p:spPr>
+        <p:txBody>
+          <a:bodyPr vert="horz" wrap="none" lIns="91440" tIns="45720" rIns="91440" bIns="45720" numCol="1" rtlCol="0" anchor="ctr" anchorCtr="0" compatLnSpc="1">
+            <a:prstTxWarp prst="textNoShape">
+              <a:avLst/>
+            </a:prstTxWarp>
+          </a:bodyPr>
+          <a:lstStyle/>
+          <a:p>
+            <a:pPr marL="0" marR="0" indent="0" algn="ctr" defTabSz="914400" rtl="0" eaLnBrk="1" fontAlgn="base" latinLnBrk="0" hangingPunct="1">
+              <a:lnSpc>
+                <a:spcPct val="100000"/>
+              </a:lnSpc>
+              <a:spcBef>
+                <a:spcPct val="0"/>
+              </a:spcBef>
+              <a:spcAft>
+                <a:spcPct val="0"/>
+              </a:spcAft>
+              <a:buClrTx/>
+              <a:buSzTx/>
+              <a:buFontTx/>
+              <a:buNone/>
+              <a:tabLst/>
+            </a:pPr>
+            <a:r>
+              <a:rPr kumimoji="0" lang="es-MX" sz="1800" b="0" i="0" u="none" strike="noStrike" cap="none" normalizeH="0" baseline="0" dirty="0">
+                <a:ln>
+                  <a:noFill/>
+                </a:ln>
+                <a:solidFill>
+                  <a:schemeClr val="tx1"/>
+                </a:solidFill>
+                <a:effectLst/>
+                <a:latin typeface="Arial" charset="0"/>
+              </a:rPr>
+              <a:t>10F53</a:t>
+            </a:r>
+            <a:endParaRPr kumimoji="0" lang="en-US" sz="1800" b="0" i="0" u="none" strike="noStrike" cap="none" normalizeH="0" baseline="0" dirty="0">
+              <a:ln>
+                <a:noFill/>
+              </a:ln>
+              <a:solidFill>
+                <a:schemeClr val="tx1"/>
+              </a:solidFill>
+              <a:effectLst/>
+              <a:latin typeface="Arial" charset="0"/>
+            </a:endParaRPr>
+          </a:p>
+        </p:txBody>
+      </p:sp>
+      <p:sp>
+        <p:nvSpPr>
+          <p:cNvPr id="18" name="Rectangle 17">
+            <a:extLst>
+              <a:ext uri="{FF2B5EF4-FFF2-40B4-BE49-F238E27FC236}">
+                <a16:creationId xmlns:a16="http://schemas.microsoft.com/office/drawing/2014/main" id="{B185E527-AF5E-479C-83E1-8ECB05DA5C91}"/>
+              </a:ext>
+            </a:extLst>
+          </p:cNvPr>
+          <p:cNvSpPr/>
+          <p:nvPr/>
+        </p:nvSpPr>
+        <p:spPr bwMode="auto">
+          <a:xfrm>
+            <a:off x="120650" y="3289236"/>
+            <a:ext cx="751873" cy="383411"/>
+          </a:xfrm>
+          <a:prstGeom prst="rect">
+            <a:avLst/>
+          </a:prstGeom>
+          <a:noFill/>
+          <a:ln w="28575" cap="flat" cmpd="sng" algn="ctr">
+            <a:noFill/>
+            <a:prstDash val="solid"/>
+            <a:round/>
+            <a:headEnd type="none" w="med" len="med"/>
+            <a:tailEnd type="none" w="med" len="med"/>
+          </a:ln>
+          <a:effectLst/>
+        </p:spPr>
+        <p:txBody>
+          <a:bodyPr vert="horz" wrap="none" lIns="91440" tIns="45720" rIns="91440" bIns="45720" numCol="1" rtlCol="0" anchor="ctr" anchorCtr="0" compatLnSpc="1">
+            <a:prstTxWarp prst="textNoShape">
+              <a:avLst/>
+            </a:prstTxWarp>
+          </a:bodyPr>
+          <a:lstStyle/>
+          <a:p>
+            <a:pPr marL="0" marR="0" indent="0" algn="ctr" defTabSz="914400" rtl="0" eaLnBrk="1" fontAlgn="base" latinLnBrk="0" hangingPunct="1">
+              <a:lnSpc>
+                <a:spcPct val="100000"/>
+              </a:lnSpc>
+              <a:spcBef>
+                <a:spcPct val="0"/>
+              </a:spcBef>
+              <a:spcAft>
+                <a:spcPct val="0"/>
+              </a:spcAft>
+              <a:buClrTx/>
+              <a:buSzTx/>
+              <a:buFontTx/>
+              <a:buNone/>
+              <a:tabLst/>
+            </a:pPr>
+            <a:r>
+              <a:rPr kumimoji="0" lang="es-MX" sz="1800" b="0" i="0" u="none" strike="noStrike" cap="none" normalizeH="0" baseline="0" dirty="0">
+                <a:ln>
+                  <a:noFill/>
+                </a:ln>
+                <a:solidFill>
+                  <a:schemeClr val="tx1"/>
+                </a:solidFill>
+                <a:effectLst/>
+                <a:latin typeface="Arial" charset="0"/>
+              </a:rPr>
+              <a:t>a</a:t>
+            </a:r>
+            <a:endParaRPr kumimoji="0" lang="en-US" sz="1800" b="0" i="0" u="none" strike="noStrike" cap="none" normalizeH="0" baseline="0" dirty="0">
+              <a:ln>
+                <a:noFill/>
+              </a:ln>
+              <a:solidFill>
+                <a:schemeClr val="tx1"/>
+              </a:solidFill>
+              <a:effectLst/>
+              <a:latin typeface="Arial" charset="0"/>
+            </a:endParaRPr>
+          </a:p>
+        </p:txBody>
+      </p:sp>
+      <p:cxnSp>
+        <p:nvCxnSpPr>
+          <p:cNvPr id="12" name="Connector: Curved 11">
+            <a:extLst>
+              <a:ext uri="{FF2B5EF4-FFF2-40B4-BE49-F238E27FC236}">
+                <a16:creationId xmlns:a16="http://schemas.microsoft.com/office/drawing/2014/main" id="{79DB8D4F-078C-419E-B190-CF27241703E8}"/>
+              </a:ext>
+            </a:extLst>
+          </p:cNvPr>
+          <p:cNvCxnSpPr>
+            <a:cxnSpLocks/>
+            <a:stCxn id="14" idx="3"/>
+          </p:cNvCxnSpPr>
+          <p:nvPr/>
+        </p:nvCxnSpPr>
+        <p:spPr bwMode="auto">
+          <a:xfrm flipV="1">
+            <a:off x="3584696" y="2329314"/>
+            <a:ext cx="1401190" cy="1148485"/>
+          </a:xfrm>
+          <a:prstGeom prst="curvedConnector3">
+            <a:avLst>
+              <a:gd name="adj1" fmla="val 50000"/>
+            </a:avLst>
+          </a:prstGeom>
+          <a:noFill/>
+          <a:ln w="28575" cap="flat" cmpd="sng" algn="ctr">
+            <a:solidFill>
+              <a:schemeClr val="tx1"/>
+            </a:solidFill>
+            <a:prstDash val="solid"/>
+            <a:round/>
+            <a:headEnd type="triangle"/>
+            <a:tailEnd type="triangle"/>
+          </a:ln>
+          <a:effectLst/>
+        </p:spPr>
+      </p:cxnSp>
+      <p:sp>
+        <p:nvSpPr>
+          <p:cNvPr id="24" name="Rectangle 23">
+            <a:extLst>
+              <a:ext uri="{FF2B5EF4-FFF2-40B4-BE49-F238E27FC236}">
+                <a16:creationId xmlns:a16="http://schemas.microsoft.com/office/drawing/2014/main" id="{605F3347-9C53-4FDF-9722-0AF1EAF0E1DC}"/>
+              </a:ext>
+            </a:extLst>
+          </p:cNvPr>
+          <p:cNvSpPr/>
+          <p:nvPr/>
+        </p:nvSpPr>
+        <p:spPr bwMode="auto">
+          <a:xfrm>
+            <a:off x="5987043" y="1810880"/>
+            <a:ext cx="1794076" cy="383411"/>
+          </a:xfrm>
+          <a:prstGeom prst="rect">
+            <a:avLst/>
+          </a:prstGeom>
+          <a:noFill/>
+          <a:ln w="28575" cap="flat" cmpd="sng" algn="ctr">
+            <a:solidFill>
+              <a:schemeClr val="tx1"/>
+            </a:solidFill>
+            <a:prstDash val="solid"/>
+            <a:round/>
+            <a:headEnd type="none" w="med" len="med"/>
+            <a:tailEnd type="none" w="med" len="med"/>
+          </a:ln>
+          <a:effectLst/>
+        </p:spPr>
+        <p:txBody>
+          <a:bodyPr vert="horz" wrap="none" lIns="91440" tIns="45720" rIns="91440" bIns="45720" numCol="1" rtlCol="0" anchor="ctr" anchorCtr="0" compatLnSpc="1">
+            <a:prstTxWarp prst="textNoShape">
+              <a:avLst/>
+            </a:prstTxWarp>
+          </a:bodyPr>
+          <a:lstStyle/>
+          <a:p>
+            <a:pPr marL="0" marR="0" indent="0" algn="ctr" defTabSz="914400" rtl="0" eaLnBrk="1" fontAlgn="base" latinLnBrk="0" hangingPunct="1">
+              <a:lnSpc>
+                <a:spcPct val="100000"/>
+              </a:lnSpc>
+              <a:spcBef>
+                <a:spcPct val="0"/>
+              </a:spcBef>
+              <a:spcAft>
+                <a:spcPct val="0"/>
+              </a:spcAft>
+              <a:buClrTx/>
+              <a:buSzTx/>
+              <a:buFontTx/>
+              <a:buNone/>
+              <a:tabLst/>
+            </a:pPr>
+            <a:r>
+              <a:rPr kumimoji="0" lang="es-MX" sz="1800" b="0" i="0" u="none" strike="noStrike" cap="none" normalizeH="0" baseline="0" dirty="0">
+                <a:ln>
+                  <a:noFill/>
+                </a:ln>
+                <a:solidFill>
+                  <a:schemeClr val="tx1"/>
+                </a:solidFill>
+                <a:effectLst/>
+                <a:highlight>
+                  <a:srgbClr val="FFFF00"/>
+                </a:highlight>
+                <a:latin typeface="Arial" charset="0"/>
+              </a:rPr>
+              <a:t>0.76</a:t>
+            </a:r>
+            <a:endParaRPr kumimoji="0" lang="en-US" sz="1800" b="0" i="0" u="none" strike="noStrike" cap="none" normalizeH="0" baseline="0" dirty="0">
+              <a:ln>
+                <a:noFill/>
+              </a:ln>
+              <a:solidFill>
+                <a:schemeClr val="tx1"/>
+              </a:solidFill>
+              <a:effectLst/>
+              <a:highlight>
+                <a:srgbClr val="FFFF00"/>
+              </a:highlight>
+              <a:latin typeface="Arial" charset="0"/>
+            </a:endParaRPr>
+          </a:p>
+        </p:txBody>
+      </p:sp>
+      <p:sp>
+        <p:nvSpPr>
+          <p:cNvPr id="25" name="Rectangle 24">
+            <a:extLst>
+              <a:ext uri="{FF2B5EF4-FFF2-40B4-BE49-F238E27FC236}">
+                <a16:creationId xmlns:a16="http://schemas.microsoft.com/office/drawing/2014/main" id="{BA6A2A27-6351-438B-A95A-E895AE9FBF05}"/>
+              </a:ext>
+            </a:extLst>
+          </p:cNvPr>
+          <p:cNvSpPr/>
+          <p:nvPr/>
+        </p:nvSpPr>
+        <p:spPr bwMode="auto">
+          <a:xfrm>
+            <a:off x="5987043" y="2194291"/>
+            <a:ext cx="1794076" cy="383411"/>
+          </a:xfrm>
+          <a:prstGeom prst="rect">
+            <a:avLst/>
+          </a:prstGeom>
+          <a:noFill/>
+          <a:ln w="28575" cap="flat" cmpd="sng" algn="ctr">
+            <a:solidFill>
+              <a:schemeClr val="tx1"/>
+            </a:solidFill>
+            <a:prstDash val="solid"/>
+            <a:round/>
+            <a:headEnd type="none" w="med" len="med"/>
+            <a:tailEnd type="none" w="med" len="med"/>
+          </a:ln>
+          <a:effectLst/>
+        </p:spPr>
+        <p:txBody>
+          <a:bodyPr vert="horz" wrap="none" lIns="91440" tIns="45720" rIns="91440" bIns="45720" numCol="1" rtlCol="0" anchor="ctr" anchorCtr="0" compatLnSpc="1">
+            <a:prstTxWarp prst="textNoShape">
+              <a:avLst/>
+            </a:prstTxWarp>
+          </a:bodyPr>
+          <a:lstStyle/>
+          <a:p>
+            <a:pPr marL="0" marR="0" indent="0" algn="ctr" defTabSz="914400" rtl="0" eaLnBrk="1" fontAlgn="base" latinLnBrk="0" hangingPunct="1">
+              <a:lnSpc>
+                <a:spcPct val="100000"/>
+              </a:lnSpc>
+              <a:spcBef>
+                <a:spcPct val="0"/>
+              </a:spcBef>
+              <a:spcAft>
+                <a:spcPct val="0"/>
+              </a:spcAft>
+              <a:buClrTx/>
+              <a:buSzTx/>
+              <a:buFontTx/>
+              <a:buNone/>
+              <a:tabLst/>
+            </a:pPr>
+            <a:r>
+              <a:rPr kumimoji="0" lang="es-MX" sz="1800" b="0" i="0" u="none" strike="noStrike" cap="none" normalizeH="0" baseline="0" dirty="0">
+                <a:ln>
+                  <a:noFill/>
+                </a:ln>
+                <a:solidFill>
+                  <a:schemeClr val="tx1"/>
+                </a:solidFill>
+                <a:effectLst/>
+                <a:highlight>
+                  <a:srgbClr val="FFFF00"/>
+                </a:highlight>
+                <a:latin typeface="Arial" charset="0"/>
+              </a:rPr>
+              <a:t>0.16</a:t>
+            </a:r>
+            <a:endParaRPr kumimoji="0" lang="en-US" sz="1800" b="0" i="0" u="none" strike="noStrike" cap="none" normalizeH="0" baseline="0" dirty="0">
+              <a:ln>
+                <a:noFill/>
+              </a:ln>
+              <a:solidFill>
+                <a:schemeClr val="tx1"/>
+              </a:solidFill>
+              <a:effectLst/>
+              <a:highlight>
+                <a:srgbClr val="FFFF00"/>
+              </a:highlight>
+              <a:latin typeface="Arial" charset="0"/>
+            </a:endParaRPr>
+          </a:p>
+        </p:txBody>
+      </p:sp>
+      <p:sp>
+        <p:nvSpPr>
+          <p:cNvPr id="26" name="Rectangle 25">
+            <a:extLst>
+              <a:ext uri="{FF2B5EF4-FFF2-40B4-BE49-F238E27FC236}">
+                <a16:creationId xmlns:a16="http://schemas.microsoft.com/office/drawing/2014/main" id="{CE0C7770-538A-4662-BC67-6C48653BE315}"/>
+              </a:ext>
+            </a:extLst>
+          </p:cNvPr>
+          <p:cNvSpPr/>
+          <p:nvPr/>
+        </p:nvSpPr>
+        <p:spPr bwMode="auto">
+          <a:xfrm>
+            <a:off x="5987043" y="2577702"/>
+            <a:ext cx="1794076" cy="383411"/>
+          </a:xfrm>
+          <a:prstGeom prst="rect">
+            <a:avLst/>
+          </a:prstGeom>
+          <a:noFill/>
+          <a:ln w="28575" cap="flat" cmpd="sng" algn="ctr">
+            <a:solidFill>
+              <a:schemeClr val="tx1"/>
+            </a:solidFill>
+            <a:prstDash val="solid"/>
+            <a:round/>
+            <a:headEnd type="none" w="med" len="med"/>
+            <a:tailEnd type="none" w="med" len="med"/>
+          </a:ln>
+          <a:effectLst/>
+        </p:spPr>
+        <p:txBody>
+          <a:bodyPr vert="horz" wrap="none" lIns="91440" tIns="45720" rIns="91440" bIns="45720" numCol="1" rtlCol="0" anchor="ctr" anchorCtr="0" compatLnSpc="1">
+            <a:prstTxWarp prst="textNoShape">
+              <a:avLst/>
+            </a:prstTxWarp>
+          </a:bodyPr>
+          <a:lstStyle/>
+          <a:p>
+            <a:pPr marL="0" marR="0" indent="0" algn="ctr" defTabSz="914400" rtl="0" eaLnBrk="1" fontAlgn="base" latinLnBrk="0" hangingPunct="1">
+              <a:lnSpc>
+                <a:spcPct val="100000"/>
+              </a:lnSpc>
+              <a:spcBef>
+                <a:spcPct val="0"/>
+              </a:spcBef>
+              <a:spcAft>
+                <a:spcPct val="0"/>
+              </a:spcAft>
+              <a:buClrTx/>
+              <a:buSzTx/>
+              <a:buFontTx/>
+              <a:buNone/>
+              <a:tabLst/>
+            </a:pPr>
+            <a:r>
+              <a:rPr kumimoji="0" lang="es-MX" sz="1800" b="0" i="0" u="none" strike="noStrike" cap="none" normalizeH="0" baseline="0" dirty="0">
+                <a:ln>
+                  <a:noFill/>
+                </a:ln>
+                <a:solidFill>
+                  <a:schemeClr val="tx1"/>
+                </a:solidFill>
+                <a:effectLst/>
+                <a:highlight>
+                  <a:srgbClr val="FFFF00"/>
+                </a:highlight>
+                <a:latin typeface="Arial" charset="0"/>
+              </a:rPr>
+              <a:t>.99</a:t>
+            </a:r>
+            <a:endParaRPr kumimoji="0" lang="en-US" sz="1800" b="0" i="0" u="none" strike="noStrike" cap="none" normalizeH="0" baseline="0" dirty="0">
+              <a:ln>
+                <a:noFill/>
+              </a:ln>
+              <a:solidFill>
+                <a:schemeClr val="tx1"/>
+              </a:solidFill>
+              <a:effectLst/>
+              <a:highlight>
+                <a:srgbClr val="FFFF00"/>
+              </a:highlight>
+              <a:latin typeface="Arial" charset="0"/>
+            </a:endParaRPr>
+          </a:p>
+        </p:txBody>
+      </p:sp>
+      <p:sp>
+        <p:nvSpPr>
+          <p:cNvPr id="27" name="Rectangle 26">
+            <a:extLst>
+              <a:ext uri="{FF2B5EF4-FFF2-40B4-BE49-F238E27FC236}">
+                <a16:creationId xmlns:a16="http://schemas.microsoft.com/office/drawing/2014/main" id="{D76676D3-775B-491E-B2C0-6DDBC9624ED3}"/>
+              </a:ext>
+            </a:extLst>
+          </p:cNvPr>
+          <p:cNvSpPr/>
+          <p:nvPr/>
+        </p:nvSpPr>
+        <p:spPr bwMode="auto">
+          <a:xfrm>
+            <a:off x="5987043" y="2961113"/>
+            <a:ext cx="1794076" cy="383411"/>
+          </a:xfrm>
+          <a:prstGeom prst="rect">
+            <a:avLst/>
+          </a:prstGeom>
+          <a:noFill/>
+          <a:ln w="28575" cap="flat" cmpd="sng" algn="ctr">
+            <a:solidFill>
+              <a:schemeClr val="tx1"/>
+            </a:solidFill>
+            <a:prstDash val="solid"/>
+            <a:round/>
+            <a:headEnd type="none" w="med" len="med"/>
+            <a:tailEnd type="none" w="med" len="med"/>
+          </a:ln>
+          <a:effectLst/>
+        </p:spPr>
+        <p:txBody>
+          <a:bodyPr vert="horz" wrap="none" lIns="91440" tIns="45720" rIns="91440" bIns="45720" numCol="1" rtlCol="0" anchor="ctr" anchorCtr="0" compatLnSpc="1">
+            <a:prstTxWarp prst="textNoShape">
+              <a:avLst/>
+            </a:prstTxWarp>
+          </a:bodyPr>
+          <a:lstStyle/>
+          <a:p>
+            <a:pPr marL="0" marR="0" indent="0" algn="ctr" defTabSz="914400" rtl="0" eaLnBrk="1" fontAlgn="base" latinLnBrk="0" hangingPunct="1">
+              <a:lnSpc>
+                <a:spcPct val="100000"/>
+              </a:lnSpc>
+              <a:spcBef>
+                <a:spcPct val="0"/>
+              </a:spcBef>
+              <a:spcAft>
+                <a:spcPct val="0"/>
+              </a:spcAft>
+              <a:buClrTx/>
+              <a:buSzTx/>
+              <a:buFontTx/>
+              <a:buNone/>
+              <a:tabLst/>
+            </a:pPr>
+            <a:r>
+              <a:rPr kumimoji="0" lang="es-MX" sz="1800" b="0" i="0" u="none" strike="noStrike" cap="none" normalizeH="0" baseline="0" dirty="0">
+                <a:ln>
+                  <a:noFill/>
+                </a:ln>
+                <a:solidFill>
+                  <a:schemeClr val="tx1"/>
+                </a:solidFill>
+                <a:effectLst/>
+                <a:highlight>
+                  <a:srgbClr val="FFFF00"/>
+                </a:highlight>
+                <a:latin typeface="Arial" charset="0"/>
+              </a:rPr>
+              <a:t>.15</a:t>
+            </a:r>
+            <a:endParaRPr kumimoji="0" lang="en-US" sz="1800" b="0" i="0" u="none" strike="noStrike" cap="none" normalizeH="0" baseline="0" dirty="0">
+              <a:ln>
+                <a:noFill/>
+              </a:ln>
+              <a:solidFill>
+                <a:schemeClr val="tx1"/>
+              </a:solidFill>
+              <a:effectLst/>
+              <a:highlight>
+                <a:srgbClr val="FFFF00"/>
+              </a:highlight>
+              <a:latin typeface="Arial" charset="0"/>
+            </a:endParaRPr>
+          </a:p>
+        </p:txBody>
+      </p:sp>
+      <p:sp>
+        <p:nvSpPr>
+          <p:cNvPr id="28" name="Rectangle 27">
+            <a:extLst>
+              <a:ext uri="{FF2B5EF4-FFF2-40B4-BE49-F238E27FC236}">
+                <a16:creationId xmlns:a16="http://schemas.microsoft.com/office/drawing/2014/main" id="{FF858EEE-F242-4327-8B28-1431CDBF136F}"/>
+              </a:ext>
+            </a:extLst>
+          </p:cNvPr>
+          <p:cNvSpPr/>
+          <p:nvPr/>
+        </p:nvSpPr>
+        <p:spPr bwMode="auto">
+          <a:xfrm>
+            <a:off x="5987043" y="3344524"/>
+            <a:ext cx="1794076" cy="383411"/>
+          </a:xfrm>
+          <a:prstGeom prst="rect">
+            <a:avLst/>
+          </a:prstGeom>
+          <a:noFill/>
+          <a:ln w="28575" cap="flat" cmpd="sng" algn="ctr">
+            <a:solidFill>
+              <a:schemeClr val="tx1"/>
+            </a:solidFill>
+            <a:prstDash val="solid"/>
+            <a:round/>
+            <a:headEnd type="none" w="med" len="med"/>
+            <a:tailEnd type="none" w="med" len="med"/>
+          </a:ln>
+          <a:effectLst/>
+        </p:spPr>
+        <p:txBody>
+          <a:bodyPr vert="horz" wrap="none" lIns="91440" tIns="45720" rIns="91440" bIns="45720" numCol="1" rtlCol="0" anchor="ctr" anchorCtr="0" compatLnSpc="1">
+            <a:prstTxWarp prst="textNoShape">
+              <a:avLst/>
+            </a:prstTxWarp>
+          </a:bodyPr>
+          <a:lstStyle/>
+          <a:p>
+            <a:pPr marL="0" marR="0" indent="0" algn="ctr" defTabSz="914400" rtl="0" eaLnBrk="1" fontAlgn="base" latinLnBrk="0" hangingPunct="1">
+              <a:lnSpc>
+                <a:spcPct val="100000"/>
+              </a:lnSpc>
+              <a:spcBef>
+                <a:spcPct val="0"/>
+              </a:spcBef>
+              <a:spcAft>
+                <a:spcPct val="0"/>
+              </a:spcAft>
+              <a:buClrTx/>
+              <a:buSzTx/>
+              <a:buFontTx/>
+              <a:buNone/>
+              <a:tabLst/>
+            </a:pPr>
+            <a:r>
+              <a:rPr kumimoji="0" lang="es-MX" sz="1800" b="0" i="0" u="none" strike="noStrike" cap="none" normalizeH="0" baseline="0" dirty="0">
+                <a:ln>
+                  <a:noFill/>
+                </a:ln>
+                <a:solidFill>
+                  <a:schemeClr val="tx1"/>
+                </a:solidFill>
+                <a:effectLst/>
+                <a:latin typeface="Arial" charset="0"/>
+              </a:rPr>
+              <a:t>.</a:t>
+            </a:r>
+            <a:r>
+              <a:rPr kumimoji="0" lang="es-MX" sz="1800" b="0" i="0" u="none" strike="noStrike" cap="none" normalizeH="0" baseline="0" dirty="0">
+                <a:ln>
+                  <a:noFill/>
+                </a:ln>
+                <a:solidFill>
+                  <a:schemeClr val="tx1"/>
+                </a:solidFill>
+                <a:effectLst/>
+                <a:highlight>
+                  <a:srgbClr val="FFFF00"/>
+                </a:highlight>
+                <a:latin typeface="Arial" charset="0"/>
+              </a:rPr>
+              <a:t>03</a:t>
+            </a:r>
+            <a:endParaRPr kumimoji="0" lang="en-US" sz="1800" b="0" i="0" u="none" strike="noStrike" cap="none" normalizeH="0" baseline="0" dirty="0">
+              <a:ln>
+                <a:noFill/>
+              </a:ln>
+              <a:solidFill>
+                <a:schemeClr val="tx1"/>
+              </a:solidFill>
+              <a:effectLst/>
+              <a:highlight>
+                <a:srgbClr val="FFFF00"/>
+              </a:highlight>
+              <a:latin typeface="Arial" charset="0"/>
+            </a:endParaRPr>
+          </a:p>
+        </p:txBody>
+      </p:sp>
+      <p:sp>
+        <p:nvSpPr>
+          <p:cNvPr id="29" name="Rectangle 28">
+            <a:extLst>
+              <a:ext uri="{FF2B5EF4-FFF2-40B4-BE49-F238E27FC236}">
+                <a16:creationId xmlns:a16="http://schemas.microsoft.com/office/drawing/2014/main" id="{39BEB32D-1ECC-4BD6-B34D-2FE0B2C8A564}"/>
+              </a:ext>
+            </a:extLst>
+          </p:cNvPr>
+          <p:cNvSpPr/>
+          <p:nvPr/>
+        </p:nvSpPr>
+        <p:spPr bwMode="auto">
+          <a:xfrm>
+            <a:off x="6500959" y="1332138"/>
+            <a:ext cx="934093" cy="383411"/>
+          </a:xfrm>
+          <a:prstGeom prst="rect">
+            <a:avLst/>
+          </a:prstGeom>
+          <a:noFill/>
+          <a:ln w="28575" cap="flat" cmpd="sng" algn="ctr">
+            <a:noFill/>
+            <a:prstDash val="solid"/>
+            <a:round/>
+            <a:headEnd type="none" w="med" len="med"/>
+            <a:tailEnd type="none" w="med" len="med"/>
+          </a:ln>
+          <a:effectLst/>
+        </p:spPr>
+        <p:txBody>
+          <a:bodyPr vert="horz" wrap="none" lIns="91440" tIns="45720" rIns="91440" bIns="45720" numCol="1" rtlCol="0" anchor="ctr" anchorCtr="0" compatLnSpc="1">
+            <a:prstTxWarp prst="textNoShape">
+              <a:avLst/>
+            </a:prstTxWarp>
+          </a:bodyPr>
+          <a:lstStyle/>
+          <a:p>
+            <a:pPr marL="0" marR="0" indent="0" defTabSz="914400" rtl="0" eaLnBrk="1" fontAlgn="base" latinLnBrk="0" hangingPunct="1">
+              <a:lnSpc>
+                <a:spcPct val="100000"/>
+              </a:lnSpc>
+              <a:spcBef>
+                <a:spcPct val="0"/>
+              </a:spcBef>
+              <a:spcAft>
+                <a:spcPct val="0"/>
+              </a:spcAft>
+              <a:buClrTx/>
+              <a:buSzTx/>
+              <a:buFontTx/>
+              <a:buNone/>
+              <a:tabLst/>
+            </a:pPr>
+            <a:r>
+              <a:rPr kumimoji="0" lang="es-MX" sz="1800" b="0" i="0" u="none" strike="noStrike" cap="none" normalizeH="0" baseline="0" dirty="0">
+                <a:ln>
+                  <a:noFill/>
+                </a:ln>
+                <a:solidFill>
+                  <a:schemeClr val="tx1"/>
+                </a:solidFill>
+                <a:effectLst/>
+                <a:latin typeface="Arial" charset="0"/>
+              </a:rPr>
+              <a:t>2C7F0</a:t>
+            </a:r>
+            <a:endParaRPr kumimoji="0" lang="en-US" sz="1800" b="0" i="0" u="none" strike="noStrike" cap="none" normalizeH="0" baseline="0" dirty="0">
+              <a:ln>
+                <a:noFill/>
+              </a:ln>
+              <a:solidFill>
+                <a:schemeClr val="tx1"/>
+              </a:solidFill>
+              <a:effectLst/>
+              <a:latin typeface="Arial" charset="0"/>
+            </a:endParaRPr>
+          </a:p>
+        </p:txBody>
+      </p:sp>
+      <p:sp>
+        <p:nvSpPr>
+          <p:cNvPr id="35" name="Rectangle 34">
+            <a:extLst>
+              <a:ext uri="{FF2B5EF4-FFF2-40B4-BE49-F238E27FC236}">
+                <a16:creationId xmlns:a16="http://schemas.microsoft.com/office/drawing/2014/main" id="{26803902-3FCA-4798-A680-44D035D40D09}"/>
+              </a:ext>
+            </a:extLst>
+          </p:cNvPr>
+          <p:cNvSpPr/>
+          <p:nvPr/>
+        </p:nvSpPr>
+        <p:spPr bwMode="auto">
+          <a:xfrm>
+            <a:off x="5149774" y="1809764"/>
+            <a:ext cx="934093" cy="383411"/>
+          </a:xfrm>
+          <a:prstGeom prst="rect">
+            <a:avLst/>
+          </a:prstGeom>
+          <a:noFill/>
+          <a:ln w="28575" cap="flat" cmpd="sng" algn="ctr">
+            <a:noFill/>
+            <a:prstDash val="solid"/>
+            <a:round/>
+            <a:headEnd type="none" w="med" len="med"/>
+            <a:tailEnd type="none" w="med" len="med"/>
+          </a:ln>
+          <a:effectLst/>
+        </p:spPr>
+        <p:txBody>
+          <a:bodyPr vert="horz" wrap="none" lIns="91440" tIns="45720" rIns="91440" bIns="45720" numCol="1" rtlCol="0" anchor="ctr" anchorCtr="0" compatLnSpc="1">
+            <a:prstTxWarp prst="textNoShape">
+              <a:avLst/>
+            </a:prstTxWarp>
+          </a:bodyPr>
+          <a:lstStyle/>
+          <a:p>
+            <a:pPr marL="0" marR="0" indent="0" algn="ctr" defTabSz="914400" rtl="0" eaLnBrk="1" fontAlgn="base" latinLnBrk="0" hangingPunct="1">
+              <a:lnSpc>
+                <a:spcPct val="100000"/>
+              </a:lnSpc>
+              <a:spcBef>
+                <a:spcPct val="0"/>
+              </a:spcBef>
+              <a:spcAft>
+                <a:spcPct val="0"/>
+              </a:spcAft>
+              <a:buClrTx/>
+              <a:buSzTx/>
+              <a:buFontTx/>
+              <a:buNone/>
+              <a:tabLst/>
+            </a:pPr>
+            <a:r>
+              <a:rPr lang="es-MX" dirty="0">
+                <a:latin typeface="Arial" charset="0"/>
+              </a:rPr>
+              <a:t>a[0]</a:t>
+            </a:r>
+            <a:endParaRPr kumimoji="0" lang="en-US" sz="1800" b="0" i="0" u="none" strike="noStrike" cap="none" normalizeH="0" baseline="0" dirty="0">
+              <a:ln>
+                <a:noFill/>
+              </a:ln>
+              <a:solidFill>
+                <a:schemeClr val="tx1"/>
+              </a:solidFill>
+              <a:effectLst/>
+              <a:latin typeface="Arial" charset="0"/>
+            </a:endParaRPr>
+          </a:p>
+        </p:txBody>
+      </p:sp>
+      <p:sp>
+        <p:nvSpPr>
+          <p:cNvPr id="36" name="Rectangle 35">
+            <a:extLst>
+              <a:ext uri="{FF2B5EF4-FFF2-40B4-BE49-F238E27FC236}">
+                <a16:creationId xmlns:a16="http://schemas.microsoft.com/office/drawing/2014/main" id="{4F042563-89B8-4EA1-B584-6EE796D2A024}"/>
+              </a:ext>
+            </a:extLst>
+          </p:cNvPr>
+          <p:cNvSpPr/>
+          <p:nvPr/>
+        </p:nvSpPr>
+        <p:spPr bwMode="auto">
+          <a:xfrm>
+            <a:off x="5149774" y="2193175"/>
+            <a:ext cx="934093" cy="383411"/>
+          </a:xfrm>
+          <a:prstGeom prst="rect">
+            <a:avLst/>
+          </a:prstGeom>
+          <a:noFill/>
+          <a:ln w="28575" cap="flat" cmpd="sng" algn="ctr">
+            <a:noFill/>
+            <a:prstDash val="solid"/>
+            <a:round/>
+            <a:headEnd type="none" w="med" len="med"/>
+            <a:tailEnd type="none" w="med" len="med"/>
+          </a:ln>
+          <a:effectLst/>
+        </p:spPr>
+        <p:txBody>
+          <a:bodyPr vert="horz" wrap="none" lIns="91440" tIns="45720" rIns="91440" bIns="45720" numCol="1" rtlCol="0" anchor="ctr" anchorCtr="0" compatLnSpc="1">
+            <a:prstTxWarp prst="textNoShape">
+              <a:avLst/>
+            </a:prstTxWarp>
+          </a:bodyPr>
+          <a:lstStyle/>
+          <a:p>
+            <a:pPr marL="0" marR="0" indent="0" algn="ctr" defTabSz="914400" rtl="0" eaLnBrk="1" fontAlgn="base" latinLnBrk="0" hangingPunct="1">
+              <a:lnSpc>
+                <a:spcPct val="100000"/>
+              </a:lnSpc>
+              <a:spcBef>
+                <a:spcPct val="0"/>
+              </a:spcBef>
+              <a:spcAft>
+                <a:spcPct val="0"/>
+              </a:spcAft>
+              <a:buClrTx/>
+              <a:buSzTx/>
+              <a:buFontTx/>
+              <a:buNone/>
+              <a:tabLst/>
+            </a:pPr>
+            <a:r>
+              <a:rPr kumimoji="0" lang="es-MX" sz="1800" b="0" i="0" u="none" strike="noStrike" cap="none" normalizeH="0" baseline="0" dirty="0">
+                <a:ln>
+                  <a:noFill/>
+                </a:ln>
+                <a:solidFill>
+                  <a:schemeClr val="tx1"/>
+                </a:solidFill>
+                <a:effectLst/>
+                <a:latin typeface="Arial" charset="0"/>
+              </a:rPr>
+              <a:t>a[1]</a:t>
+            </a:r>
+            <a:endParaRPr kumimoji="0" lang="en-US" sz="1800" b="0" i="0" u="none" strike="noStrike" cap="none" normalizeH="0" baseline="0" dirty="0">
+              <a:ln>
+                <a:noFill/>
+              </a:ln>
+              <a:solidFill>
+                <a:schemeClr val="tx1"/>
+              </a:solidFill>
+              <a:effectLst/>
+              <a:latin typeface="Arial" charset="0"/>
+            </a:endParaRPr>
+          </a:p>
+        </p:txBody>
+      </p:sp>
+      <p:sp>
+        <p:nvSpPr>
+          <p:cNvPr id="37" name="Rectangle 36">
+            <a:extLst>
+              <a:ext uri="{FF2B5EF4-FFF2-40B4-BE49-F238E27FC236}">
+                <a16:creationId xmlns:a16="http://schemas.microsoft.com/office/drawing/2014/main" id="{9BDA048B-B9E9-49AA-86CF-1355E3ED0C6B}"/>
+              </a:ext>
+            </a:extLst>
+          </p:cNvPr>
+          <p:cNvSpPr/>
+          <p:nvPr/>
+        </p:nvSpPr>
+        <p:spPr bwMode="auto">
+          <a:xfrm>
+            <a:off x="5149774" y="2576586"/>
+            <a:ext cx="934093" cy="383411"/>
+          </a:xfrm>
+          <a:prstGeom prst="rect">
+            <a:avLst/>
+          </a:prstGeom>
+          <a:noFill/>
+          <a:ln w="28575" cap="flat" cmpd="sng" algn="ctr">
+            <a:noFill/>
+            <a:prstDash val="solid"/>
+            <a:round/>
+            <a:headEnd type="none" w="med" len="med"/>
+            <a:tailEnd type="none" w="med" len="med"/>
+          </a:ln>
+          <a:effectLst/>
+        </p:spPr>
+        <p:txBody>
+          <a:bodyPr vert="horz" wrap="none" lIns="91440" tIns="45720" rIns="91440" bIns="45720" numCol="1" rtlCol="0" anchor="ctr" anchorCtr="0" compatLnSpc="1">
+            <a:prstTxWarp prst="textNoShape">
+              <a:avLst/>
+            </a:prstTxWarp>
+          </a:bodyPr>
+          <a:lstStyle/>
+          <a:p>
+            <a:pPr algn="ctr"/>
+            <a:r>
+              <a:rPr lang="es-MX" dirty="0">
+                <a:latin typeface="Arial" charset="0"/>
+              </a:rPr>
+              <a:t>a[2]</a:t>
+            </a:r>
+            <a:endParaRPr kumimoji="0" lang="en-US" sz="1800" b="0" i="0" u="none" strike="noStrike" cap="none" normalizeH="0" baseline="0" dirty="0">
+              <a:ln>
+                <a:noFill/>
+              </a:ln>
+              <a:solidFill>
+                <a:schemeClr val="tx1"/>
+              </a:solidFill>
+              <a:effectLst/>
+              <a:latin typeface="Arial" charset="0"/>
+            </a:endParaRPr>
+          </a:p>
+        </p:txBody>
+      </p:sp>
+      <p:sp>
+        <p:nvSpPr>
+          <p:cNvPr id="38" name="Rectangle 37">
+            <a:extLst>
+              <a:ext uri="{FF2B5EF4-FFF2-40B4-BE49-F238E27FC236}">
+                <a16:creationId xmlns:a16="http://schemas.microsoft.com/office/drawing/2014/main" id="{03087253-EA89-4AB9-BB70-24FDAA33D7C8}"/>
+              </a:ext>
+            </a:extLst>
+          </p:cNvPr>
+          <p:cNvSpPr/>
+          <p:nvPr/>
+        </p:nvSpPr>
+        <p:spPr bwMode="auto">
+          <a:xfrm>
+            <a:off x="5149774" y="2959997"/>
+            <a:ext cx="934093" cy="383411"/>
+          </a:xfrm>
+          <a:prstGeom prst="rect">
+            <a:avLst/>
+          </a:prstGeom>
+          <a:noFill/>
+          <a:ln w="28575" cap="flat" cmpd="sng" algn="ctr">
+            <a:noFill/>
+            <a:prstDash val="solid"/>
+            <a:round/>
+            <a:headEnd type="none" w="med" len="med"/>
+            <a:tailEnd type="none" w="med" len="med"/>
+          </a:ln>
+          <a:effectLst/>
+        </p:spPr>
+        <p:txBody>
+          <a:bodyPr vert="horz" wrap="none" lIns="91440" tIns="45720" rIns="91440" bIns="45720" numCol="1" rtlCol="0" anchor="ctr" anchorCtr="0" compatLnSpc="1">
+            <a:prstTxWarp prst="textNoShape">
+              <a:avLst/>
+            </a:prstTxWarp>
+          </a:bodyPr>
+          <a:lstStyle/>
+          <a:p>
+            <a:pPr algn="ctr"/>
+            <a:r>
+              <a:rPr lang="es-MX" dirty="0">
+                <a:latin typeface="Arial" charset="0"/>
+              </a:rPr>
+              <a:t>a[3]</a:t>
+            </a:r>
+            <a:endParaRPr kumimoji="0" lang="en-US" sz="1800" b="0" i="0" u="none" strike="noStrike" cap="none" normalizeH="0" baseline="0" dirty="0">
+              <a:ln>
+                <a:noFill/>
+              </a:ln>
+              <a:solidFill>
+                <a:schemeClr val="tx1"/>
+              </a:solidFill>
+              <a:effectLst/>
+              <a:latin typeface="Arial" charset="0"/>
+            </a:endParaRPr>
+          </a:p>
+        </p:txBody>
+      </p:sp>
+      <p:sp>
+        <p:nvSpPr>
+          <p:cNvPr id="39" name="Rectangle 38">
+            <a:extLst>
+              <a:ext uri="{FF2B5EF4-FFF2-40B4-BE49-F238E27FC236}">
+                <a16:creationId xmlns:a16="http://schemas.microsoft.com/office/drawing/2014/main" id="{614E407C-3356-4A92-A9AA-3D5B294EA48C}"/>
+              </a:ext>
+            </a:extLst>
+          </p:cNvPr>
+          <p:cNvSpPr/>
+          <p:nvPr/>
+        </p:nvSpPr>
+        <p:spPr bwMode="auto">
+          <a:xfrm>
+            <a:off x="5149774" y="3343408"/>
+            <a:ext cx="934093" cy="383411"/>
+          </a:xfrm>
+          <a:prstGeom prst="rect">
+            <a:avLst/>
+          </a:prstGeom>
+          <a:noFill/>
+          <a:ln w="28575" cap="flat" cmpd="sng" algn="ctr">
+            <a:noFill/>
+            <a:prstDash val="solid"/>
+            <a:round/>
+            <a:headEnd type="none" w="med" len="med"/>
+            <a:tailEnd type="none" w="med" len="med"/>
+          </a:ln>
+          <a:effectLst/>
+        </p:spPr>
+        <p:txBody>
+          <a:bodyPr vert="horz" wrap="none" lIns="91440" tIns="45720" rIns="91440" bIns="45720" numCol="1" rtlCol="0" anchor="ctr" anchorCtr="0" compatLnSpc="1">
+            <a:prstTxWarp prst="textNoShape">
+              <a:avLst/>
+            </a:prstTxWarp>
+          </a:bodyPr>
+          <a:lstStyle/>
+          <a:p>
+            <a:pPr algn="ctr"/>
+            <a:r>
+              <a:rPr lang="es-MX" dirty="0">
+                <a:latin typeface="Arial" charset="0"/>
+              </a:rPr>
+              <a:t>a[4]</a:t>
+            </a:r>
+            <a:endParaRPr kumimoji="0" lang="en-US" sz="1800" b="0" i="0" u="none" strike="noStrike" cap="none" normalizeH="0" baseline="0" dirty="0">
+              <a:ln>
+                <a:noFill/>
+              </a:ln>
+              <a:solidFill>
+                <a:schemeClr val="tx1"/>
+              </a:solidFill>
+              <a:effectLst/>
+              <a:latin typeface="Arial" charset="0"/>
+            </a:endParaRPr>
+          </a:p>
+        </p:txBody>
+      </p:sp>
+      <p:sp>
+        <p:nvSpPr>
+          <p:cNvPr id="31" name="Rectangle 30">
+            <a:extLst>
+              <a:ext uri="{FF2B5EF4-FFF2-40B4-BE49-F238E27FC236}">
+                <a16:creationId xmlns:a16="http://schemas.microsoft.com/office/drawing/2014/main" id="{284F138F-4264-4E93-84FF-703007F3D07A}"/>
+              </a:ext>
+            </a:extLst>
+          </p:cNvPr>
+          <p:cNvSpPr/>
+          <p:nvPr/>
+        </p:nvSpPr>
+        <p:spPr bwMode="auto">
+          <a:xfrm>
+            <a:off x="0" y="4711700"/>
+            <a:ext cx="4127500" cy="2146300"/>
+          </a:xfrm>
+          <a:prstGeom prst="rect">
+            <a:avLst/>
+          </a:prstGeom>
+          <a:solidFill>
+            <a:schemeClr val="accent1">
+              <a:lumMod val="20000"/>
+              <a:lumOff val="80000"/>
+            </a:schemeClr>
+          </a:solidFill>
+          <a:ln w="12700" cap="flat" cmpd="sng" algn="ctr">
+            <a:solidFill>
+              <a:schemeClr val="tx1"/>
+            </a:solidFill>
+            <a:prstDash val="solid"/>
+            <a:round/>
+            <a:headEnd type="none" w="med" len="med"/>
+            <a:tailEnd type="none" w="med" len="med"/>
+          </a:ln>
+          <a:effectLst/>
+        </p:spPr>
+        <p:txBody>
+          <a:bodyPr vert="horz" wrap="none" lIns="91440" tIns="45720" rIns="91440" bIns="45720" numCol="1" rtlCol="0" anchor="ctr" anchorCtr="0" compatLnSpc="1">
+            <a:prstTxWarp prst="textNoShape">
+              <a:avLst/>
+            </a:prstTxWarp>
+          </a:bodyPr>
+          <a:lstStyle/>
+          <a:p>
+            <a:pPr marL="0" marR="0" indent="0" defTabSz="914400" rtl="0" eaLnBrk="1" fontAlgn="base" latinLnBrk="0" hangingPunct="1">
+              <a:lnSpc>
+                <a:spcPct val="100000"/>
+              </a:lnSpc>
+              <a:spcBef>
+                <a:spcPct val="0"/>
+              </a:spcBef>
+              <a:spcAft>
+                <a:spcPct val="0"/>
+              </a:spcAft>
+              <a:buClrTx/>
+              <a:buSzTx/>
+              <a:buFontTx/>
+              <a:buNone/>
+              <a:tabLst/>
+            </a:pPr>
+            <a:r>
+              <a:rPr kumimoji="0" lang="es-MX" sz="2800" b="0" i="0" u="none" strike="noStrike" cap="none" normalizeH="0" baseline="0" dirty="0">
+                <a:ln>
+                  <a:noFill/>
+                </a:ln>
+                <a:solidFill>
+                  <a:schemeClr val="tx1"/>
+                </a:solidFill>
+                <a:effectLst/>
+                <a:latin typeface="+mj-lt"/>
+              </a:rPr>
+              <a:t>Generamos valores para </a:t>
+            </a:r>
+          </a:p>
+          <a:p>
+            <a:pPr marL="0" marR="0" indent="0" defTabSz="914400" rtl="0" eaLnBrk="1" fontAlgn="base" latinLnBrk="0" hangingPunct="1">
+              <a:lnSpc>
+                <a:spcPct val="100000"/>
+              </a:lnSpc>
+              <a:spcBef>
+                <a:spcPct val="0"/>
+              </a:spcBef>
+              <a:spcAft>
+                <a:spcPct val="0"/>
+              </a:spcAft>
+              <a:buClrTx/>
+              <a:buSzTx/>
+              <a:buFontTx/>
+              <a:buNone/>
+              <a:tabLst/>
+            </a:pPr>
+            <a:r>
+              <a:rPr lang="es-MX" sz="2800" dirty="0">
+                <a:latin typeface="+mj-lt"/>
+              </a:rPr>
+              <a:t>cada elemento del arreglo.</a:t>
+            </a:r>
+            <a:endParaRPr kumimoji="0" lang="en-US" sz="2800" b="0" i="0" u="none" strike="noStrike" cap="none" normalizeH="0" baseline="0" dirty="0">
+              <a:ln>
+                <a:noFill/>
+              </a:ln>
+              <a:solidFill>
+                <a:schemeClr val="tx1"/>
+              </a:solidFill>
+              <a:effectLst/>
+              <a:latin typeface="+mj-lt"/>
+            </a:endParaRPr>
+          </a:p>
+        </p:txBody>
+      </p:sp>
+    </p:spTree>
+    <p:extLst>
+      <p:ext uri="{BB962C8B-B14F-4D97-AF65-F5344CB8AC3E}">
+        <p14:creationId xmlns:p14="http://schemas.microsoft.com/office/powerpoint/2010/main" val="2836707403"/>
+      </p:ext>
+    </p:extLst>
+  </p:cSld>
+  <p:clrMapOvr>
+    <a:masterClrMapping/>
+  </p:clrMapOvr>
+</p:sld>
+</file>
+
+<file path=ppt/slides/slide15.xml><?xml version="1.0" encoding="utf-8"?>
+<p:sld xmlns:a="http://schemas.openxmlformats.org/drawingml/2006/main" xmlns:r="http://schemas.openxmlformats.org/officeDocument/2006/relationships" xmlns:p="http://schemas.openxmlformats.org/presentationml/2006/main">
+  <p:cSld>
+    <p:spTree>
+      <p:nvGrpSpPr>
+        <p:cNvPr id="1" name=""/>
+        <p:cNvGrpSpPr/>
+        <p:nvPr/>
+      </p:nvGrpSpPr>
+      <p:grpSpPr>
+        <a:xfrm>
+          <a:off x="0" y="0"/>
+          <a:ext cx="0" cy="0"/>
+          <a:chOff x="0" y="0"/>
+          <a:chExt cx="0" cy="0"/>
+        </a:xfrm>
+      </p:grpSpPr>
+      <p:sp>
+        <p:nvSpPr>
+          <p:cNvPr id="2" name="Title 1">
+            <a:extLst>
+              <a:ext uri="{FF2B5EF4-FFF2-40B4-BE49-F238E27FC236}">
+                <a16:creationId xmlns:a16="http://schemas.microsoft.com/office/drawing/2014/main" id="{5DD6C713-74C8-44B9-A893-D333C8450093}"/>
+              </a:ext>
+            </a:extLst>
+          </p:cNvPr>
+          <p:cNvSpPr>
+            <a:spLocks noGrp="1"/>
+          </p:cNvSpPr>
+          <p:nvPr>
+            <p:ph type="title"/>
+          </p:nvPr>
+        </p:nvSpPr>
+        <p:spPr>
+          <a:xfrm>
+            <a:off x="976313" y="1139825"/>
+            <a:ext cx="7772400" cy="1362075"/>
+          </a:xfrm>
+        </p:spPr>
+        <p:txBody>
+          <a:bodyPr/>
+          <a:lstStyle/>
+          <a:p>
+            <a:pPr algn="ctr"/>
+            <a:r>
+              <a:rPr lang="es-MX" dirty="0"/>
+              <a:t>¿Y EN QUÉ NOS AFECTA?</a:t>
+            </a:r>
+            <a:endParaRPr lang="en-US" dirty="0"/>
+          </a:p>
+        </p:txBody>
+      </p:sp>
+      <p:pic>
+        <p:nvPicPr>
+          <p:cNvPr id="6" name="Graphic 5" descr="Questions">
+            <a:extLst>
+              <a:ext uri="{FF2B5EF4-FFF2-40B4-BE49-F238E27FC236}">
+                <a16:creationId xmlns:a16="http://schemas.microsoft.com/office/drawing/2014/main" id="{9EB9FDB3-9373-4F83-BE07-D1511E8904DD}"/>
+              </a:ext>
+            </a:extLst>
+          </p:cNvPr>
+          <p:cNvPicPr>
+            <a:picLocks noChangeAspect="1"/>
+          </p:cNvPicPr>
+          <p:nvPr/>
+        </p:nvPicPr>
+        <p:blipFill>
+          <a:blip r:embed="rId2">
+            <a:extLst>
+              <a:ext uri="{28A0092B-C50C-407E-A947-70E740481C1C}">
+                <a14:useLocalDpi xmlns:a14="http://schemas.microsoft.com/office/drawing/2010/main" val="0"/>
+              </a:ext>
+              <a:ext uri="{96DAC541-7B7A-43D3-8B79-37D633B846F1}">
+                <asvg:svgBlip xmlns:asvg="http://schemas.microsoft.com/office/drawing/2016/SVG/main" r:embed="rId3"/>
+              </a:ext>
+            </a:extLst>
+          </a:blip>
+          <a:stretch>
+            <a:fillRect/>
+          </a:stretch>
+        </p:blipFill>
+        <p:spPr>
+          <a:xfrm>
+            <a:off x="2460625" y="1895475"/>
+            <a:ext cx="4222750" cy="4222750"/>
+          </a:xfrm>
+          <a:prstGeom prst="rect">
+            <a:avLst/>
+          </a:prstGeom>
+        </p:spPr>
+      </p:pic>
+    </p:spTree>
+    <p:extLst>
+      <p:ext uri="{BB962C8B-B14F-4D97-AF65-F5344CB8AC3E}">
+        <p14:creationId xmlns:p14="http://schemas.microsoft.com/office/powerpoint/2010/main" val="2196421233"/>
+      </p:ext>
+    </p:extLst>
+  </p:cSld>
+  <p:clrMapOvr>
+    <a:masterClrMapping/>
+  </p:clrMapOvr>
+</p:sld>
+</file>
+
+<file path=ppt/slides/slide16.xml><?xml version="1.0" encoding="utf-8"?>
+<p:sld xmlns:a="http://schemas.openxmlformats.org/drawingml/2006/main" xmlns:r="http://schemas.openxmlformats.org/officeDocument/2006/relationships" xmlns:p="http://schemas.openxmlformats.org/presentationml/2006/main">
+  <p:cSld>
+    <p:spTree>
+      <p:nvGrpSpPr>
+        <p:cNvPr id="1" name=""/>
+        <p:cNvGrpSpPr/>
+        <p:nvPr/>
+      </p:nvGrpSpPr>
+      <p:grpSpPr>
+        <a:xfrm>
+          <a:off x="0" y="0"/>
+          <a:ext cx="0" cy="0"/>
+          <a:chOff x="0" y="0"/>
+          <a:chExt cx="0" cy="0"/>
+        </a:xfrm>
+      </p:grpSpPr>
+      <p:sp>
+        <p:nvSpPr>
+          <p:cNvPr id="2" name="Title 1">
+            <a:extLst>
+              <a:ext uri="{FF2B5EF4-FFF2-40B4-BE49-F238E27FC236}">
+                <a16:creationId xmlns:a16="http://schemas.microsoft.com/office/drawing/2014/main" id="{0EB54176-2301-4A22-BD78-A1277ABD0626}"/>
+              </a:ext>
+            </a:extLst>
+          </p:cNvPr>
+          <p:cNvSpPr>
+            <a:spLocks noGrp="1"/>
+          </p:cNvSpPr>
+          <p:nvPr>
+            <p:ph type="title"/>
+          </p:nvPr>
+        </p:nvSpPr>
+        <p:spPr/>
+        <p:txBody>
+          <a:bodyPr/>
+          <a:lstStyle/>
+          <a:p>
+            <a:r>
+              <a:rPr lang="es-MX" dirty="0"/>
+              <a:t>Métodos y arreglos</a:t>
+            </a:r>
+            <a:endParaRPr lang="en-US" dirty="0"/>
+          </a:p>
+        </p:txBody>
+      </p:sp>
+      <p:sp>
+        <p:nvSpPr>
+          <p:cNvPr id="3" name="Content Placeholder 2">
+            <a:extLst>
+              <a:ext uri="{FF2B5EF4-FFF2-40B4-BE49-F238E27FC236}">
+                <a16:creationId xmlns:a16="http://schemas.microsoft.com/office/drawing/2014/main" id="{2346BC6E-27BB-42BB-8CB1-0E0F10300166}"/>
+              </a:ext>
+            </a:extLst>
+          </p:cNvPr>
+          <p:cNvSpPr>
+            <a:spLocks noGrp="1"/>
+          </p:cNvSpPr>
+          <p:nvPr>
+            <p:ph idx="1"/>
+          </p:nvPr>
+        </p:nvSpPr>
+        <p:spPr>
+          <a:xfrm>
+            <a:off x="457200" y="1600201"/>
+            <a:ext cx="8229600" cy="2019300"/>
+          </a:xfrm>
+        </p:spPr>
+        <p:txBody>
+          <a:bodyPr/>
+          <a:lstStyle/>
+          <a:p>
+            <a:r>
+              <a:rPr lang="es-MX" dirty="0"/>
+              <a:t>Cuando hagamos llamadas a métodos en donde utilicemos arreglos como parámetros, estamos transfiriendo la dirección de memoria, no el dato.</a:t>
+            </a:r>
+            <a:endParaRPr lang="en-US" dirty="0"/>
+          </a:p>
+        </p:txBody>
+      </p:sp>
+    </p:spTree>
+    <p:extLst>
+      <p:ext uri="{BB962C8B-B14F-4D97-AF65-F5344CB8AC3E}">
+        <p14:creationId xmlns:p14="http://schemas.microsoft.com/office/powerpoint/2010/main" val="2079013491"/>
+      </p:ext>
+    </p:extLst>
+  </p:cSld>
+  <p:clrMapOvr>
+    <a:masterClrMapping/>
+  </p:clrMapOvr>
+</p:sld>
+</file>
+
+<file path=ppt/slides/slide17.xml><?xml version="1.0" encoding="utf-8"?>
+<p:sld xmlns:a="http://schemas.openxmlformats.org/drawingml/2006/main" xmlns:r="http://schemas.openxmlformats.org/officeDocument/2006/relationships" xmlns:p="http://schemas.openxmlformats.org/presentationml/2006/main">
+  <p:cSld>
+    <p:spTree>
+      <p:nvGrpSpPr>
+        <p:cNvPr id="1" name=""/>
+        <p:cNvGrpSpPr/>
+        <p:nvPr/>
+      </p:nvGrpSpPr>
+      <p:grpSpPr>
+        <a:xfrm>
+          <a:off x="0" y="0"/>
+          <a:ext cx="0" cy="0"/>
+          <a:chOff x="0" y="0"/>
+          <a:chExt cx="0" cy="0"/>
+        </a:xfrm>
+      </p:grpSpPr>
+      <p:sp>
+        <p:nvSpPr>
+          <p:cNvPr id="2" name="Rectangle 1">
+            <a:extLst>
+              <a:ext uri="{FF2B5EF4-FFF2-40B4-BE49-F238E27FC236}">
+                <a16:creationId xmlns:a16="http://schemas.microsoft.com/office/drawing/2014/main" id="{B9CAAC70-F3BB-41A6-8EC2-37B2631BB9CE}"/>
+              </a:ext>
+            </a:extLst>
+          </p:cNvPr>
+          <p:cNvSpPr/>
+          <p:nvPr/>
+        </p:nvSpPr>
+        <p:spPr>
+          <a:xfrm>
+            <a:off x="101600" y="335845"/>
+            <a:ext cx="6184900" cy="6463308"/>
+          </a:xfrm>
+          <a:prstGeom prst="rect">
+            <a:avLst/>
+          </a:prstGeom>
+          <a:solidFill>
+            <a:schemeClr val="tx1"/>
+          </a:solidFill>
+        </p:spPr>
+        <p:txBody>
+          <a:bodyPr wrap="square">
+            <a:spAutoFit/>
+          </a:bodyPr>
+          <a:lstStyle/>
+          <a:p>
+            <a:r>
+              <a:rPr lang="en-US" dirty="0">
+                <a:solidFill>
+                  <a:srgbClr val="569CD6"/>
+                </a:solidFill>
+                <a:latin typeface=" Cascadia Code"/>
+              </a:rPr>
+              <a:t>public</a:t>
+            </a:r>
+            <a:r>
+              <a:rPr lang="en-US" dirty="0">
+                <a:solidFill>
+                  <a:srgbClr val="D4D4D4"/>
+                </a:solidFill>
+                <a:latin typeface=" Cascadia Code"/>
+              </a:rPr>
+              <a:t> </a:t>
+            </a:r>
+            <a:r>
+              <a:rPr lang="en-US" dirty="0">
+                <a:solidFill>
+                  <a:srgbClr val="569CD6"/>
+                </a:solidFill>
+                <a:latin typeface=" Cascadia Code"/>
+              </a:rPr>
+              <a:t>static</a:t>
+            </a:r>
+            <a:r>
+              <a:rPr lang="en-US" dirty="0">
+                <a:solidFill>
+                  <a:srgbClr val="D4D4D4"/>
+                </a:solidFill>
+                <a:latin typeface=" Cascadia Code"/>
+              </a:rPr>
+              <a:t> </a:t>
+            </a:r>
+            <a:r>
+              <a:rPr lang="en-US" dirty="0">
+                <a:solidFill>
+                  <a:srgbClr val="4EC9B0"/>
+                </a:solidFill>
+                <a:latin typeface=" Cascadia Code"/>
+              </a:rPr>
+              <a:t>void</a:t>
+            </a:r>
+            <a:r>
+              <a:rPr lang="en-US" dirty="0">
+                <a:solidFill>
+                  <a:srgbClr val="D4D4D4"/>
+                </a:solidFill>
+                <a:latin typeface=" Cascadia Code"/>
+              </a:rPr>
+              <a:t> </a:t>
+            </a:r>
+            <a:r>
+              <a:rPr lang="en-US" dirty="0">
+                <a:solidFill>
+                  <a:srgbClr val="DCDCAA"/>
+                </a:solidFill>
+                <a:latin typeface=" Cascadia Code"/>
+              </a:rPr>
+              <a:t>main</a:t>
+            </a:r>
+            <a:r>
+              <a:rPr lang="en-US" dirty="0">
+                <a:solidFill>
+                  <a:srgbClr val="D4D4D4"/>
+                </a:solidFill>
+                <a:latin typeface=" Cascadia Code"/>
+              </a:rPr>
+              <a:t>(</a:t>
+            </a:r>
+            <a:r>
+              <a:rPr lang="en-US" dirty="0">
+                <a:solidFill>
+                  <a:srgbClr val="4EC9B0"/>
+                </a:solidFill>
+                <a:latin typeface=" Cascadia Code"/>
+              </a:rPr>
+              <a:t>String</a:t>
+            </a:r>
+            <a:r>
+              <a:rPr lang="en-US" dirty="0">
+                <a:solidFill>
+                  <a:srgbClr val="D4D4D4"/>
+                </a:solidFill>
+                <a:latin typeface=" Cascadia Code"/>
+              </a:rPr>
+              <a:t>[] </a:t>
+            </a:r>
+            <a:r>
+              <a:rPr lang="en-US" dirty="0" err="1">
+                <a:solidFill>
+                  <a:srgbClr val="9CDCFE"/>
+                </a:solidFill>
+                <a:latin typeface=" Cascadia Code"/>
+              </a:rPr>
+              <a:t>args</a:t>
+            </a:r>
+            <a:r>
+              <a:rPr lang="en-US" dirty="0">
+                <a:solidFill>
+                  <a:srgbClr val="D4D4D4"/>
+                </a:solidFill>
+                <a:latin typeface=" Cascadia Code"/>
+              </a:rPr>
+              <a:t>){</a:t>
+            </a:r>
+          </a:p>
+          <a:p>
+            <a:br>
+              <a:rPr lang="en-US" dirty="0">
+                <a:solidFill>
+                  <a:srgbClr val="D4D4D4"/>
+                </a:solidFill>
+                <a:latin typeface=" Cascadia Code"/>
+              </a:rPr>
+            </a:br>
+            <a:r>
+              <a:rPr lang="en-US" dirty="0">
+                <a:solidFill>
+                  <a:srgbClr val="D4D4D4"/>
+                </a:solidFill>
+                <a:latin typeface=" Cascadia Code"/>
+              </a:rPr>
+              <a:t>       </a:t>
+            </a:r>
+            <a:r>
+              <a:rPr lang="en-US" dirty="0">
+                <a:solidFill>
+                  <a:srgbClr val="4EC9B0"/>
+                </a:solidFill>
+                <a:latin typeface=" Cascadia Code"/>
+              </a:rPr>
+              <a:t>int</a:t>
+            </a:r>
+            <a:r>
+              <a:rPr lang="en-US" dirty="0">
+                <a:solidFill>
+                  <a:srgbClr val="D4D4D4"/>
+                </a:solidFill>
+                <a:latin typeface=" Cascadia Code"/>
+              </a:rPr>
+              <a:t> </a:t>
+            </a:r>
+            <a:r>
+              <a:rPr lang="en-US" dirty="0">
+                <a:solidFill>
+                  <a:srgbClr val="9CDCFE"/>
+                </a:solidFill>
+                <a:latin typeface=" Cascadia Code"/>
+              </a:rPr>
+              <a:t>a</a:t>
+            </a:r>
+            <a:r>
+              <a:rPr lang="en-US" dirty="0">
+                <a:solidFill>
+                  <a:srgbClr val="D4D4D4"/>
+                </a:solidFill>
+                <a:latin typeface=" Cascadia Code"/>
+              </a:rPr>
+              <a:t>[] = {</a:t>
+            </a:r>
+            <a:r>
+              <a:rPr lang="en-US" dirty="0">
+                <a:solidFill>
+                  <a:srgbClr val="B5CEA8"/>
+                </a:solidFill>
+                <a:latin typeface=" Cascadia Code"/>
+              </a:rPr>
+              <a:t>1</a:t>
+            </a:r>
+            <a:r>
+              <a:rPr lang="en-US" dirty="0">
+                <a:solidFill>
+                  <a:srgbClr val="D4D4D4"/>
+                </a:solidFill>
+                <a:latin typeface=" Cascadia Code"/>
+              </a:rPr>
+              <a:t>,</a:t>
+            </a:r>
+            <a:r>
+              <a:rPr lang="en-US" dirty="0">
+                <a:solidFill>
+                  <a:srgbClr val="B5CEA8"/>
+                </a:solidFill>
+                <a:latin typeface=" Cascadia Code"/>
+              </a:rPr>
+              <a:t>5</a:t>
+            </a:r>
+            <a:r>
+              <a:rPr lang="en-US" dirty="0">
+                <a:solidFill>
+                  <a:srgbClr val="D4D4D4"/>
+                </a:solidFill>
+                <a:latin typeface=" Cascadia Code"/>
+              </a:rPr>
+              <a:t>,</a:t>
+            </a:r>
+            <a:r>
+              <a:rPr lang="en-US" dirty="0">
+                <a:solidFill>
+                  <a:srgbClr val="B5CEA8"/>
+                </a:solidFill>
+                <a:latin typeface=" Cascadia Code"/>
+              </a:rPr>
+              <a:t>7</a:t>
+            </a:r>
+            <a:r>
+              <a:rPr lang="en-US" dirty="0">
+                <a:solidFill>
+                  <a:srgbClr val="D4D4D4"/>
+                </a:solidFill>
+                <a:latin typeface=" Cascadia Code"/>
+              </a:rPr>
+              <a:t>};</a:t>
+            </a:r>
+          </a:p>
+          <a:p>
+            <a:r>
+              <a:rPr lang="en-US" dirty="0">
+                <a:solidFill>
+                  <a:srgbClr val="D4D4D4"/>
+                </a:solidFill>
+                <a:latin typeface=" Cascadia Code"/>
+              </a:rPr>
+              <a:t>        </a:t>
+            </a:r>
+            <a:r>
+              <a:rPr lang="en-US" dirty="0" err="1">
+                <a:solidFill>
+                  <a:srgbClr val="9CDCFE"/>
+                </a:solidFill>
+                <a:latin typeface=" Cascadia Code"/>
+              </a:rPr>
+              <a:t>System</a:t>
+            </a:r>
+            <a:r>
+              <a:rPr lang="en-US" dirty="0" err="1">
+                <a:solidFill>
+                  <a:srgbClr val="D4D4D4"/>
+                </a:solidFill>
+                <a:latin typeface=" Cascadia Code"/>
+              </a:rPr>
+              <a:t>.</a:t>
+            </a:r>
+            <a:r>
+              <a:rPr lang="en-US" dirty="0" err="1">
+                <a:solidFill>
+                  <a:srgbClr val="9CDCFE"/>
+                </a:solidFill>
+                <a:latin typeface=" Cascadia Code"/>
+              </a:rPr>
+              <a:t>out</a:t>
+            </a:r>
+            <a:r>
+              <a:rPr lang="en-US" dirty="0" err="1">
+                <a:solidFill>
+                  <a:srgbClr val="D4D4D4"/>
+                </a:solidFill>
+                <a:latin typeface=" Cascadia Code"/>
+              </a:rPr>
+              <a:t>.</a:t>
+            </a:r>
+            <a:r>
+              <a:rPr lang="en-US" dirty="0" err="1">
+                <a:solidFill>
+                  <a:srgbClr val="DCDCAA"/>
+                </a:solidFill>
+                <a:latin typeface=" Cascadia Code"/>
+              </a:rPr>
+              <a:t>println</a:t>
+            </a:r>
+            <a:r>
+              <a:rPr lang="en-US" dirty="0">
+                <a:solidFill>
+                  <a:srgbClr val="D4D4D4"/>
+                </a:solidFill>
+                <a:latin typeface=" Cascadia Code"/>
+              </a:rPr>
+              <a:t>(</a:t>
+            </a:r>
+            <a:r>
+              <a:rPr lang="en-US" dirty="0">
+                <a:solidFill>
+                  <a:srgbClr val="CE9178"/>
+                </a:solidFill>
+                <a:latin typeface=" Cascadia Code"/>
+              </a:rPr>
+              <a:t>"Before:"</a:t>
+            </a:r>
+            <a:r>
+              <a:rPr lang="en-US" dirty="0">
+                <a:solidFill>
+                  <a:srgbClr val="D4D4D4"/>
+                </a:solidFill>
+                <a:latin typeface=" Cascadia Code"/>
+              </a:rPr>
+              <a:t>);</a:t>
+            </a:r>
+          </a:p>
+          <a:p>
+            <a:r>
+              <a:rPr lang="en-US" dirty="0">
+                <a:solidFill>
+                  <a:srgbClr val="D4D4D4"/>
+                </a:solidFill>
+                <a:latin typeface=" Cascadia Code"/>
+              </a:rPr>
+              <a:t>        </a:t>
+            </a:r>
+            <a:r>
+              <a:rPr lang="en-US" dirty="0">
+                <a:solidFill>
+                  <a:srgbClr val="C586C0"/>
+                </a:solidFill>
+                <a:latin typeface=" Cascadia Code"/>
+              </a:rPr>
+              <a:t>for</a:t>
+            </a:r>
+            <a:r>
+              <a:rPr lang="en-US" dirty="0">
+                <a:solidFill>
+                  <a:srgbClr val="D4D4D4"/>
+                </a:solidFill>
+                <a:latin typeface=" Cascadia Code"/>
+              </a:rPr>
+              <a:t>(</a:t>
+            </a:r>
+            <a:r>
+              <a:rPr lang="en-US" dirty="0">
+                <a:solidFill>
+                  <a:srgbClr val="4EC9B0"/>
+                </a:solidFill>
+                <a:latin typeface=" Cascadia Code"/>
+              </a:rPr>
+              <a:t>int</a:t>
+            </a:r>
+            <a:r>
+              <a:rPr lang="en-US" dirty="0">
+                <a:solidFill>
+                  <a:srgbClr val="D4D4D4"/>
+                </a:solidFill>
+                <a:latin typeface=" Cascadia Code"/>
+              </a:rPr>
+              <a:t> </a:t>
+            </a:r>
+            <a:r>
+              <a:rPr lang="en-US" dirty="0">
+                <a:solidFill>
+                  <a:srgbClr val="9CDCFE"/>
+                </a:solidFill>
+                <a:latin typeface=" Cascadia Code"/>
+              </a:rPr>
+              <a:t>i1</a:t>
+            </a:r>
+            <a:r>
+              <a:rPr lang="en-US" dirty="0">
+                <a:solidFill>
+                  <a:srgbClr val="C586C0"/>
+                </a:solidFill>
+                <a:latin typeface=" Cascadia Code"/>
+              </a:rPr>
+              <a:t>:</a:t>
+            </a:r>
+            <a:r>
+              <a:rPr lang="en-US" dirty="0">
+                <a:solidFill>
+                  <a:srgbClr val="D4D4D4"/>
+                </a:solidFill>
+                <a:latin typeface=" Cascadia Code"/>
+              </a:rPr>
+              <a:t> a){</a:t>
+            </a:r>
+          </a:p>
+          <a:p>
+            <a:r>
+              <a:rPr lang="en-US" dirty="0">
+                <a:solidFill>
+                  <a:srgbClr val="D4D4D4"/>
+                </a:solidFill>
+                <a:latin typeface=" Cascadia Code"/>
+              </a:rPr>
+              <a:t>            </a:t>
+            </a:r>
+            <a:r>
+              <a:rPr lang="en-US" dirty="0" err="1">
+                <a:solidFill>
+                  <a:srgbClr val="9CDCFE"/>
+                </a:solidFill>
+                <a:latin typeface=" Cascadia Code"/>
+              </a:rPr>
+              <a:t>System</a:t>
+            </a:r>
+            <a:r>
+              <a:rPr lang="en-US" dirty="0" err="1">
+                <a:solidFill>
+                  <a:srgbClr val="D4D4D4"/>
+                </a:solidFill>
+                <a:latin typeface=" Cascadia Code"/>
+              </a:rPr>
+              <a:t>.</a:t>
+            </a:r>
+            <a:r>
+              <a:rPr lang="en-US" dirty="0" err="1">
+                <a:solidFill>
+                  <a:srgbClr val="9CDCFE"/>
+                </a:solidFill>
+                <a:latin typeface=" Cascadia Code"/>
+              </a:rPr>
+              <a:t>out</a:t>
+            </a:r>
+            <a:r>
+              <a:rPr lang="en-US" dirty="0" err="1">
+                <a:solidFill>
+                  <a:srgbClr val="D4D4D4"/>
+                </a:solidFill>
+                <a:latin typeface=" Cascadia Code"/>
+              </a:rPr>
+              <a:t>.</a:t>
+            </a:r>
+            <a:r>
+              <a:rPr lang="en-US" dirty="0" err="1">
+                <a:solidFill>
+                  <a:srgbClr val="DCDCAA"/>
+                </a:solidFill>
+                <a:latin typeface=" Cascadia Code"/>
+              </a:rPr>
+              <a:t>println</a:t>
+            </a:r>
+            <a:r>
+              <a:rPr lang="en-US" dirty="0">
+                <a:solidFill>
+                  <a:srgbClr val="D4D4D4"/>
+                </a:solidFill>
+                <a:latin typeface=" Cascadia Code"/>
+              </a:rPr>
+              <a:t>(i1);</a:t>
+            </a:r>
+          </a:p>
+          <a:p>
+            <a:r>
+              <a:rPr lang="en-US" dirty="0">
+                <a:solidFill>
+                  <a:srgbClr val="D4D4D4"/>
+                </a:solidFill>
+                <a:latin typeface=" Cascadia Code"/>
+              </a:rPr>
+              <a:t>        }</a:t>
+            </a:r>
+          </a:p>
+          <a:p>
+            <a:endParaRPr lang="en-US" dirty="0">
+              <a:solidFill>
+                <a:srgbClr val="D4D4D4"/>
+              </a:solidFill>
+              <a:latin typeface=" Cascadia Code"/>
+            </a:endParaRPr>
+          </a:p>
+          <a:p>
+            <a:br>
+              <a:rPr lang="en-US" dirty="0">
+                <a:solidFill>
+                  <a:srgbClr val="D4D4D4"/>
+                </a:solidFill>
+                <a:latin typeface=" Cascadia Code"/>
+              </a:rPr>
+            </a:br>
+            <a:r>
+              <a:rPr lang="en-US" dirty="0">
+                <a:solidFill>
+                  <a:srgbClr val="D4D4D4"/>
+                </a:solidFill>
+                <a:latin typeface=" Cascadia Code"/>
+              </a:rPr>
+              <a:t>        </a:t>
+            </a:r>
+            <a:r>
+              <a:rPr lang="en-US" dirty="0" err="1">
+                <a:solidFill>
+                  <a:srgbClr val="DCDCAA"/>
+                </a:solidFill>
+                <a:latin typeface=" Cascadia Code"/>
+              </a:rPr>
+              <a:t>doSomething</a:t>
+            </a:r>
+            <a:r>
+              <a:rPr lang="en-US" dirty="0">
+                <a:solidFill>
+                  <a:srgbClr val="D4D4D4"/>
+                </a:solidFill>
+                <a:latin typeface=" Cascadia Code"/>
+              </a:rPr>
+              <a:t>(a);</a:t>
+            </a:r>
+          </a:p>
+          <a:p>
+            <a:br>
+              <a:rPr lang="en-US" dirty="0">
+                <a:solidFill>
+                  <a:srgbClr val="D4D4D4"/>
+                </a:solidFill>
+                <a:latin typeface=" Cascadia Code"/>
+              </a:rPr>
+            </a:br>
+            <a:r>
+              <a:rPr lang="en-US" dirty="0">
+                <a:solidFill>
+                  <a:srgbClr val="D4D4D4"/>
+                </a:solidFill>
+                <a:latin typeface=" Cascadia Code"/>
+              </a:rPr>
+              <a:t>        </a:t>
+            </a:r>
+            <a:r>
+              <a:rPr lang="en-US" dirty="0" err="1">
+                <a:solidFill>
+                  <a:srgbClr val="9CDCFE"/>
+                </a:solidFill>
+                <a:latin typeface=" Cascadia Code"/>
+              </a:rPr>
+              <a:t>System</a:t>
+            </a:r>
+            <a:r>
+              <a:rPr lang="en-US" dirty="0" err="1">
+                <a:solidFill>
+                  <a:srgbClr val="D4D4D4"/>
+                </a:solidFill>
+                <a:latin typeface=" Cascadia Code"/>
+              </a:rPr>
+              <a:t>.</a:t>
+            </a:r>
+            <a:r>
+              <a:rPr lang="en-US" dirty="0" err="1">
+                <a:solidFill>
+                  <a:srgbClr val="9CDCFE"/>
+                </a:solidFill>
+                <a:latin typeface=" Cascadia Code"/>
+              </a:rPr>
+              <a:t>out</a:t>
+            </a:r>
+            <a:r>
+              <a:rPr lang="en-US" dirty="0" err="1">
+                <a:solidFill>
+                  <a:srgbClr val="D4D4D4"/>
+                </a:solidFill>
+                <a:latin typeface=" Cascadia Code"/>
+              </a:rPr>
+              <a:t>.</a:t>
+            </a:r>
+            <a:r>
+              <a:rPr lang="en-US" dirty="0" err="1">
+                <a:solidFill>
+                  <a:srgbClr val="DCDCAA"/>
+                </a:solidFill>
+                <a:latin typeface=" Cascadia Code"/>
+              </a:rPr>
+              <a:t>println</a:t>
+            </a:r>
+            <a:r>
+              <a:rPr lang="en-US" dirty="0">
+                <a:solidFill>
+                  <a:srgbClr val="D4D4D4"/>
+                </a:solidFill>
+                <a:latin typeface=" Cascadia Code"/>
+              </a:rPr>
+              <a:t>(</a:t>
+            </a:r>
+            <a:r>
+              <a:rPr lang="en-US" dirty="0">
+                <a:solidFill>
+                  <a:srgbClr val="CE9178"/>
+                </a:solidFill>
+                <a:latin typeface=" Cascadia Code"/>
+              </a:rPr>
+              <a:t>"After:"</a:t>
+            </a:r>
+            <a:r>
+              <a:rPr lang="en-US" dirty="0">
+                <a:solidFill>
+                  <a:srgbClr val="D4D4D4"/>
+                </a:solidFill>
+                <a:latin typeface=" Cascadia Code"/>
+              </a:rPr>
+              <a:t>);</a:t>
+            </a:r>
+          </a:p>
+          <a:p>
+            <a:r>
+              <a:rPr lang="en-US" dirty="0">
+                <a:solidFill>
+                  <a:srgbClr val="D4D4D4"/>
+                </a:solidFill>
+                <a:latin typeface=" Cascadia Code"/>
+              </a:rPr>
+              <a:t>        </a:t>
+            </a:r>
+            <a:r>
+              <a:rPr lang="en-US" dirty="0">
+                <a:solidFill>
+                  <a:srgbClr val="C586C0"/>
+                </a:solidFill>
+                <a:latin typeface=" Cascadia Code"/>
+              </a:rPr>
+              <a:t>for</a:t>
+            </a:r>
+            <a:r>
+              <a:rPr lang="en-US" dirty="0">
+                <a:solidFill>
+                  <a:srgbClr val="D4D4D4"/>
+                </a:solidFill>
+                <a:latin typeface=" Cascadia Code"/>
+              </a:rPr>
+              <a:t>(</a:t>
+            </a:r>
+            <a:r>
+              <a:rPr lang="en-US" dirty="0">
+                <a:solidFill>
+                  <a:srgbClr val="4EC9B0"/>
+                </a:solidFill>
+                <a:latin typeface=" Cascadia Code"/>
+              </a:rPr>
+              <a:t>int</a:t>
+            </a:r>
+            <a:r>
+              <a:rPr lang="en-US" dirty="0">
+                <a:solidFill>
+                  <a:srgbClr val="D4D4D4"/>
+                </a:solidFill>
+                <a:latin typeface=" Cascadia Code"/>
+              </a:rPr>
+              <a:t> </a:t>
+            </a:r>
+            <a:r>
+              <a:rPr lang="en-US" dirty="0">
+                <a:solidFill>
+                  <a:srgbClr val="9CDCFE"/>
+                </a:solidFill>
+                <a:latin typeface=" Cascadia Code"/>
+              </a:rPr>
+              <a:t>i1</a:t>
+            </a:r>
+            <a:r>
+              <a:rPr lang="en-US" dirty="0">
+                <a:solidFill>
+                  <a:srgbClr val="C586C0"/>
+                </a:solidFill>
+                <a:latin typeface=" Cascadia Code"/>
+              </a:rPr>
+              <a:t>:</a:t>
+            </a:r>
+            <a:r>
+              <a:rPr lang="en-US" dirty="0">
+                <a:solidFill>
+                  <a:srgbClr val="D4D4D4"/>
+                </a:solidFill>
+                <a:latin typeface=" Cascadia Code"/>
+              </a:rPr>
+              <a:t> a){</a:t>
+            </a:r>
+          </a:p>
+          <a:p>
+            <a:r>
+              <a:rPr lang="en-US" dirty="0">
+                <a:solidFill>
+                  <a:srgbClr val="D4D4D4"/>
+                </a:solidFill>
+                <a:latin typeface=" Cascadia Code"/>
+              </a:rPr>
+              <a:t>            </a:t>
+            </a:r>
+            <a:r>
+              <a:rPr lang="en-US" dirty="0" err="1">
+                <a:solidFill>
+                  <a:srgbClr val="9CDCFE"/>
+                </a:solidFill>
+                <a:latin typeface=" Cascadia Code"/>
+              </a:rPr>
+              <a:t>System</a:t>
+            </a:r>
+            <a:r>
+              <a:rPr lang="en-US" dirty="0" err="1">
+                <a:solidFill>
+                  <a:srgbClr val="D4D4D4"/>
+                </a:solidFill>
+                <a:latin typeface=" Cascadia Code"/>
+              </a:rPr>
+              <a:t>.</a:t>
+            </a:r>
+            <a:r>
+              <a:rPr lang="en-US" dirty="0" err="1">
+                <a:solidFill>
+                  <a:srgbClr val="9CDCFE"/>
+                </a:solidFill>
+                <a:latin typeface=" Cascadia Code"/>
+              </a:rPr>
+              <a:t>out</a:t>
+            </a:r>
+            <a:r>
+              <a:rPr lang="en-US" dirty="0" err="1">
+                <a:solidFill>
+                  <a:srgbClr val="D4D4D4"/>
+                </a:solidFill>
+                <a:latin typeface=" Cascadia Code"/>
+              </a:rPr>
+              <a:t>.</a:t>
+            </a:r>
+            <a:r>
+              <a:rPr lang="en-US" dirty="0" err="1">
+                <a:solidFill>
+                  <a:srgbClr val="DCDCAA"/>
+                </a:solidFill>
+                <a:latin typeface=" Cascadia Code"/>
+              </a:rPr>
+              <a:t>println</a:t>
+            </a:r>
+            <a:r>
+              <a:rPr lang="en-US" dirty="0">
+                <a:solidFill>
+                  <a:srgbClr val="D4D4D4"/>
+                </a:solidFill>
+                <a:latin typeface=" Cascadia Code"/>
+              </a:rPr>
+              <a:t>(i1);</a:t>
+            </a:r>
+          </a:p>
+          <a:p>
+            <a:r>
+              <a:rPr lang="en-US" dirty="0">
+                <a:solidFill>
+                  <a:srgbClr val="D4D4D4"/>
+                </a:solidFill>
+                <a:latin typeface=" Cascadia Code"/>
+              </a:rPr>
+              <a:t>        }        </a:t>
+            </a:r>
+          </a:p>
+          <a:p>
+            <a:br>
+              <a:rPr lang="en-US" dirty="0">
+                <a:solidFill>
+                  <a:srgbClr val="D4D4D4"/>
+                </a:solidFill>
+                <a:latin typeface=" Cascadia Code"/>
+              </a:rPr>
+            </a:br>
+            <a:r>
+              <a:rPr lang="en-US" dirty="0">
+                <a:solidFill>
+                  <a:srgbClr val="D4D4D4"/>
+                </a:solidFill>
+                <a:latin typeface=" Cascadia Code"/>
+              </a:rPr>
+              <a:t>    }</a:t>
+            </a:r>
+          </a:p>
+          <a:p>
+            <a:br>
+              <a:rPr lang="en-US" dirty="0">
+                <a:solidFill>
+                  <a:srgbClr val="D4D4D4"/>
+                </a:solidFill>
+                <a:latin typeface=" Cascadia Code"/>
+              </a:rPr>
+            </a:br>
+            <a:r>
+              <a:rPr lang="en-US" dirty="0">
+                <a:solidFill>
+                  <a:srgbClr val="D4D4D4"/>
+                </a:solidFill>
+                <a:latin typeface=" Cascadia Code"/>
+              </a:rPr>
+              <a:t>    </a:t>
+            </a:r>
+            <a:r>
+              <a:rPr lang="en-US" dirty="0">
+                <a:solidFill>
+                  <a:srgbClr val="569CD6"/>
+                </a:solidFill>
+                <a:latin typeface=" Cascadia Code"/>
+              </a:rPr>
+              <a:t>public</a:t>
+            </a:r>
+            <a:r>
+              <a:rPr lang="en-US" dirty="0">
+                <a:solidFill>
+                  <a:srgbClr val="D4D4D4"/>
+                </a:solidFill>
+                <a:latin typeface=" Cascadia Code"/>
+              </a:rPr>
+              <a:t> </a:t>
+            </a:r>
+            <a:r>
+              <a:rPr lang="en-US" dirty="0">
+                <a:solidFill>
+                  <a:srgbClr val="569CD6"/>
+                </a:solidFill>
+                <a:latin typeface=" Cascadia Code"/>
+              </a:rPr>
+              <a:t>static</a:t>
+            </a:r>
+            <a:r>
+              <a:rPr lang="en-US" dirty="0">
+                <a:solidFill>
+                  <a:srgbClr val="D4D4D4"/>
+                </a:solidFill>
+                <a:latin typeface=" Cascadia Code"/>
+              </a:rPr>
+              <a:t> </a:t>
+            </a:r>
+            <a:r>
+              <a:rPr lang="en-US" dirty="0">
+                <a:solidFill>
+                  <a:srgbClr val="4EC9B0"/>
+                </a:solidFill>
+                <a:latin typeface=" Cascadia Code"/>
+              </a:rPr>
+              <a:t>void</a:t>
+            </a:r>
+            <a:r>
+              <a:rPr lang="en-US" dirty="0">
+                <a:solidFill>
+                  <a:srgbClr val="D4D4D4"/>
+                </a:solidFill>
+                <a:latin typeface=" Cascadia Code"/>
+              </a:rPr>
+              <a:t> </a:t>
+            </a:r>
+            <a:r>
+              <a:rPr lang="en-US" dirty="0" err="1">
+                <a:solidFill>
+                  <a:srgbClr val="DCDCAA"/>
+                </a:solidFill>
+                <a:latin typeface=" Cascadia Code"/>
+              </a:rPr>
+              <a:t>doSomething</a:t>
+            </a:r>
+            <a:r>
+              <a:rPr lang="en-US" dirty="0">
+                <a:solidFill>
+                  <a:srgbClr val="D4D4D4"/>
+                </a:solidFill>
+                <a:latin typeface=" Cascadia Code"/>
+              </a:rPr>
+              <a:t>(</a:t>
+            </a:r>
+            <a:r>
+              <a:rPr lang="en-US" dirty="0">
+                <a:solidFill>
+                  <a:srgbClr val="4EC9B0"/>
+                </a:solidFill>
+                <a:latin typeface=" Cascadia Code"/>
+              </a:rPr>
+              <a:t>int</a:t>
+            </a:r>
+            <a:r>
+              <a:rPr lang="en-US" dirty="0">
+                <a:solidFill>
+                  <a:srgbClr val="D4D4D4"/>
+                </a:solidFill>
+                <a:latin typeface=" Cascadia Code"/>
+              </a:rPr>
+              <a:t>[] </a:t>
+            </a:r>
+            <a:r>
+              <a:rPr lang="en-US" dirty="0">
+                <a:solidFill>
+                  <a:srgbClr val="9CDCFE"/>
+                </a:solidFill>
+                <a:latin typeface=" Cascadia Code"/>
+              </a:rPr>
+              <a:t>arr1</a:t>
+            </a:r>
+            <a:r>
+              <a:rPr lang="en-US" dirty="0">
+                <a:solidFill>
+                  <a:srgbClr val="D4D4D4"/>
+                </a:solidFill>
+                <a:latin typeface=" Cascadia Code"/>
+              </a:rPr>
+              <a:t>){</a:t>
+            </a:r>
+          </a:p>
+          <a:p>
+            <a:r>
+              <a:rPr lang="en-US" dirty="0">
+                <a:solidFill>
+                  <a:srgbClr val="D4D4D4"/>
+                </a:solidFill>
+                <a:latin typeface=" Cascadia Code"/>
+              </a:rPr>
+              <a:t>        </a:t>
+            </a:r>
+            <a:r>
+              <a:rPr lang="en-US" dirty="0">
+                <a:solidFill>
+                  <a:srgbClr val="C586C0"/>
+                </a:solidFill>
+                <a:latin typeface=" Cascadia Code"/>
+              </a:rPr>
+              <a:t>for</a:t>
+            </a:r>
+            <a:r>
+              <a:rPr lang="en-US" dirty="0">
+                <a:solidFill>
+                  <a:srgbClr val="D4D4D4"/>
+                </a:solidFill>
+                <a:latin typeface=" Cascadia Code"/>
+              </a:rPr>
+              <a:t>(</a:t>
+            </a:r>
+            <a:r>
+              <a:rPr lang="en-US" dirty="0">
+                <a:solidFill>
+                  <a:srgbClr val="4EC9B0"/>
+                </a:solidFill>
+                <a:latin typeface=" Cascadia Code"/>
+              </a:rPr>
+              <a:t>int</a:t>
+            </a:r>
+            <a:r>
+              <a:rPr lang="en-US" dirty="0">
+                <a:solidFill>
+                  <a:srgbClr val="D4D4D4"/>
+                </a:solidFill>
+                <a:latin typeface=" Cascadia Code"/>
+              </a:rPr>
+              <a:t> </a:t>
+            </a:r>
+            <a:r>
+              <a:rPr lang="en-US" dirty="0" err="1">
+                <a:solidFill>
+                  <a:srgbClr val="9CDCFE"/>
+                </a:solidFill>
+                <a:latin typeface=" Cascadia Code"/>
+              </a:rPr>
+              <a:t>i</a:t>
+            </a:r>
+            <a:r>
+              <a:rPr lang="en-US" dirty="0">
+                <a:solidFill>
+                  <a:srgbClr val="D4D4D4"/>
+                </a:solidFill>
+                <a:latin typeface=" Cascadia Code"/>
+              </a:rPr>
+              <a:t> = </a:t>
+            </a:r>
+            <a:r>
+              <a:rPr lang="en-US" dirty="0">
+                <a:solidFill>
+                  <a:srgbClr val="B5CEA8"/>
+                </a:solidFill>
+                <a:latin typeface=" Cascadia Code"/>
+              </a:rPr>
+              <a:t>0</a:t>
+            </a:r>
+            <a:r>
+              <a:rPr lang="en-US" dirty="0">
+                <a:solidFill>
+                  <a:srgbClr val="D4D4D4"/>
+                </a:solidFill>
+                <a:latin typeface=" Cascadia Code"/>
+              </a:rPr>
+              <a:t>; </a:t>
+            </a:r>
+            <a:r>
+              <a:rPr lang="en-US" dirty="0" err="1">
+                <a:solidFill>
+                  <a:srgbClr val="D4D4D4"/>
+                </a:solidFill>
+                <a:latin typeface=" Cascadia Code"/>
+              </a:rPr>
+              <a:t>i</a:t>
+            </a:r>
+            <a:r>
+              <a:rPr lang="en-US" dirty="0">
+                <a:solidFill>
+                  <a:srgbClr val="D4D4D4"/>
+                </a:solidFill>
+                <a:latin typeface=" Cascadia Code"/>
+              </a:rPr>
+              <a:t>&lt;</a:t>
+            </a:r>
+            <a:r>
+              <a:rPr lang="en-US" dirty="0">
+                <a:solidFill>
+                  <a:srgbClr val="9CDCFE"/>
+                </a:solidFill>
+                <a:latin typeface=" Cascadia Code"/>
+              </a:rPr>
+              <a:t>arr1</a:t>
+            </a:r>
+            <a:r>
+              <a:rPr lang="en-US" dirty="0">
+                <a:solidFill>
+                  <a:srgbClr val="D4D4D4"/>
+                </a:solidFill>
+                <a:latin typeface=" Cascadia Code"/>
+              </a:rPr>
+              <a:t>.</a:t>
+            </a:r>
+            <a:r>
+              <a:rPr lang="en-US" dirty="0">
+                <a:solidFill>
+                  <a:srgbClr val="9CDCFE"/>
+                </a:solidFill>
+                <a:latin typeface=" Cascadia Code"/>
+              </a:rPr>
+              <a:t>length</a:t>
+            </a:r>
+            <a:r>
+              <a:rPr lang="en-US" dirty="0">
+                <a:solidFill>
+                  <a:srgbClr val="D4D4D4"/>
+                </a:solidFill>
+                <a:latin typeface=" Cascadia Code"/>
+              </a:rPr>
+              <a:t>; </a:t>
+            </a:r>
+            <a:r>
+              <a:rPr lang="en-US" dirty="0" err="1">
+                <a:solidFill>
+                  <a:srgbClr val="D4D4D4"/>
+                </a:solidFill>
+                <a:latin typeface=" Cascadia Code"/>
+              </a:rPr>
+              <a:t>i</a:t>
+            </a:r>
+            <a:r>
+              <a:rPr lang="en-US" dirty="0">
+                <a:solidFill>
+                  <a:srgbClr val="D4D4D4"/>
+                </a:solidFill>
+                <a:latin typeface=" Cascadia Code"/>
+              </a:rPr>
+              <a:t>++){</a:t>
+            </a:r>
+          </a:p>
+          <a:p>
+            <a:r>
+              <a:rPr lang="en-US" dirty="0">
+                <a:solidFill>
+                  <a:srgbClr val="D4D4D4"/>
+                </a:solidFill>
+                <a:latin typeface=" Cascadia Code"/>
+              </a:rPr>
+              <a:t>            arr1[</a:t>
+            </a:r>
+            <a:r>
+              <a:rPr lang="en-US" dirty="0" err="1">
+                <a:solidFill>
+                  <a:srgbClr val="D4D4D4"/>
+                </a:solidFill>
+                <a:latin typeface=" Cascadia Code"/>
+              </a:rPr>
+              <a:t>i</a:t>
+            </a:r>
+            <a:r>
+              <a:rPr lang="en-US" dirty="0">
+                <a:solidFill>
+                  <a:srgbClr val="D4D4D4"/>
+                </a:solidFill>
+                <a:latin typeface=" Cascadia Code"/>
+              </a:rPr>
+              <a:t>]++;</a:t>
+            </a:r>
+          </a:p>
+          <a:p>
+            <a:r>
+              <a:rPr lang="en-US" dirty="0">
+                <a:solidFill>
+                  <a:srgbClr val="D4D4D4"/>
+                </a:solidFill>
+                <a:latin typeface=" Cascadia Code"/>
+              </a:rPr>
+              <a:t>        }</a:t>
+            </a:r>
+          </a:p>
+          <a:p>
+            <a:r>
+              <a:rPr lang="en-US" dirty="0">
+                <a:solidFill>
+                  <a:srgbClr val="D4D4D4"/>
+                </a:solidFill>
+                <a:latin typeface=" Cascadia Code"/>
+              </a:rPr>
+              <a:t>    }</a:t>
+            </a:r>
+            <a:endParaRPr lang="en-US" b="0" dirty="0">
+              <a:solidFill>
+                <a:srgbClr val="D4D4D4"/>
+              </a:solidFill>
+              <a:effectLst/>
+              <a:latin typeface=" Cascadia Code"/>
+            </a:endParaRPr>
+          </a:p>
+        </p:txBody>
+      </p:sp>
+      <p:sp>
+        <p:nvSpPr>
+          <p:cNvPr id="3" name="TextBox 2">
+            <a:extLst>
+              <a:ext uri="{FF2B5EF4-FFF2-40B4-BE49-F238E27FC236}">
+                <a16:creationId xmlns:a16="http://schemas.microsoft.com/office/drawing/2014/main" id="{1403CC3F-113B-4DA0-9E38-AA206284A1E9}"/>
+              </a:ext>
+            </a:extLst>
+          </p:cNvPr>
+          <p:cNvSpPr txBox="1"/>
+          <p:nvPr/>
+        </p:nvSpPr>
+        <p:spPr>
+          <a:xfrm>
+            <a:off x="6883400" y="335845"/>
+            <a:ext cx="1879600" cy="2308324"/>
+          </a:xfrm>
+          <a:prstGeom prst="rect">
+            <a:avLst/>
+          </a:prstGeom>
+          <a:noFill/>
+        </p:spPr>
+        <p:txBody>
+          <a:bodyPr wrap="square" rtlCol="0">
+            <a:spAutoFit/>
+          </a:bodyPr>
+          <a:lstStyle/>
+          <a:p>
+            <a:r>
+              <a:rPr lang="es-MX" dirty="0" err="1">
+                <a:solidFill>
+                  <a:srgbClr val="F96161"/>
+                </a:solidFill>
+                <a:latin typeface="Cascadia Code" panose="020B0509020204030204" pitchFamily="49" charset="0"/>
+              </a:rPr>
+              <a:t>Before</a:t>
+            </a:r>
+            <a:r>
+              <a:rPr lang="es-MX" dirty="0">
+                <a:solidFill>
+                  <a:srgbClr val="F96161"/>
+                </a:solidFill>
+                <a:latin typeface="Cascadia Code" panose="020B0509020204030204" pitchFamily="49" charset="0"/>
+              </a:rPr>
+              <a:t>:</a:t>
+            </a:r>
+          </a:p>
+          <a:p>
+            <a:r>
+              <a:rPr lang="es-MX" dirty="0">
+                <a:solidFill>
+                  <a:srgbClr val="F96161"/>
+                </a:solidFill>
+                <a:latin typeface="Cascadia Code" panose="020B0509020204030204" pitchFamily="49" charset="0"/>
+              </a:rPr>
+              <a:t>1</a:t>
+            </a:r>
+          </a:p>
+          <a:p>
+            <a:r>
+              <a:rPr lang="es-MX" dirty="0">
+                <a:solidFill>
+                  <a:srgbClr val="F96161"/>
+                </a:solidFill>
+                <a:latin typeface="Cascadia Code" panose="020B0509020204030204" pitchFamily="49" charset="0"/>
+              </a:rPr>
+              <a:t>5</a:t>
+            </a:r>
+          </a:p>
+          <a:p>
+            <a:r>
+              <a:rPr lang="es-MX" dirty="0">
+                <a:solidFill>
+                  <a:srgbClr val="F96161"/>
+                </a:solidFill>
+                <a:latin typeface="Cascadia Code" panose="020B0509020204030204" pitchFamily="49" charset="0"/>
+              </a:rPr>
+              <a:t>7</a:t>
+            </a:r>
+          </a:p>
+          <a:p>
+            <a:r>
+              <a:rPr lang="es-MX" dirty="0">
+                <a:solidFill>
+                  <a:srgbClr val="F96161"/>
+                </a:solidFill>
+                <a:latin typeface="Cascadia Code" panose="020B0509020204030204" pitchFamily="49" charset="0"/>
+              </a:rPr>
+              <a:t>After:</a:t>
+            </a:r>
+          </a:p>
+          <a:p>
+            <a:r>
+              <a:rPr lang="es-MX" dirty="0">
+                <a:solidFill>
+                  <a:srgbClr val="F96161"/>
+                </a:solidFill>
+                <a:latin typeface="Cascadia Code" panose="020B0509020204030204" pitchFamily="49" charset="0"/>
+              </a:rPr>
+              <a:t>2</a:t>
+            </a:r>
+          </a:p>
+          <a:p>
+            <a:r>
+              <a:rPr lang="es-MX" dirty="0">
+                <a:solidFill>
+                  <a:srgbClr val="F96161"/>
+                </a:solidFill>
+                <a:latin typeface="Cascadia Code" panose="020B0509020204030204" pitchFamily="49" charset="0"/>
+              </a:rPr>
+              <a:t>6</a:t>
+            </a:r>
+          </a:p>
+          <a:p>
+            <a:r>
+              <a:rPr lang="es-MX" dirty="0">
+                <a:solidFill>
+                  <a:srgbClr val="F96161"/>
+                </a:solidFill>
+                <a:latin typeface="Cascadia Code" panose="020B0509020204030204" pitchFamily="49" charset="0"/>
+              </a:rPr>
+              <a:t>8</a:t>
+            </a:r>
+            <a:endParaRPr lang="en-US" dirty="0">
+              <a:solidFill>
+                <a:srgbClr val="F96161"/>
+              </a:solidFill>
+              <a:latin typeface="Cascadia Code" panose="020B0509020204030204" pitchFamily="49" charset="0"/>
+            </a:endParaRPr>
+          </a:p>
+        </p:txBody>
+      </p:sp>
+    </p:spTree>
+    <p:extLst>
+      <p:ext uri="{BB962C8B-B14F-4D97-AF65-F5344CB8AC3E}">
+        <p14:creationId xmlns:p14="http://schemas.microsoft.com/office/powerpoint/2010/main" val="52747785"/>
+      </p:ext>
+    </p:extLst>
+  </p:cSld>
+  <p:clrMapOvr>
+    <a:masterClrMapping/>
+  </p:clrMapOvr>
+  <p:timing>
+    <p:tnLst>
+      <p:par>
+        <p:cTn id="1" dur="indefinite" restart="never" nodeType="tmRoot">
+          <p:childTnLst>
+            <p:seq concurrent="1" nextAc="seek">
+              <p:cTn id="2" dur="indefinite" nodeType="mainSeq">
+                <p:childTnLst>
+                  <p:par>
+                    <p:cTn id="3" fill="hold">
+                      <p:stCondLst>
+                        <p:cond delay="indefinite"/>
+                      </p:stCondLst>
+                      <p:childTnLst>
+                        <p:par>
+                          <p:cTn id="4" fill="hold">
+                            <p:stCondLst>
+                              <p:cond delay="0"/>
+                            </p:stCondLst>
+                            <p:childTnLst>
+                              <p:par>
+                                <p:cTn id="5" presetID="1" presetClass="entr" presetSubtype="0" fill="hold" nodeType="clickEffect">
+                                  <p:stCondLst>
+                                    <p:cond delay="0"/>
+                                  </p:stCondLst>
+                                  <p:childTnLst>
+                                    <p:set>
+                                      <p:cBhvr>
+                                        <p:cTn id="6" dur="1" fill="hold">
+                                          <p:stCondLst>
+                                            <p:cond delay="0"/>
+                                          </p:stCondLst>
+                                        </p:cTn>
+                                        <p:tgtEl>
+                                          <p:spTgt spid="2">
+                                            <p:txEl>
+                                              <p:pRg st="1" end="1"/>
+                                            </p:txEl>
+                                          </p:spTgt>
+                                        </p:tgtEl>
+                                        <p:attrNameLst>
+                                          <p:attrName>style.visibility</p:attrName>
+                                        </p:attrNameLst>
+                                      </p:cBhvr>
+                                      <p:to>
+                                        <p:strVal val="visible"/>
+                                      </p:to>
+                                    </p:set>
+                                  </p:childTnLst>
+                                </p:cTn>
+                              </p:par>
+                              <p:par>
+                                <p:cTn id="7" presetID="1" presetClass="entr" presetSubtype="0" fill="hold" nodeType="withEffect">
+                                  <p:stCondLst>
+                                    <p:cond delay="0"/>
+                                  </p:stCondLst>
+                                  <p:childTnLst>
+                                    <p:set>
+                                      <p:cBhvr>
+                                        <p:cTn id="8" dur="1" fill="hold">
+                                          <p:stCondLst>
+                                            <p:cond delay="0"/>
+                                          </p:stCondLst>
+                                        </p:cTn>
+                                        <p:tgtEl>
+                                          <p:spTgt spid="2">
+                                            <p:txEl>
+                                              <p:pRg st="2" end="2"/>
+                                            </p:txEl>
+                                          </p:spTgt>
+                                        </p:tgtEl>
+                                        <p:attrNameLst>
+                                          <p:attrName>style.visibility</p:attrName>
+                                        </p:attrNameLst>
+                                      </p:cBhvr>
+                                      <p:to>
+                                        <p:strVal val="visible"/>
+                                      </p:to>
+                                    </p:set>
+                                  </p:childTnLst>
+                                </p:cTn>
+                              </p:par>
+                              <p:par>
+                                <p:cTn id="9" presetID="1" presetClass="entr" presetSubtype="0" fill="hold" nodeType="withEffect">
+                                  <p:stCondLst>
+                                    <p:cond delay="0"/>
+                                  </p:stCondLst>
+                                  <p:childTnLst>
+                                    <p:set>
+                                      <p:cBhvr>
+                                        <p:cTn id="10" dur="1" fill="hold">
+                                          <p:stCondLst>
+                                            <p:cond delay="0"/>
+                                          </p:stCondLst>
+                                        </p:cTn>
+                                        <p:tgtEl>
+                                          <p:spTgt spid="2">
+                                            <p:txEl>
+                                              <p:pRg st="3" end="3"/>
+                                            </p:txEl>
+                                          </p:spTgt>
+                                        </p:tgtEl>
+                                        <p:attrNameLst>
+                                          <p:attrName>style.visibility</p:attrName>
+                                        </p:attrNameLst>
+                                      </p:cBhvr>
+                                      <p:to>
+                                        <p:strVal val="visible"/>
+                                      </p:to>
+                                    </p:set>
+                                  </p:childTnLst>
+                                </p:cTn>
+                              </p:par>
+                              <p:par>
+                                <p:cTn id="11" presetID="1" presetClass="entr" presetSubtype="0" fill="hold" nodeType="withEffect">
+                                  <p:stCondLst>
+                                    <p:cond delay="0"/>
+                                  </p:stCondLst>
+                                  <p:childTnLst>
+                                    <p:set>
+                                      <p:cBhvr>
+                                        <p:cTn id="12" dur="1" fill="hold">
+                                          <p:stCondLst>
+                                            <p:cond delay="0"/>
+                                          </p:stCondLst>
+                                        </p:cTn>
+                                        <p:tgtEl>
+                                          <p:spTgt spid="2">
+                                            <p:txEl>
+                                              <p:pRg st="4" end="4"/>
+                                            </p:txEl>
+                                          </p:spTgt>
+                                        </p:tgtEl>
+                                        <p:attrNameLst>
+                                          <p:attrName>style.visibility</p:attrName>
+                                        </p:attrNameLst>
+                                      </p:cBhvr>
+                                      <p:to>
+                                        <p:strVal val="visible"/>
+                                      </p:to>
+                                    </p:set>
+                                  </p:childTnLst>
+                                </p:cTn>
+                              </p:par>
+                              <p:par>
+                                <p:cTn id="13" presetID="1" presetClass="entr" presetSubtype="0" fill="hold" nodeType="withEffect">
+                                  <p:stCondLst>
+                                    <p:cond delay="0"/>
+                                  </p:stCondLst>
+                                  <p:childTnLst>
+                                    <p:set>
+                                      <p:cBhvr>
+                                        <p:cTn id="14" dur="1" fill="hold">
+                                          <p:stCondLst>
+                                            <p:cond delay="0"/>
+                                          </p:stCondLst>
+                                        </p:cTn>
+                                        <p:tgtEl>
+                                          <p:spTgt spid="2">
+                                            <p:txEl>
+                                              <p:pRg st="5" end="5"/>
+                                            </p:txEl>
+                                          </p:spTgt>
+                                        </p:tgtEl>
+                                        <p:attrNameLst>
+                                          <p:attrName>style.visibility</p:attrName>
+                                        </p:attrNameLst>
+                                      </p:cBhvr>
+                                      <p:to>
+                                        <p:strVal val="visible"/>
+                                      </p:to>
+                                    </p:set>
+                                  </p:childTnLst>
+                                </p:cTn>
+                              </p:par>
+                              <p:par>
+                                <p:cTn id="15" presetID="1" presetClass="entr" presetSubtype="0" fill="hold" nodeType="withEffect">
+                                  <p:stCondLst>
+                                    <p:cond delay="0"/>
+                                  </p:stCondLst>
+                                  <p:childTnLst>
+                                    <p:set>
+                                      <p:cBhvr>
+                                        <p:cTn id="16" dur="1" fill="hold">
+                                          <p:stCondLst>
+                                            <p:cond delay="0"/>
+                                          </p:stCondLst>
+                                        </p:cTn>
+                                        <p:tgtEl>
+                                          <p:spTgt spid="3">
+                                            <p:txEl>
+                                              <p:pRg st="0" end="0"/>
+                                            </p:txEl>
+                                          </p:spTgt>
+                                        </p:tgtEl>
+                                        <p:attrNameLst>
+                                          <p:attrName>style.visibility</p:attrName>
+                                        </p:attrNameLst>
+                                      </p:cBhvr>
+                                      <p:to>
+                                        <p:strVal val="visible"/>
+                                      </p:to>
+                                    </p:set>
+                                  </p:childTnLst>
+                                </p:cTn>
+                              </p:par>
+                              <p:par>
+                                <p:cTn id="17" presetID="1" presetClass="entr" presetSubtype="0" fill="hold" nodeType="withEffect">
+                                  <p:stCondLst>
+                                    <p:cond delay="0"/>
+                                  </p:stCondLst>
+                                  <p:childTnLst>
+                                    <p:set>
+                                      <p:cBhvr>
+                                        <p:cTn id="18" dur="1" fill="hold">
+                                          <p:stCondLst>
+                                            <p:cond delay="0"/>
+                                          </p:stCondLst>
+                                        </p:cTn>
+                                        <p:tgtEl>
+                                          <p:spTgt spid="3">
+                                            <p:txEl>
+                                              <p:pRg st="1" end="1"/>
+                                            </p:txEl>
+                                          </p:spTgt>
+                                        </p:tgtEl>
+                                        <p:attrNameLst>
+                                          <p:attrName>style.visibility</p:attrName>
+                                        </p:attrNameLst>
+                                      </p:cBhvr>
+                                      <p:to>
+                                        <p:strVal val="visible"/>
+                                      </p:to>
+                                    </p:set>
+                                  </p:childTnLst>
+                                </p:cTn>
+                              </p:par>
+                              <p:par>
+                                <p:cTn id="19" presetID="1" presetClass="entr" presetSubtype="0" fill="hold" nodeType="withEffect">
+                                  <p:stCondLst>
+                                    <p:cond delay="0"/>
+                                  </p:stCondLst>
+                                  <p:childTnLst>
+                                    <p:set>
+                                      <p:cBhvr>
+                                        <p:cTn id="20" dur="1" fill="hold">
+                                          <p:stCondLst>
+                                            <p:cond delay="0"/>
+                                          </p:stCondLst>
+                                        </p:cTn>
+                                        <p:tgtEl>
+                                          <p:spTgt spid="3">
+                                            <p:txEl>
+                                              <p:pRg st="2" end="2"/>
+                                            </p:txEl>
+                                          </p:spTgt>
+                                        </p:tgtEl>
+                                        <p:attrNameLst>
+                                          <p:attrName>style.visibility</p:attrName>
+                                        </p:attrNameLst>
+                                      </p:cBhvr>
+                                      <p:to>
+                                        <p:strVal val="visible"/>
+                                      </p:to>
+                                    </p:set>
+                                  </p:childTnLst>
+                                </p:cTn>
+                              </p:par>
+                              <p:par>
+                                <p:cTn id="21" presetID="1" presetClass="entr" presetSubtype="0" fill="hold" nodeType="withEffect">
+                                  <p:stCondLst>
+                                    <p:cond delay="0"/>
+                                  </p:stCondLst>
+                                  <p:childTnLst>
+                                    <p:set>
+                                      <p:cBhvr>
+                                        <p:cTn id="22" dur="1" fill="hold">
+                                          <p:stCondLst>
+                                            <p:cond delay="0"/>
+                                          </p:stCondLst>
+                                        </p:cTn>
+                                        <p:tgtEl>
+                                          <p:spTgt spid="3">
+                                            <p:txEl>
+                                              <p:pRg st="3" end="3"/>
+                                            </p:txEl>
+                                          </p:spTgt>
+                                        </p:tgtEl>
+                                        <p:attrNameLst>
+                                          <p:attrName>style.visibility</p:attrName>
+                                        </p:attrNameLst>
+                                      </p:cBhvr>
+                                      <p:to>
+                                        <p:strVal val="visible"/>
+                                      </p:to>
+                                    </p:set>
+                                  </p:childTnLst>
+                                </p:cTn>
+                              </p:par>
+                            </p:childTnLst>
+                          </p:cTn>
+                        </p:par>
+                      </p:childTnLst>
+                    </p:cTn>
+                  </p:par>
+                  <p:par>
+                    <p:cTn id="23" fill="hold">
+                      <p:stCondLst>
+                        <p:cond delay="indefinite"/>
+                      </p:stCondLst>
+                      <p:childTnLst>
+                        <p:par>
+                          <p:cTn id="24" fill="hold">
+                            <p:stCondLst>
+                              <p:cond delay="0"/>
+                            </p:stCondLst>
+                            <p:childTnLst>
+                              <p:par>
+                                <p:cTn id="25" presetID="1" presetClass="entr" presetSubtype="0" fill="hold" nodeType="clickEffect">
+                                  <p:stCondLst>
+                                    <p:cond delay="0"/>
+                                  </p:stCondLst>
+                                  <p:childTnLst>
+                                    <p:set>
+                                      <p:cBhvr>
+                                        <p:cTn id="26" dur="1" fill="hold">
+                                          <p:stCondLst>
+                                            <p:cond delay="0"/>
+                                          </p:stCondLst>
+                                        </p:cTn>
+                                        <p:tgtEl>
+                                          <p:spTgt spid="2">
+                                            <p:txEl>
+                                              <p:pRg st="7" end="7"/>
+                                            </p:txEl>
+                                          </p:spTgt>
+                                        </p:tgtEl>
+                                        <p:attrNameLst>
+                                          <p:attrName>style.visibility</p:attrName>
+                                        </p:attrNameLst>
+                                      </p:cBhvr>
+                                      <p:to>
+                                        <p:strVal val="visible"/>
+                                      </p:to>
+                                    </p:set>
+                                  </p:childTnLst>
+                                </p:cTn>
+                              </p:par>
+                            </p:childTnLst>
+                          </p:cTn>
+                        </p:par>
+                      </p:childTnLst>
+                    </p:cTn>
+                  </p:par>
+                  <p:par>
+                    <p:cTn id="27" fill="hold">
+                      <p:stCondLst>
+                        <p:cond delay="indefinite"/>
+                      </p:stCondLst>
+                      <p:childTnLst>
+                        <p:par>
+                          <p:cTn id="28" fill="hold">
+                            <p:stCondLst>
+                              <p:cond delay="0"/>
+                            </p:stCondLst>
+                            <p:childTnLst>
+                              <p:par>
+                                <p:cTn id="29" presetID="1" presetClass="entr" presetSubtype="0" fill="hold" nodeType="clickEffect">
+                                  <p:stCondLst>
+                                    <p:cond delay="0"/>
+                                  </p:stCondLst>
+                                  <p:childTnLst>
+                                    <p:set>
+                                      <p:cBhvr>
+                                        <p:cTn id="30" dur="1" fill="hold">
+                                          <p:stCondLst>
+                                            <p:cond delay="0"/>
+                                          </p:stCondLst>
+                                        </p:cTn>
+                                        <p:tgtEl>
+                                          <p:spTgt spid="2">
+                                            <p:txEl>
+                                              <p:pRg st="13" end="13"/>
+                                            </p:txEl>
+                                          </p:spTgt>
+                                        </p:tgtEl>
+                                        <p:attrNameLst>
+                                          <p:attrName>style.visibility</p:attrName>
+                                        </p:attrNameLst>
+                                      </p:cBhvr>
+                                      <p:to>
+                                        <p:strVal val="visible"/>
+                                      </p:to>
+                                    </p:set>
+                                  </p:childTnLst>
+                                </p:cTn>
+                              </p:par>
+                              <p:par>
+                                <p:cTn id="31" presetID="1" presetClass="entr" presetSubtype="0" fill="hold" nodeType="withEffect">
+                                  <p:stCondLst>
+                                    <p:cond delay="0"/>
+                                  </p:stCondLst>
+                                  <p:childTnLst>
+                                    <p:set>
+                                      <p:cBhvr>
+                                        <p:cTn id="32" dur="1" fill="hold">
+                                          <p:stCondLst>
+                                            <p:cond delay="0"/>
+                                          </p:stCondLst>
+                                        </p:cTn>
+                                        <p:tgtEl>
+                                          <p:spTgt spid="2">
+                                            <p:txEl>
+                                              <p:pRg st="14" end="14"/>
+                                            </p:txEl>
+                                          </p:spTgt>
+                                        </p:tgtEl>
+                                        <p:attrNameLst>
+                                          <p:attrName>style.visibility</p:attrName>
+                                        </p:attrNameLst>
+                                      </p:cBhvr>
+                                      <p:to>
+                                        <p:strVal val="visible"/>
+                                      </p:to>
+                                    </p:set>
+                                  </p:childTnLst>
+                                </p:cTn>
+                              </p:par>
+                              <p:par>
+                                <p:cTn id="33" presetID="1" presetClass="entr" presetSubtype="0" fill="hold" nodeType="withEffect">
+                                  <p:stCondLst>
+                                    <p:cond delay="0"/>
+                                  </p:stCondLst>
+                                  <p:childTnLst>
+                                    <p:set>
+                                      <p:cBhvr>
+                                        <p:cTn id="34" dur="1" fill="hold">
+                                          <p:stCondLst>
+                                            <p:cond delay="0"/>
+                                          </p:stCondLst>
+                                        </p:cTn>
+                                        <p:tgtEl>
+                                          <p:spTgt spid="2">
+                                            <p:txEl>
+                                              <p:pRg st="15" end="15"/>
+                                            </p:txEl>
+                                          </p:spTgt>
+                                        </p:tgtEl>
+                                        <p:attrNameLst>
+                                          <p:attrName>style.visibility</p:attrName>
+                                        </p:attrNameLst>
+                                      </p:cBhvr>
+                                      <p:to>
+                                        <p:strVal val="visible"/>
+                                      </p:to>
+                                    </p:set>
+                                  </p:childTnLst>
+                                </p:cTn>
+                              </p:par>
+                              <p:par>
+                                <p:cTn id="35" presetID="1" presetClass="entr" presetSubtype="0" fill="hold" nodeType="withEffect">
+                                  <p:stCondLst>
+                                    <p:cond delay="0"/>
+                                  </p:stCondLst>
+                                  <p:childTnLst>
+                                    <p:set>
+                                      <p:cBhvr>
+                                        <p:cTn id="36" dur="1" fill="hold">
+                                          <p:stCondLst>
+                                            <p:cond delay="0"/>
+                                          </p:stCondLst>
+                                        </p:cTn>
+                                        <p:tgtEl>
+                                          <p:spTgt spid="2">
+                                            <p:txEl>
+                                              <p:pRg st="16" end="16"/>
+                                            </p:txEl>
+                                          </p:spTgt>
+                                        </p:tgtEl>
+                                        <p:attrNameLst>
+                                          <p:attrName>style.visibility</p:attrName>
+                                        </p:attrNameLst>
+                                      </p:cBhvr>
+                                      <p:to>
+                                        <p:strVal val="visible"/>
+                                      </p:to>
+                                    </p:set>
+                                  </p:childTnLst>
+                                </p:cTn>
+                              </p:par>
+                              <p:par>
+                                <p:cTn id="37" presetID="1" presetClass="entr" presetSubtype="0" fill="hold" nodeType="withEffect">
+                                  <p:stCondLst>
+                                    <p:cond delay="0"/>
+                                  </p:stCondLst>
+                                  <p:childTnLst>
+                                    <p:set>
+                                      <p:cBhvr>
+                                        <p:cTn id="38" dur="1" fill="hold">
+                                          <p:stCondLst>
+                                            <p:cond delay="0"/>
+                                          </p:stCondLst>
+                                        </p:cTn>
+                                        <p:tgtEl>
+                                          <p:spTgt spid="2">
+                                            <p:txEl>
+                                              <p:pRg st="17" end="17"/>
+                                            </p:txEl>
+                                          </p:spTgt>
+                                        </p:tgtEl>
+                                        <p:attrNameLst>
+                                          <p:attrName>style.visibility</p:attrName>
+                                        </p:attrNameLst>
+                                      </p:cBhvr>
+                                      <p:to>
+                                        <p:strVal val="visible"/>
+                                      </p:to>
+                                    </p:set>
+                                  </p:childTnLst>
+                                </p:cTn>
+                              </p:par>
+                            </p:childTnLst>
+                          </p:cTn>
+                        </p:par>
+                      </p:childTnLst>
+                    </p:cTn>
+                  </p:par>
+                  <p:par>
+                    <p:cTn id="39" fill="hold">
+                      <p:stCondLst>
+                        <p:cond delay="indefinite"/>
+                      </p:stCondLst>
+                      <p:childTnLst>
+                        <p:par>
+                          <p:cTn id="40" fill="hold">
+                            <p:stCondLst>
+                              <p:cond delay="0"/>
+                            </p:stCondLst>
+                            <p:childTnLst>
+                              <p:par>
+                                <p:cTn id="41" presetID="1" presetClass="entr" presetSubtype="0" fill="hold" nodeType="clickEffect">
+                                  <p:stCondLst>
+                                    <p:cond delay="0"/>
+                                  </p:stCondLst>
+                                  <p:childTnLst>
+                                    <p:set>
+                                      <p:cBhvr>
+                                        <p:cTn id="42" dur="1" fill="hold">
+                                          <p:stCondLst>
+                                            <p:cond delay="0"/>
+                                          </p:stCondLst>
+                                        </p:cTn>
+                                        <p:tgtEl>
+                                          <p:spTgt spid="2">
+                                            <p:txEl>
+                                              <p:pRg st="8" end="8"/>
+                                            </p:txEl>
+                                          </p:spTgt>
+                                        </p:tgtEl>
+                                        <p:attrNameLst>
+                                          <p:attrName>style.visibility</p:attrName>
+                                        </p:attrNameLst>
+                                      </p:cBhvr>
+                                      <p:to>
+                                        <p:strVal val="visible"/>
+                                      </p:to>
+                                    </p:set>
+                                  </p:childTnLst>
+                                </p:cTn>
+                              </p:par>
+                              <p:par>
+                                <p:cTn id="43" presetID="1" presetClass="entr" presetSubtype="0" fill="hold" nodeType="withEffect">
+                                  <p:stCondLst>
+                                    <p:cond delay="0"/>
+                                  </p:stCondLst>
+                                  <p:childTnLst>
+                                    <p:set>
+                                      <p:cBhvr>
+                                        <p:cTn id="44" dur="1" fill="hold">
+                                          <p:stCondLst>
+                                            <p:cond delay="0"/>
+                                          </p:stCondLst>
+                                        </p:cTn>
+                                        <p:tgtEl>
+                                          <p:spTgt spid="2">
+                                            <p:txEl>
+                                              <p:pRg st="9" end="9"/>
+                                            </p:txEl>
+                                          </p:spTgt>
+                                        </p:tgtEl>
+                                        <p:attrNameLst>
+                                          <p:attrName>style.visibility</p:attrName>
+                                        </p:attrNameLst>
+                                      </p:cBhvr>
+                                      <p:to>
+                                        <p:strVal val="visible"/>
+                                      </p:to>
+                                    </p:set>
+                                  </p:childTnLst>
+                                </p:cTn>
+                              </p:par>
+                              <p:par>
+                                <p:cTn id="45" presetID="1" presetClass="entr" presetSubtype="0" fill="hold" nodeType="withEffect">
+                                  <p:stCondLst>
+                                    <p:cond delay="0"/>
+                                  </p:stCondLst>
+                                  <p:childTnLst>
+                                    <p:set>
+                                      <p:cBhvr>
+                                        <p:cTn id="46" dur="1" fill="hold">
+                                          <p:stCondLst>
+                                            <p:cond delay="0"/>
+                                          </p:stCondLst>
+                                        </p:cTn>
+                                        <p:tgtEl>
+                                          <p:spTgt spid="2">
+                                            <p:txEl>
+                                              <p:pRg st="10" end="10"/>
+                                            </p:txEl>
+                                          </p:spTgt>
+                                        </p:tgtEl>
+                                        <p:attrNameLst>
+                                          <p:attrName>style.visibility</p:attrName>
+                                        </p:attrNameLst>
+                                      </p:cBhvr>
+                                      <p:to>
+                                        <p:strVal val="visible"/>
+                                      </p:to>
+                                    </p:set>
+                                  </p:childTnLst>
+                                </p:cTn>
+                              </p:par>
+                              <p:par>
+                                <p:cTn id="47" presetID="1" presetClass="entr" presetSubtype="0" fill="hold" nodeType="withEffect">
+                                  <p:stCondLst>
+                                    <p:cond delay="0"/>
+                                  </p:stCondLst>
+                                  <p:childTnLst>
+                                    <p:set>
+                                      <p:cBhvr>
+                                        <p:cTn id="48" dur="1" fill="hold">
+                                          <p:stCondLst>
+                                            <p:cond delay="0"/>
+                                          </p:stCondLst>
+                                        </p:cTn>
+                                        <p:tgtEl>
+                                          <p:spTgt spid="2">
+                                            <p:txEl>
+                                              <p:pRg st="11" end="11"/>
+                                            </p:txEl>
+                                          </p:spTgt>
+                                        </p:tgtEl>
+                                        <p:attrNameLst>
+                                          <p:attrName>style.visibility</p:attrName>
+                                        </p:attrNameLst>
+                                      </p:cBhvr>
+                                      <p:to>
+                                        <p:strVal val="visible"/>
+                                      </p:to>
+                                    </p:set>
+                                  </p:childTnLst>
+                                </p:cTn>
+                              </p:par>
+                              <p:par>
+                                <p:cTn id="49" presetID="1" presetClass="entr" presetSubtype="0" fill="hold" nodeType="withEffect">
+                                  <p:stCondLst>
+                                    <p:cond delay="0"/>
+                                  </p:stCondLst>
+                                  <p:childTnLst>
+                                    <p:set>
+                                      <p:cBhvr>
+                                        <p:cTn id="50" dur="1" fill="hold">
+                                          <p:stCondLst>
+                                            <p:cond delay="0"/>
+                                          </p:stCondLst>
+                                        </p:cTn>
+                                        <p:tgtEl>
+                                          <p:spTgt spid="3">
+                                            <p:txEl>
+                                              <p:pRg st="4" end="4"/>
+                                            </p:txEl>
+                                          </p:spTgt>
+                                        </p:tgtEl>
+                                        <p:attrNameLst>
+                                          <p:attrName>style.visibility</p:attrName>
+                                        </p:attrNameLst>
+                                      </p:cBhvr>
+                                      <p:to>
+                                        <p:strVal val="visible"/>
+                                      </p:to>
+                                    </p:set>
+                                  </p:childTnLst>
+                                </p:cTn>
+                              </p:par>
+                              <p:par>
+                                <p:cTn id="51" presetID="1" presetClass="entr" presetSubtype="0" fill="hold" nodeType="withEffect">
+                                  <p:stCondLst>
+                                    <p:cond delay="0"/>
+                                  </p:stCondLst>
+                                  <p:childTnLst>
+                                    <p:set>
+                                      <p:cBhvr>
+                                        <p:cTn id="52" dur="1" fill="hold">
+                                          <p:stCondLst>
+                                            <p:cond delay="0"/>
+                                          </p:stCondLst>
+                                        </p:cTn>
+                                        <p:tgtEl>
+                                          <p:spTgt spid="3">
+                                            <p:txEl>
+                                              <p:pRg st="5" end="5"/>
+                                            </p:txEl>
+                                          </p:spTgt>
+                                        </p:tgtEl>
+                                        <p:attrNameLst>
+                                          <p:attrName>style.visibility</p:attrName>
+                                        </p:attrNameLst>
+                                      </p:cBhvr>
+                                      <p:to>
+                                        <p:strVal val="visible"/>
+                                      </p:to>
+                                    </p:set>
+                                  </p:childTnLst>
+                                </p:cTn>
+                              </p:par>
+                              <p:par>
+                                <p:cTn id="53" presetID="1" presetClass="entr" presetSubtype="0" fill="hold" nodeType="withEffect">
+                                  <p:stCondLst>
+                                    <p:cond delay="0"/>
+                                  </p:stCondLst>
+                                  <p:childTnLst>
+                                    <p:set>
+                                      <p:cBhvr>
+                                        <p:cTn id="54" dur="1" fill="hold">
+                                          <p:stCondLst>
+                                            <p:cond delay="0"/>
+                                          </p:stCondLst>
+                                        </p:cTn>
+                                        <p:tgtEl>
+                                          <p:spTgt spid="3">
+                                            <p:txEl>
+                                              <p:pRg st="6" end="6"/>
+                                            </p:txEl>
+                                          </p:spTgt>
+                                        </p:tgtEl>
+                                        <p:attrNameLst>
+                                          <p:attrName>style.visibility</p:attrName>
+                                        </p:attrNameLst>
+                                      </p:cBhvr>
+                                      <p:to>
+                                        <p:strVal val="visible"/>
+                                      </p:to>
+                                    </p:set>
+                                  </p:childTnLst>
+                                </p:cTn>
+                              </p:par>
+                              <p:par>
+                                <p:cTn id="55" presetID="1" presetClass="entr" presetSubtype="0" fill="hold" nodeType="withEffect">
+                                  <p:stCondLst>
+                                    <p:cond delay="0"/>
+                                  </p:stCondLst>
+                                  <p:childTnLst>
+                                    <p:set>
+                                      <p:cBhvr>
+                                        <p:cTn id="56" dur="1" fill="hold">
+                                          <p:stCondLst>
+                                            <p:cond delay="0"/>
+                                          </p:stCondLst>
+                                        </p:cTn>
+                                        <p:tgtEl>
+                                          <p:spTgt spid="3">
+                                            <p:txEl>
+                                              <p:pRg st="7" end="7"/>
+                                            </p:txEl>
+                                          </p:spTgt>
+                                        </p:tgtEl>
+                                        <p:attrNameLst>
+                                          <p:attrName>style.visibility</p:attrName>
+                                        </p:attrNameLst>
+                                      </p:cBhvr>
+                                      <p:to>
+                                        <p:strVal val="visible"/>
+                                      </p:to>
+                                    </p:set>
+                                  </p:childTnLst>
+                                </p:cTn>
+                              </p:par>
+                            </p:childTnLst>
+                          </p:cTn>
+                        </p:par>
+                      </p:childTnLst>
+                    </p:cTn>
+                  </p:par>
+                </p:childTnLst>
+              </p:cTn>
+              <p:prevCondLst>
+                <p:cond evt="onPrev" delay="0">
+                  <p:tgtEl>
+                    <p:sldTgt/>
+                  </p:tgtEl>
+                </p:cond>
+              </p:prevCondLst>
+              <p:nextCondLst>
+                <p:cond evt="onNext" delay="0">
+                  <p:tgtEl>
+                    <p:sldTgt/>
+                  </p:tgtEl>
+                </p:cond>
+              </p:nextCondLst>
+            </p:seq>
+          </p:childTnLst>
+        </p:cTn>
+      </p:par>
+    </p:tnLst>
+  </p:timing>
+</p:sld>
+</file>
+
+<file path=ppt/slides/slide18.xml><?xml version="1.0" encoding="utf-8"?>
+<p:sld xmlns:a="http://schemas.openxmlformats.org/drawingml/2006/main" xmlns:r="http://schemas.openxmlformats.org/officeDocument/2006/relationships" xmlns:p="http://schemas.openxmlformats.org/presentationml/2006/main">
+  <p:cSld>
+    <p:spTree>
+      <p:nvGrpSpPr>
+        <p:cNvPr id="1" name=""/>
+        <p:cNvGrpSpPr/>
+        <p:nvPr/>
+      </p:nvGrpSpPr>
+      <p:grpSpPr>
+        <a:xfrm>
+          <a:off x="0" y="0"/>
+          <a:ext cx="0" cy="0"/>
+          <a:chOff x="0" y="0"/>
+          <a:chExt cx="0" cy="0"/>
+        </a:xfrm>
+      </p:grpSpPr>
+      <p:sp>
+        <p:nvSpPr>
+          <p:cNvPr id="2" name="Title 1">
+            <a:extLst>
+              <a:ext uri="{FF2B5EF4-FFF2-40B4-BE49-F238E27FC236}">
+                <a16:creationId xmlns:a16="http://schemas.microsoft.com/office/drawing/2014/main" id="{0EB54176-2301-4A22-BD78-A1277ABD0626}"/>
+              </a:ext>
+            </a:extLst>
+          </p:cNvPr>
+          <p:cNvSpPr>
+            <a:spLocks noGrp="1"/>
+          </p:cNvSpPr>
+          <p:nvPr>
+            <p:ph type="title"/>
+          </p:nvPr>
+        </p:nvSpPr>
+        <p:spPr/>
+        <p:txBody>
+          <a:bodyPr/>
+          <a:lstStyle/>
+          <a:p>
+            <a:r>
+              <a:rPr lang="es-MX" dirty="0"/>
+              <a:t>Métodos y arreglos</a:t>
+            </a:r>
+            <a:endParaRPr lang="en-US" dirty="0"/>
+          </a:p>
+        </p:txBody>
+      </p:sp>
+      <p:sp>
+        <p:nvSpPr>
+          <p:cNvPr id="3" name="Content Placeholder 2">
+            <a:extLst>
+              <a:ext uri="{FF2B5EF4-FFF2-40B4-BE49-F238E27FC236}">
+                <a16:creationId xmlns:a16="http://schemas.microsoft.com/office/drawing/2014/main" id="{2346BC6E-27BB-42BB-8CB1-0E0F10300166}"/>
+              </a:ext>
+            </a:extLst>
+          </p:cNvPr>
+          <p:cNvSpPr>
+            <a:spLocks noGrp="1"/>
+          </p:cNvSpPr>
+          <p:nvPr>
+            <p:ph idx="1"/>
+          </p:nvPr>
+        </p:nvSpPr>
+        <p:spPr>
+          <a:xfrm>
+            <a:off x="457200" y="1417639"/>
+            <a:ext cx="8229600" cy="2862262"/>
+          </a:xfrm>
+        </p:spPr>
+        <p:txBody>
+          <a:bodyPr/>
+          <a:lstStyle/>
+          <a:p>
+            <a:r>
+              <a:rPr lang="es-MX" dirty="0"/>
+              <a:t>Al hacer la llamada del método:</a:t>
+            </a:r>
+          </a:p>
+          <a:p>
+            <a:r>
+              <a:rPr lang="en-US" dirty="0" err="1">
+                <a:solidFill>
+                  <a:srgbClr val="DCDCAA"/>
+                </a:solidFill>
+                <a:highlight>
+                  <a:srgbClr val="000000"/>
+                </a:highlight>
+                <a:latin typeface=" Cascadia Code"/>
+              </a:rPr>
+              <a:t>doSomething</a:t>
+            </a:r>
+            <a:r>
+              <a:rPr lang="en-US" dirty="0">
+                <a:solidFill>
+                  <a:srgbClr val="D4D4D4"/>
+                </a:solidFill>
+                <a:highlight>
+                  <a:srgbClr val="000000"/>
+                </a:highlight>
+                <a:latin typeface=" Cascadia Code"/>
+              </a:rPr>
+              <a:t>(a);</a:t>
+            </a:r>
+          </a:p>
+          <a:p>
+            <a:r>
+              <a:rPr lang="es-MX" dirty="0">
+                <a:latin typeface="+mj-lt"/>
+              </a:rPr>
+              <a:t>Estamos transfiriendo la dirección de memoria del arreglo a, por lo que el método modifica el contenido del arreglo también!</a:t>
+            </a:r>
+          </a:p>
+          <a:p>
+            <a:endParaRPr lang="en-US" dirty="0">
+              <a:latin typeface="+mj-lt"/>
+            </a:endParaRPr>
+          </a:p>
+          <a:p>
+            <a:r>
+              <a:rPr lang="es-MX" dirty="0"/>
+              <a:t> </a:t>
+            </a:r>
+            <a:endParaRPr lang="en-US" dirty="0"/>
+          </a:p>
+        </p:txBody>
+      </p:sp>
+      <p:sp>
+        <p:nvSpPr>
+          <p:cNvPr id="4" name="Rectangle 3">
+            <a:extLst>
+              <a:ext uri="{FF2B5EF4-FFF2-40B4-BE49-F238E27FC236}">
+                <a16:creationId xmlns:a16="http://schemas.microsoft.com/office/drawing/2014/main" id="{AA379DB6-26FC-48C9-9B54-C9E3EF26F2C6}"/>
+              </a:ext>
+            </a:extLst>
+          </p:cNvPr>
+          <p:cNvSpPr/>
+          <p:nvPr/>
+        </p:nvSpPr>
+        <p:spPr>
+          <a:xfrm>
+            <a:off x="457200" y="4424698"/>
+            <a:ext cx="8229600" cy="1938992"/>
+          </a:xfrm>
+          <a:prstGeom prst="rect">
+            <a:avLst/>
+          </a:prstGeom>
+          <a:solidFill>
+            <a:schemeClr val="tx1"/>
+          </a:solidFill>
+        </p:spPr>
+        <p:txBody>
+          <a:bodyPr wrap="square">
+            <a:spAutoFit/>
+          </a:bodyPr>
+          <a:lstStyle/>
+          <a:p>
+            <a:r>
+              <a:rPr lang="en-US" sz="2400" dirty="0">
+                <a:solidFill>
+                  <a:srgbClr val="569CD6"/>
+                </a:solidFill>
+                <a:highlight>
+                  <a:srgbClr val="000000"/>
+                </a:highlight>
+                <a:latin typeface=" Cascadia Code"/>
+              </a:rPr>
+              <a:t>public</a:t>
+            </a:r>
+            <a:r>
+              <a:rPr lang="en-US" sz="2400" dirty="0">
+                <a:solidFill>
+                  <a:srgbClr val="D4D4D4"/>
+                </a:solidFill>
+                <a:highlight>
+                  <a:srgbClr val="000000"/>
+                </a:highlight>
+                <a:latin typeface=" Cascadia Code"/>
+              </a:rPr>
+              <a:t> </a:t>
+            </a:r>
+            <a:r>
+              <a:rPr lang="en-US" sz="2400" dirty="0">
+                <a:solidFill>
+                  <a:srgbClr val="569CD6"/>
+                </a:solidFill>
+                <a:highlight>
+                  <a:srgbClr val="000000"/>
+                </a:highlight>
+                <a:latin typeface=" Cascadia Code"/>
+              </a:rPr>
+              <a:t>static</a:t>
+            </a:r>
+            <a:r>
+              <a:rPr lang="en-US" sz="2400" dirty="0">
+                <a:solidFill>
+                  <a:srgbClr val="D4D4D4"/>
+                </a:solidFill>
+                <a:highlight>
+                  <a:srgbClr val="000000"/>
+                </a:highlight>
+                <a:latin typeface=" Cascadia Code"/>
+              </a:rPr>
+              <a:t> </a:t>
+            </a:r>
+            <a:r>
+              <a:rPr lang="en-US" sz="2400" dirty="0">
+                <a:solidFill>
+                  <a:srgbClr val="4EC9B0"/>
+                </a:solidFill>
+                <a:highlight>
+                  <a:srgbClr val="000000"/>
+                </a:highlight>
+                <a:latin typeface=" Cascadia Code"/>
+              </a:rPr>
+              <a:t>void</a:t>
+            </a:r>
+            <a:r>
+              <a:rPr lang="en-US" sz="2400" dirty="0">
+                <a:solidFill>
+                  <a:srgbClr val="D4D4D4"/>
+                </a:solidFill>
+                <a:highlight>
+                  <a:srgbClr val="000000"/>
+                </a:highlight>
+                <a:latin typeface=" Cascadia Code"/>
+              </a:rPr>
+              <a:t> </a:t>
+            </a:r>
+            <a:r>
+              <a:rPr lang="en-US" sz="2400" dirty="0" err="1">
+                <a:solidFill>
+                  <a:srgbClr val="DCDCAA"/>
+                </a:solidFill>
+                <a:highlight>
+                  <a:srgbClr val="000000"/>
+                </a:highlight>
+                <a:latin typeface=" Cascadia Code"/>
+              </a:rPr>
+              <a:t>doSomething</a:t>
+            </a:r>
+            <a:r>
+              <a:rPr lang="en-US" sz="2400" dirty="0">
+                <a:solidFill>
+                  <a:srgbClr val="D4D4D4"/>
+                </a:solidFill>
+                <a:highlight>
+                  <a:srgbClr val="000000"/>
+                </a:highlight>
+                <a:latin typeface=" Cascadia Code"/>
+              </a:rPr>
+              <a:t>(</a:t>
+            </a:r>
+            <a:r>
+              <a:rPr lang="en-US" sz="2400" dirty="0">
+                <a:solidFill>
+                  <a:srgbClr val="4EC9B0"/>
+                </a:solidFill>
+                <a:highlight>
+                  <a:srgbClr val="000000"/>
+                </a:highlight>
+                <a:latin typeface=" Cascadia Code"/>
+              </a:rPr>
+              <a:t>int</a:t>
+            </a:r>
+            <a:r>
+              <a:rPr lang="en-US" sz="2400" dirty="0">
+                <a:solidFill>
+                  <a:srgbClr val="D4D4D4"/>
+                </a:solidFill>
+                <a:highlight>
+                  <a:srgbClr val="000000"/>
+                </a:highlight>
+                <a:latin typeface=" Cascadia Code"/>
+              </a:rPr>
+              <a:t>[] </a:t>
+            </a:r>
+            <a:r>
+              <a:rPr lang="en-US" sz="2400" dirty="0">
+                <a:solidFill>
+                  <a:srgbClr val="9CDCFE"/>
+                </a:solidFill>
+                <a:highlight>
+                  <a:srgbClr val="000000"/>
+                </a:highlight>
+                <a:latin typeface=" Cascadia Code"/>
+              </a:rPr>
+              <a:t>arr1</a:t>
+            </a:r>
+            <a:r>
+              <a:rPr lang="en-US" sz="2400" dirty="0">
+                <a:solidFill>
+                  <a:srgbClr val="D4D4D4"/>
+                </a:solidFill>
+                <a:highlight>
+                  <a:srgbClr val="000000"/>
+                </a:highlight>
+                <a:latin typeface=" Cascadia Code"/>
+              </a:rPr>
+              <a:t>){</a:t>
+            </a:r>
+          </a:p>
+          <a:p>
+            <a:r>
+              <a:rPr lang="en-US" sz="2400" dirty="0">
+                <a:solidFill>
+                  <a:srgbClr val="D4D4D4"/>
+                </a:solidFill>
+                <a:highlight>
+                  <a:srgbClr val="000000"/>
+                </a:highlight>
+                <a:latin typeface=" Cascadia Code"/>
+              </a:rPr>
+              <a:t>    </a:t>
+            </a:r>
+            <a:r>
+              <a:rPr lang="en-US" sz="2400" dirty="0">
+                <a:solidFill>
+                  <a:srgbClr val="C586C0"/>
+                </a:solidFill>
+                <a:highlight>
+                  <a:srgbClr val="000000"/>
+                </a:highlight>
+                <a:latin typeface=" Cascadia Code"/>
+              </a:rPr>
+              <a:t>for</a:t>
+            </a:r>
+            <a:r>
+              <a:rPr lang="en-US" sz="2400" dirty="0">
+                <a:solidFill>
+                  <a:srgbClr val="D4D4D4"/>
+                </a:solidFill>
+                <a:highlight>
+                  <a:srgbClr val="000000"/>
+                </a:highlight>
+                <a:latin typeface=" Cascadia Code"/>
+              </a:rPr>
+              <a:t>(</a:t>
+            </a:r>
+            <a:r>
+              <a:rPr lang="en-US" sz="2400" dirty="0">
+                <a:solidFill>
+                  <a:srgbClr val="4EC9B0"/>
+                </a:solidFill>
+                <a:highlight>
+                  <a:srgbClr val="000000"/>
+                </a:highlight>
+                <a:latin typeface=" Cascadia Code"/>
+              </a:rPr>
+              <a:t>int</a:t>
+            </a:r>
+            <a:r>
+              <a:rPr lang="en-US" sz="2400" dirty="0">
+                <a:solidFill>
+                  <a:srgbClr val="D4D4D4"/>
+                </a:solidFill>
+                <a:highlight>
+                  <a:srgbClr val="000000"/>
+                </a:highlight>
+                <a:latin typeface=" Cascadia Code"/>
+              </a:rPr>
+              <a:t> </a:t>
+            </a:r>
+            <a:r>
+              <a:rPr lang="en-US" sz="2400" dirty="0" err="1">
+                <a:solidFill>
+                  <a:srgbClr val="9CDCFE"/>
+                </a:solidFill>
+                <a:highlight>
+                  <a:srgbClr val="000000"/>
+                </a:highlight>
+                <a:latin typeface=" Cascadia Code"/>
+              </a:rPr>
+              <a:t>i</a:t>
+            </a:r>
+            <a:r>
+              <a:rPr lang="en-US" sz="2400" dirty="0">
+                <a:solidFill>
+                  <a:srgbClr val="D4D4D4"/>
+                </a:solidFill>
+                <a:highlight>
+                  <a:srgbClr val="000000"/>
+                </a:highlight>
+                <a:latin typeface=" Cascadia Code"/>
+              </a:rPr>
+              <a:t> = </a:t>
+            </a:r>
+            <a:r>
+              <a:rPr lang="en-US" sz="2400" dirty="0">
+                <a:solidFill>
+                  <a:srgbClr val="B5CEA8"/>
+                </a:solidFill>
+                <a:highlight>
+                  <a:srgbClr val="000000"/>
+                </a:highlight>
+                <a:latin typeface=" Cascadia Code"/>
+              </a:rPr>
+              <a:t>0</a:t>
+            </a:r>
+            <a:r>
+              <a:rPr lang="en-US" sz="2400" dirty="0">
+                <a:solidFill>
+                  <a:srgbClr val="D4D4D4"/>
+                </a:solidFill>
+                <a:highlight>
+                  <a:srgbClr val="000000"/>
+                </a:highlight>
+                <a:latin typeface=" Cascadia Code"/>
+              </a:rPr>
+              <a:t>; </a:t>
+            </a:r>
+            <a:r>
+              <a:rPr lang="en-US" sz="2400" dirty="0" err="1">
+                <a:solidFill>
+                  <a:srgbClr val="D4D4D4"/>
+                </a:solidFill>
+                <a:highlight>
+                  <a:srgbClr val="000000"/>
+                </a:highlight>
+                <a:latin typeface=" Cascadia Code"/>
+              </a:rPr>
+              <a:t>i</a:t>
+            </a:r>
+            <a:r>
+              <a:rPr lang="en-US" sz="2400" dirty="0">
+                <a:solidFill>
+                  <a:srgbClr val="D4D4D4"/>
+                </a:solidFill>
+                <a:highlight>
+                  <a:srgbClr val="000000"/>
+                </a:highlight>
+                <a:latin typeface=" Cascadia Code"/>
+              </a:rPr>
+              <a:t>&lt;</a:t>
+            </a:r>
+            <a:r>
+              <a:rPr lang="en-US" sz="2400" dirty="0">
+                <a:solidFill>
+                  <a:srgbClr val="9CDCFE"/>
+                </a:solidFill>
+                <a:highlight>
+                  <a:srgbClr val="000000"/>
+                </a:highlight>
+                <a:latin typeface=" Cascadia Code"/>
+              </a:rPr>
+              <a:t>arr1</a:t>
+            </a:r>
+            <a:r>
+              <a:rPr lang="en-US" sz="2400" dirty="0">
+                <a:solidFill>
+                  <a:srgbClr val="D4D4D4"/>
+                </a:solidFill>
+                <a:highlight>
+                  <a:srgbClr val="000000"/>
+                </a:highlight>
+                <a:latin typeface=" Cascadia Code"/>
+              </a:rPr>
+              <a:t>.</a:t>
+            </a:r>
+            <a:r>
+              <a:rPr lang="en-US" sz="2400" dirty="0">
+                <a:solidFill>
+                  <a:srgbClr val="9CDCFE"/>
+                </a:solidFill>
+                <a:highlight>
+                  <a:srgbClr val="000000"/>
+                </a:highlight>
+                <a:latin typeface=" Cascadia Code"/>
+              </a:rPr>
+              <a:t>length</a:t>
+            </a:r>
+            <a:r>
+              <a:rPr lang="en-US" sz="2400" dirty="0">
+                <a:solidFill>
+                  <a:srgbClr val="D4D4D4"/>
+                </a:solidFill>
+                <a:highlight>
+                  <a:srgbClr val="000000"/>
+                </a:highlight>
+                <a:latin typeface=" Cascadia Code"/>
+              </a:rPr>
+              <a:t>; </a:t>
+            </a:r>
+            <a:r>
+              <a:rPr lang="en-US" sz="2400" dirty="0" err="1">
+                <a:solidFill>
+                  <a:srgbClr val="D4D4D4"/>
+                </a:solidFill>
+                <a:highlight>
+                  <a:srgbClr val="000000"/>
+                </a:highlight>
+                <a:latin typeface=" Cascadia Code"/>
+              </a:rPr>
+              <a:t>i</a:t>
+            </a:r>
+            <a:r>
+              <a:rPr lang="en-US" sz="2400" dirty="0">
+                <a:solidFill>
+                  <a:srgbClr val="D4D4D4"/>
+                </a:solidFill>
+                <a:highlight>
+                  <a:srgbClr val="000000"/>
+                </a:highlight>
+                <a:latin typeface=" Cascadia Code"/>
+              </a:rPr>
+              <a:t>++){</a:t>
+            </a:r>
+          </a:p>
+          <a:p>
+            <a:r>
+              <a:rPr lang="en-US" sz="2400" dirty="0">
+                <a:solidFill>
+                  <a:srgbClr val="D4D4D4"/>
+                </a:solidFill>
+                <a:highlight>
+                  <a:srgbClr val="000000"/>
+                </a:highlight>
+                <a:latin typeface=" Cascadia Code"/>
+              </a:rPr>
+              <a:t>        arr1[</a:t>
+            </a:r>
+            <a:r>
+              <a:rPr lang="en-US" sz="2400" dirty="0" err="1">
+                <a:solidFill>
+                  <a:srgbClr val="D4D4D4"/>
+                </a:solidFill>
+                <a:highlight>
+                  <a:srgbClr val="000000"/>
+                </a:highlight>
+                <a:latin typeface=" Cascadia Code"/>
+              </a:rPr>
+              <a:t>i</a:t>
+            </a:r>
+            <a:r>
+              <a:rPr lang="en-US" sz="2400" dirty="0">
+                <a:solidFill>
+                  <a:srgbClr val="D4D4D4"/>
+                </a:solidFill>
+                <a:highlight>
+                  <a:srgbClr val="000000"/>
+                </a:highlight>
+                <a:latin typeface=" Cascadia Code"/>
+              </a:rPr>
+              <a:t>]++;</a:t>
+            </a:r>
+          </a:p>
+          <a:p>
+            <a:r>
+              <a:rPr lang="en-US" sz="2400" dirty="0">
+                <a:solidFill>
+                  <a:srgbClr val="D4D4D4"/>
+                </a:solidFill>
+                <a:highlight>
+                  <a:srgbClr val="000000"/>
+                </a:highlight>
+                <a:latin typeface=" Cascadia Code"/>
+              </a:rPr>
+              <a:t>  }</a:t>
+            </a:r>
+          </a:p>
+          <a:p>
+            <a:r>
+              <a:rPr lang="en-US" sz="2400" dirty="0">
+                <a:solidFill>
+                  <a:srgbClr val="D4D4D4"/>
+                </a:solidFill>
+                <a:highlight>
+                  <a:srgbClr val="000000"/>
+                </a:highlight>
+                <a:latin typeface=" Cascadia Code"/>
+              </a:rPr>
+              <a:t>}</a:t>
+            </a:r>
+          </a:p>
+        </p:txBody>
+      </p:sp>
+    </p:spTree>
+    <p:extLst>
+      <p:ext uri="{BB962C8B-B14F-4D97-AF65-F5344CB8AC3E}">
+        <p14:creationId xmlns:p14="http://schemas.microsoft.com/office/powerpoint/2010/main" val="875404121"/>
       </p:ext>
     </p:extLst>
   </p:cSld>
